--- a/Документация/TeamScanner презентация.pptx
+++ b/Документация/TeamScanner презентация.pptx
@@ -5,7 +5,7 @@
     <p:sldMasterId id="2147483648" r:id="rId1"/>
   </p:sldMasterIdLst>
   <p:notesMasterIdLst>
-    <p:notesMasterId r:id="rId15"/>
+    <p:notesMasterId r:id="rId17"/>
   </p:notesMasterIdLst>
   <p:sldIdLst>
     <p:sldId id="256" r:id="rId2"/>
@@ -13,14 +13,16 @@
     <p:sldId id="258" r:id="rId4"/>
     <p:sldId id="265" r:id="rId5"/>
     <p:sldId id="263" r:id="rId6"/>
-    <p:sldId id="261" r:id="rId7"/>
-    <p:sldId id="268" r:id="rId8"/>
-    <p:sldId id="266" r:id="rId9"/>
-    <p:sldId id="267" r:id="rId10"/>
-    <p:sldId id="269" r:id="rId11"/>
-    <p:sldId id="272" r:id="rId12"/>
-    <p:sldId id="264" r:id="rId13"/>
-    <p:sldId id="273" r:id="rId14"/>
+    <p:sldId id="268" r:id="rId7"/>
+    <p:sldId id="261" r:id="rId8"/>
+    <p:sldId id="275" r:id="rId9"/>
+    <p:sldId id="266" r:id="rId10"/>
+    <p:sldId id="267" r:id="rId11"/>
+    <p:sldId id="269" r:id="rId12"/>
+    <p:sldId id="272" r:id="rId13"/>
+    <p:sldId id="264" r:id="rId14"/>
+    <p:sldId id="274" r:id="rId15"/>
+    <p:sldId id="273" r:id="rId16"/>
   </p:sldIdLst>
   <p:sldSz cx="9144000" cy="6858000" type="screen4x3"/>
   <p:notesSz cx="6858000" cy="9144000"/>
@@ -119,6 +121,22 @@
       </a:defRPr>
     </a:lvl9pPr>
   </p:defaultTextStyle>
+  <p:extLst>
+    <p:ext uri="{EFAFB233-063F-42B5-8137-9DF3F51BA10A}">
+      <p15:sldGuideLst xmlns:p15="http://schemas.microsoft.com/office/powerpoint/2012/main">
+        <p15:guide id="1" orient="horz" pos="2160">
+          <p15:clr>
+            <a:srgbClr val="A4A3A4"/>
+          </p15:clr>
+        </p15:guide>
+        <p15:guide id="2" pos="2880">
+          <p15:clr>
+            <a:srgbClr val="A4A3A4"/>
+          </p15:clr>
+        </p15:guide>
+      </p15:sldGuideLst>
+    </p:ext>
+  </p:extLst>
 </p:presentation>
 </file>
 
@@ -1887,10 +1905,9 @@
         <a:lstStyle/>
         <a:p>
           <a:r>
-            <a:rPr lang="ru-RU" dirty="0" smtClean="0"/>
+            <a:rPr lang="ru-RU" dirty="0"/>
             <a:t>Поиск</a:t>
           </a:r>
-          <a:endParaRPr lang="ru-RU" dirty="0"/>
         </a:p>
       </dgm:t>
     </dgm:pt>
@@ -1924,10 +1941,9 @@
         <a:lstStyle/>
         <a:p>
           <a:r>
-            <a:rPr lang="ru-RU" dirty="0" smtClean="0"/>
+            <a:rPr lang="ru-RU" dirty="0"/>
             <a:t>Регистрация</a:t>
           </a:r>
-          <a:endParaRPr lang="ru-RU" dirty="0"/>
         </a:p>
       </dgm:t>
     </dgm:pt>
@@ -1961,10 +1977,9 @@
         <a:lstStyle/>
         <a:p>
           <a:r>
-            <a:rPr lang="ru-RU" dirty="0" smtClean="0"/>
+            <a:rPr lang="ru-RU" dirty="0"/>
             <a:t>Подписка</a:t>
           </a:r>
-          <a:endParaRPr lang="ru-RU" dirty="0"/>
         </a:p>
       </dgm:t>
     </dgm:pt>
@@ -2012,13 +2027,6 @@
         </dgm:presLayoutVars>
       </dgm:prSet>
       <dgm:spPr/>
-      <dgm:t>
-        <a:bodyPr/>
-        <a:lstStyle/>
-        <a:p>
-          <a:endParaRPr lang="ru-RU"/>
-        </a:p>
-      </dgm:t>
     </dgm:pt>
     <dgm:pt modelId="{E63F17EC-EF8E-4221-8DE2-210B72C93D5D}" type="pres">
       <dgm:prSet presAssocID="{FDE9CA22-DE75-4D5F-8E53-61C929AC0647}" presName="levelTx" presStyleLbl="revTx" presStyleIdx="0" presStyleCnt="0">
@@ -2028,13 +2036,6 @@
         </dgm:presLayoutVars>
       </dgm:prSet>
       <dgm:spPr/>
-      <dgm:t>
-        <a:bodyPr/>
-        <a:lstStyle/>
-        <a:p>
-          <a:endParaRPr lang="ru-RU"/>
-        </a:p>
-      </dgm:t>
     </dgm:pt>
     <dgm:pt modelId="{7180C5CA-F132-48DC-8145-AE129F0102AB}" type="pres">
       <dgm:prSet presAssocID="{BA9598A4-5182-4E10-91E9-00E8D01B619F}" presName="Name8" presStyleCnt="0"/>
@@ -2048,13 +2049,6 @@
         </dgm:presLayoutVars>
       </dgm:prSet>
       <dgm:spPr/>
-      <dgm:t>
-        <a:bodyPr/>
-        <a:lstStyle/>
-        <a:p>
-          <a:endParaRPr lang="ru-RU"/>
-        </a:p>
-      </dgm:t>
     </dgm:pt>
     <dgm:pt modelId="{60BB6402-EAB9-4E16-A71E-49EF6BE62C11}" type="pres">
       <dgm:prSet presAssocID="{BA9598A4-5182-4E10-91E9-00E8D01B619F}" presName="levelTx" presStyleLbl="revTx" presStyleIdx="0" presStyleCnt="0">
@@ -2064,13 +2058,6 @@
         </dgm:presLayoutVars>
       </dgm:prSet>
       <dgm:spPr/>
-      <dgm:t>
-        <a:bodyPr/>
-        <a:lstStyle/>
-        <a:p>
-          <a:endParaRPr lang="ru-RU"/>
-        </a:p>
-      </dgm:t>
     </dgm:pt>
     <dgm:pt modelId="{18B87E82-3E69-470F-B945-C164E9F13424}" type="pres">
       <dgm:prSet presAssocID="{314B0DB9-FE1A-4E3B-AEF6-98CE61CB2B96}" presName="Name8" presStyleCnt="0"/>
@@ -2084,13 +2071,6 @@
         </dgm:presLayoutVars>
       </dgm:prSet>
       <dgm:spPr/>
-      <dgm:t>
-        <a:bodyPr/>
-        <a:lstStyle/>
-        <a:p>
-          <a:endParaRPr lang="ru-RU"/>
-        </a:p>
-      </dgm:t>
     </dgm:pt>
     <dgm:pt modelId="{D8458C19-6C0A-4200-AB93-48148B97FB3E}" type="pres">
       <dgm:prSet presAssocID="{314B0DB9-FE1A-4E3B-AEF6-98CE61CB2B96}" presName="levelTx" presStyleLbl="revTx" presStyleIdx="0" presStyleCnt="0">
@@ -2100,26 +2080,19 @@
         </dgm:presLayoutVars>
       </dgm:prSet>
       <dgm:spPr/>
-      <dgm:t>
-        <a:bodyPr/>
-        <a:lstStyle/>
-        <a:p>
-          <a:endParaRPr lang="ru-RU"/>
-        </a:p>
-      </dgm:t>
     </dgm:pt>
   </dgm:ptLst>
   <dgm:cxnLst>
+    <dgm:cxn modelId="{6FD74F2A-BBE1-4630-8342-3B0109B87CE1}" type="presOf" srcId="{FDE9CA22-DE75-4D5F-8E53-61C929AC0647}" destId="{E63F17EC-EF8E-4221-8DE2-210B72C93D5D}" srcOrd="1" destOrd="0" presId="urn:microsoft.com/office/officeart/2005/8/layout/pyramid3"/>
+    <dgm:cxn modelId="{8BA9F06E-C503-4DFC-9297-FD82D3C80F41}" srcId="{7CF687C6-894E-4875-A335-5CEB7A674C00}" destId="{FDE9CA22-DE75-4D5F-8E53-61C929AC0647}" srcOrd="0" destOrd="0" parTransId="{E99EA336-A26C-4F9D-BD86-8652A301A5A3}" sibTransId="{605FB603-73B1-4B1E-AB68-A8C668231971}"/>
+    <dgm:cxn modelId="{30E75F7A-A2A1-43A0-8F0C-0625A1456388}" type="presOf" srcId="{314B0DB9-FE1A-4E3B-AEF6-98CE61CB2B96}" destId="{00C7A48F-725A-4547-8878-498F98ADAC3F}" srcOrd="0" destOrd="0" presId="urn:microsoft.com/office/officeart/2005/8/layout/pyramid3"/>
+    <dgm:cxn modelId="{328FF894-38FF-4FCF-BC41-2D1BFE1E9AF6}" type="presOf" srcId="{314B0DB9-FE1A-4E3B-AEF6-98CE61CB2B96}" destId="{D8458C19-6C0A-4200-AB93-48148B97FB3E}" srcOrd="1" destOrd="0" presId="urn:microsoft.com/office/officeart/2005/8/layout/pyramid3"/>
+    <dgm:cxn modelId="{A026B09D-3C7B-43E4-AC86-B33845CA9F8E}" type="presOf" srcId="{BA9598A4-5182-4E10-91E9-00E8D01B619F}" destId="{3AF1FE02-3424-4B16-A571-E1B5CFEEB13A}" srcOrd="0" destOrd="0" presId="urn:microsoft.com/office/officeart/2005/8/layout/pyramid3"/>
+    <dgm:cxn modelId="{79600DA6-0196-41C9-B79E-B3D4E799D4D0}" type="presOf" srcId="{BA9598A4-5182-4E10-91E9-00E8D01B619F}" destId="{60BB6402-EAB9-4E16-A71E-49EF6BE62C11}" srcOrd="1" destOrd="0" presId="urn:microsoft.com/office/officeart/2005/8/layout/pyramid3"/>
     <dgm:cxn modelId="{382D79A7-8BA0-468D-974D-7984518878BF}" type="presOf" srcId="{FDE9CA22-DE75-4D5F-8E53-61C929AC0647}" destId="{7D2F1F4B-0564-4AA6-9FD9-D5B72E7FDE53}" srcOrd="0" destOrd="0" presId="urn:microsoft.com/office/officeart/2005/8/layout/pyramid3"/>
-    <dgm:cxn modelId="{A026B09D-3C7B-43E4-AC86-B33845CA9F8E}" type="presOf" srcId="{BA9598A4-5182-4E10-91E9-00E8D01B619F}" destId="{3AF1FE02-3424-4B16-A571-E1B5CFEEB13A}" srcOrd="0" destOrd="0" presId="urn:microsoft.com/office/officeart/2005/8/layout/pyramid3"/>
-    <dgm:cxn modelId="{8BA9F06E-C503-4DFC-9297-FD82D3C80F41}" srcId="{7CF687C6-894E-4875-A335-5CEB7A674C00}" destId="{FDE9CA22-DE75-4D5F-8E53-61C929AC0647}" srcOrd="0" destOrd="0" parTransId="{E99EA336-A26C-4F9D-BD86-8652A301A5A3}" sibTransId="{605FB603-73B1-4B1E-AB68-A8C668231971}"/>
-    <dgm:cxn modelId="{6FD74F2A-BBE1-4630-8342-3B0109B87CE1}" type="presOf" srcId="{FDE9CA22-DE75-4D5F-8E53-61C929AC0647}" destId="{E63F17EC-EF8E-4221-8DE2-210B72C93D5D}" srcOrd="1" destOrd="0" presId="urn:microsoft.com/office/officeart/2005/8/layout/pyramid3"/>
-    <dgm:cxn modelId="{79600DA6-0196-41C9-B79E-B3D4E799D4D0}" type="presOf" srcId="{BA9598A4-5182-4E10-91E9-00E8D01B619F}" destId="{60BB6402-EAB9-4E16-A71E-49EF6BE62C11}" srcOrd="1" destOrd="0" presId="urn:microsoft.com/office/officeart/2005/8/layout/pyramid3"/>
+    <dgm:cxn modelId="{0A7F98AB-97F4-442F-A45B-EE99B54CC126}" srcId="{7CF687C6-894E-4875-A335-5CEB7A674C00}" destId="{314B0DB9-FE1A-4E3B-AEF6-98CE61CB2B96}" srcOrd="2" destOrd="0" parTransId="{4B643F68-1A01-450D-9B36-82A42F08DE76}" sibTransId="{CDBBD9B6-D4A7-47BA-9220-95B44F89627A}"/>
+    <dgm:cxn modelId="{C6AB99D2-7342-4B78-94F6-4BE9A4F9B5FE}" srcId="{7CF687C6-894E-4875-A335-5CEB7A674C00}" destId="{BA9598A4-5182-4E10-91E9-00E8D01B619F}" srcOrd="1" destOrd="0" parTransId="{F1245A69-1383-42AD-BF98-D27F044CE64F}" sibTransId="{54AB0671-6EF0-4517-9493-D18D955FD6A1}"/>
     <dgm:cxn modelId="{C8FE31F3-8119-471A-B242-F9E870E341FC}" type="presOf" srcId="{7CF687C6-894E-4875-A335-5CEB7A674C00}" destId="{4B756455-A25E-4C00-BC6B-76BB3EC36A41}" srcOrd="0" destOrd="0" presId="urn:microsoft.com/office/officeart/2005/8/layout/pyramid3"/>
-    <dgm:cxn modelId="{C6AB99D2-7342-4B78-94F6-4BE9A4F9B5FE}" srcId="{7CF687C6-894E-4875-A335-5CEB7A674C00}" destId="{BA9598A4-5182-4E10-91E9-00E8D01B619F}" srcOrd="1" destOrd="0" parTransId="{F1245A69-1383-42AD-BF98-D27F044CE64F}" sibTransId="{54AB0671-6EF0-4517-9493-D18D955FD6A1}"/>
-    <dgm:cxn modelId="{0A7F98AB-97F4-442F-A45B-EE99B54CC126}" srcId="{7CF687C6-894E-4875-A335-5CEB7A674C00}" destId="{314B0DB9-FE1A-4E3B-AEF6-98CE61CB2B96}" srcOrd="2" destOrd="0" parTransId="{4B643F68-1A01-450D-9B36-82A42F08DE76}" sibTransId="{CDBBD9B6-D4A7-47BA-9220-95B44F89627A}"/>
-    <dgm:cxn modelId="{328FF894-38FF-4FCF-BC41-2D1BFE1E9AF6}" type="presOf" srcId="{314B0DB9-FE1A-4E3B-AEF6-98CE61CB2B96}" destId="{D8458C19-6C0A-4200-AB93-48148B97FB3E}" srcOrd="1" destOrd="0" presId="urn:microsoft.com/office/officeart/2005/8/layout/pyramid3"/>
-    <dgm:cxn modelId="{30E75F7A-A2A1-43A0-8F0C-0625A1456388}" type="presOf" srcId="{314B0DB9-FE1A-4E3B-AEF6-98CE61CB2B96}" destId="{00C7A48F-725A-4547-8878-498F98ADAC3F}" srcOrd="0" destOrd="0" presId="urn:microsoft.com/office/officeart/2005/8/layout/pyramid3"/>
     <dgm:cxn modelId="{9C9A7E65-ECFC-4E8F-A405-4CAE24EA68F9}" type="presParOf" srcId="{4B756455-A25E-4C00-BC6B-76BB3EC36A41}" destId="{3DA59A8F-BE94-4E0B-9893-7AD1BF6F8B61}" srcOrd="0" destOrd="0" presId="urn:microsoft.com/office/officeart/2005/8/layout/pyramid3"/>
     <dgm:cxn modelId="{3268EC87-5709-4AA0-84C2-DCE2CCFA69C2}" type="presParOf" srcId="{3DA59A8F-BE94-4E0B-9893-7AD1BF6F8B61}" destId="{7D2F1F4B-0564-4AA6-9FD9-D5B72E7FDE53}" srcOrd="0" destOrd="0" presId="urn:microsoft.com/office/officeart/2005/8/layout/pyramid3"/>
     <dgm:cxn modelId="{E6D19750-B79D-477C-9EB4-B8CF8E9D2502}" type="presParOf" srcId="{3DA59A8F-BE94-4E0B-9893-7AD1BF6F8B61}" destId="{E63F17EC-EF8E-4221-8DE2-210B72C93D5D}" srcOrd="1" destOrd="0" presId="urn:microsoft.com/office/officeart/2005/8/layout/pyramid3"/>
@@ -2155,10 +2128,9 @@
         <a:lstStyle/>
         <a:p>
           <a:r>
-            <a:rPr lang="ru-RU" dirty="0" smtClean="0"/>
+            <a:rPr lang="ru-RU" dirty="0"/>
             <a:t>Поиск</a:t>
           </a:r>
-          <a:endParaRPr lang="ru-RU" dirty="0"/>
         </a:p>
       </dgm:t>
     </dgm:pt>
@@ -2192,10 +2164,9 @@
         <a:lstStyle/>
         <a:p>
           <a:r>
-            <a:rPr lang="ru-RU" dirty="0" smtClean="0"/>
+            <a:rPr lang="ru-RU" dirty="0"/>
             <a:t>Регистрация</a:t>
           </a:r>
-          <a:endParaRPr lang="ru-RU" dirty="0"/>
         </a:p>
       </dgm:t>
     </dgm:pt>
@@ -2229,10 +2200,9 @@
         <a:lstStyle/>
         <a:p>
           <a:r>
-            <a:rPr lang="ru-RU" dirty="0" smtClean="0"/>
+            <a:rPr lang="ru-RU" dirty="0"/>
             <a:t>Создание</a:t>
           </a:r>
-          <a:endParaRPr lang="ru-RU" dirty="0"/>
         </a:p>
       </dgm:t>
     </dgm:pt>
@@ -2280,13 +2250,6 @@
         </dgm:presLayoutVars>
       </dgm:prSet>
       <dgm:spPr/>
-      <dgm:t>
-        <a:bodyPr/>
-        <a:lstStyle/>
-        <a:p>
-          <a:endParaRPr lang="ru-RU"/>
-        </a:p>
-      </dgm:t>
     </dgm:pt>
     <dgm:pt modelId="{E63F17EC-EF8E-4221-8DE2-210B72C93D5D}" type="pres">
       <dgm:prSet presAssocID="{FDE9CA22-DE75-4D5F-8E53-61C929AC0647}" presName="levelTx" presStyleLbl="revTx" presStyleIdx="0" presStyleCnt="0">
@@ -2296,13 +2259,6 @@
         </dgm:presLayoutVars>
       </dgm:prSet>
       <dgm:spPr/>
-      <dgm:t>
-        <a:bodyPr/>
-        <a:lstStyle/>
-        <a:p>
-          <a:endParaRPr lang="ru-RU"/>
-        </a:p>
-      </dgm:t>
     </dgm:pt>
     <dgm:pt modelId="{7180C5CA-F132-48DC-8145-AE129F0102AB}" type="pres">
       <dgm:prSet presAssocID="{BA9598A4-5182-4E10-91E9-00E8D01B619F}" presName="Name8" presStyleCnt="0"/>
@@ -2316,13 +2272,6 @@
         </dgm:presLayoutVars>
       </dgm:prSet>
       <dgm:spPr/>
-      <dgm:t>
-        <a:bodyPr/>
-        <a:lstStyle/>
-        <a:p>
-          <a:endParaRPr lang="ru-RU"/>
-        </a:p>
-      </dgm:t>
     </dgm:pt>
     <dgm:pt modelId="{60BB6402-EAB9-4E16-A71E-49EF6BE62C11}" type="pres">
       <dgm:prSet presAssocID="{BA9598A4-5182-4E10-91E9-00E8D01B619F}" presName="levelTx" presStyleLbl="revTx" presStyleIdx="0" presStyleCnt="0">
@@ -2332,13 +2281,6 @@
         </dgm:presLayoutVars>
       </dgm:prSet>
       <dgm:spPr/>
-      <dgm:t>
-        <a:bodyPr/>
-        <a:lstStyle/>
-        <a:p>
-          <a:endParaRPr lang="ru-RU"/>
-        </a:p>
-      </dgm:t>
     </dgm:pt>
     <dgm:pt modelId="{18B87E82-3E69-470F-B945-C164E9F13424}" type="pres">
       <dgm:prSet presAssocID="{314B0DB9-FE1A-4E3B-AEF6-98CE61CB2B96}" presName="Name8" presStyleCnt="0"/>
@@ -2352,13 +2294,6 @@
         </dgm:presLayoutVars>
       </dgm:prSet>
       <dgm:spPr/>
-      <dgm:t>
-        <a:bodyPr/>
-        <a:lstStyle/>
-        <a:p>
-          <a:endParaRPr lang="ru-RU"/>
-        </a:p>
-      </dgm:t>
     </dgm:pt>
     <dgm:pt modelId="{D8458C19-6C0A-4200-AB93-48148B97FB3E}" type="pres">
       <dgm:prSet presAssocID="{314B0DB9-FE1A-4E3B-AEF6-98CE61CB2B96}" presName="levelTx" presStyleLbl="revTx" presStyleIdx="0" presStyleCnt="0">
@@ -2368,26 +2303,19 @@
         </dgm:presLayoutVars>
       </dgm:prSet>
       <dgm:spPr/>
-      <dgm:t>
-        <a:bodyPr/>
-        <a:lstStyle/>
-        <a:p>
-          <a:endParaRPr lang="ru-RU"/>
-        </a:p>
-      </dgm:t>
     </dgm:pt>
   </dgm:ptLst>
   <dgm:cxnLst>
-    <dgm:cxn modelId="{0A10F6AB-A2B0-4417-B1ED-4B57F4DAF3B9}" type="presOf" srcId="{314B0DB9-FE1A-4E3B-AEF6-98CE61CB2B96}" destId="{00C7A48F-725A-4547-8878-498F98ADAC3F}" srcOrd="0" destOrd="0" presId="urn:microsoft.com/office/officeart/2005/8/layout/pyramid3"/>
-    <dgm:cxn modelId="{D9E83798-9FC3-4CCF-9D8A-734D35630A5E}" type="presOf" srcId="{FDE9CA22-DE75-4D5F-8E53-61C929AC0647}" destId="{7D2F1F4B-0564-4AA6-9FD9-D5B72E7FDE53}" srcOrd="0" destOrd="0" presId="urn:microsoft.com/office/officeart/2005/8/layout/pyramid3"/>
-    <dgm:cxn modelId="{8BA9F06E-C503-4DFC-9297-FD82D3C80F41}" srcId="{7CF687C6-894E-4875-A335-5CEB7A674C00}" destId="{FDE9CA22-DE75-4D5F-8E53-61C929AC0647}" srcOrd="0" destOrd="0" parTransId="{E99EA336-A26C-4F9D-BD86-8652A301A5A3}" sibTransId="{605FB603-73B1-4B1E-AB68-A8C668231971}"/>
-    <dgm:cxn modelId="{365A93CF-16F5-43AD-83DB-469E7204DAF9}" type="presOf" srcId="{BA9598A4-5182-4E10-91E9-00E8D01B619F}" destId="{3AF1FE02-3424-4B16-A571-E1B5CFEEB13A}" srcOrd="0" destOrd="0" presId="urn:microsoft.com/office/officeart/2005/8/layout/pyramid3"/>
-    <dgm:cxn modelId="{F3AF4C22-A6B8-4E79-9D39-C29B6405D2A6}" type="presOf" srcId="{FDE9CA22-DE75-4D5F-8E53-61C929AC0647}" destId="{E63F17EC-EF8E-4221-8DE2-210B72C93D5D}" srcOrd="1" destOrd="0" presId="urn:microsoft.com/office/officeart/2005/8/layout/pyramid3"/>
-    <dgm:cxn modelId="{3AFE9AD3-F57E-418F-BD03-A2C305BAB32C}" type="presOf" srcId="{7CF687C6-894E-4875-A335-5CEB7A674C00}" destId="{4B756455-A25E-4C00-BC6B-76BB3EC36A41}" srcOrd="0" destOrd="0" presId="urn:microsoft.com/office/officeart/2005/8/layout/pyramid3"/>
     <dgm:cxn modelId="{41FB7E0B-98C5-4318-BB78-8DC614594B6B}" type="presOf" srcId="{BA9598A4-5182-4E10-91E9-00E8D01B619F}" destId="{60BB6402-EAB9-4E16-A71E-49EF6BE62C11}" srcOrd="1" destOrd="0" presId="urn:microsoft.com/office/officeart/2005/8/layout/pyramid3"/>
     <dgm:cxn modelId="{4D5C1A20-209A-4CB3-8614-9D6348999461}" type="presOf" srcId="{314B0DB9-FE1A-4E3B-AEF6-98CE61CB2B96}" destId="{D8458C19-6C0A-4200-AB93-48148B97FB3E}" srcOrd="1" destOrd="0" presId="urn:microsoft.com/office/officeart/2005/8/layout/pyramid3"/>
+    <dgm:cxn modelId="{F3AF4C22-A6B8-4E79-9D39-C29B6405D2A6}" type="presOf" srcId="{FDE9CA22-DE75-4D5F-8E53-61C929AC0647}" destId="{E63F17EC-EF8E-4221-8DE2-210B72C93D5D}" srcOrd="1" destOrd="0" presId="urn:microsoft.com/office/officeart/2005/8/layout/pyramid3"/>
+    <dgm:cxn modelId="{8BA9F06E-C503-4DFC-9297-FD82D3C80F41}" srcId="{7CF687C6-894E-4875-A335-5CEB7A674C00}" destId="{FDE9CA22-DE75-4D5F-8E53-61C929AC0647}" srcOrd="0" destOrd="0" parTransId="{E99EA336-A26C-4F9D-BD86-8652A301A5A3}" sibTransId="{605FB603-73B1-4B1E-AB68-A8C668231971}"/>
+    <dgm:cxn modelId="{D9E83798-9FC3-4CCF-9D8A-734D35630A5E}" type="presOf" srcId="{FDE9CA22-DE75-4D5F-8E53-61C929AC0647}" destId="{7D2F1F4B-0564-4AA6-9FD9-D5B72E7FDE53}" srcOrd="0" destOrd="0" presId="urn:microsoft.com/office/officeart/2005/8/layout/pyramid3"/>
+    <dgm:cxn modelId="{0A7F98AB-97F4-442F-A45B-EE99B54CC126}" srcId="{7CF687C6-894E-4875-A335-5CEB7A674C00}" destId="{314B0DB9-FE1A-4E3B-AEF6-98CE61CB2B96}" srcOrd="2" destOrd="0" parTransId="{4B643F68-1A01-450D-9B36-82A42F08DE76}" sibTransId="{CDBBD9B6-D4A7-47BA-9220-95B44F89627A}"/>
+    <dgm:cxn modelId="{0A10F6AB-A2B0-4417-B1ED-4B57F4DAF3B9}" type="presOf" srcId="{314B0DB9-FE1A-4E3B-AEF6-98CE61CB2B96}" destId="{00C7A48F-725A-4547-8878-498F98ADAC3F}" srcOrd="0" destOrd="0" presId="urn:microsoft.com/office/officeart/2005/8/layout/pyramid3"/>
+    <dgm:cxn modelId="{365A93CF-16F5-43AD-83DB-469E7204DAF9}" type="presOf" srcId="{BA9598A4-5182-4E10-91E9-00E8D01B619F}" destId="{3AF1FE02-3424-4B16-A571-E1B5CFEEB13A}" srcOrd="0" destOrd="0" presId="urn:microsoft.com/office/officeart/2005/8/layout/pyramid3"/>
     <dgm:cxn modelId="{C6AB99D2-7342-4B78-94F6-4BE9A4F9B5FE}" srcId="{7CF687C6-894E-4875-A335-5CEB7A674C00}" destId="{BA9598A4-5182-4E10-91E9-00E8D01B619F}" srcOrd="1" destOrd="0" parTransId="{F1245A69-1383-42AD-BF98-D27F044CE64F}" sibTransId="{54AB0671-6EF0-4517-9493-D18D955FD6A1}"/>
-    <dgm:cxn modelId="{0A7F98AB-97F4-442F-A45B-EE99B54CC126}" srcId="{7CF687C6-894E-4875-A335-5CEB7A674C00}" destId="{314B0DB9-FE1A-4E3B-AEF6-98CE61CB2B96}" srcOrd="2" destOrd="0" parTransId="{4B643F68-1A01-450D-9B36-82A42F08DE76}" sibTransId="{CDBBD9B6-D4A7-47BA-9220-95B44F89627A}"/>
+    <dgm:cxn modelId="{3AFE9AD3-F57E-418F-BD03-A2C305BAB32C}" type="presOf" srcId="{7CF687C6-894E-4875-A335-5CEB7A674C00}" destId="{4B756455-A25E-4C00-BC6B-76BB3EC36A41}" srcOrd="0" destOrd="0" presId="urn:microsoft.com/office/officeart/2005/8/layout/pyramid3"/>
     <dgm:cxn modelId="{2DAB354C-DA8F-4842-95DE-75A937B23766}" type="presParOf" srcId="{4B756455-A25E-4C00-BC6B-76BB3EC36A41}" destId="{3DA59A8F-BE94-4E0B-9893-7AD1BF6F8B61}" srcOrd="0" destOrd="0" presId="urn:microsoft.com/office/officeart/2005/8/layout/pyramid3"/>
     <dgm:cxn modelId="{D7D3E021-18A3-4CF7-9E41-675D0BC94B56}" type="presParOf" srcId="{3DA59A8F-BE94-4E0B-9893-7AD1BF6F8B61}" destId="{7D2F1F4B-0564-4AA6-9FD9-D5B72E7FDE53}" srcOrd="0" destOrd="0" presId="urn:microsoft.com/office/officeart/2005/8/layout/pyramid3"/>
     <dgm:cxn modelId="{5CC54563-2F34-4D01-BCB9-FAC1A865D1CC}" type="presParOf" srcId="{3DA59A8F-BE94-4E0B-9893-7AD1BF6F8B61}" destId="{E63F17EC-EF8E-4221-8DE2-210B72C93D5D}" srcOrd="1" destOrd="0" presId="urn:microsoft.com/office/officeart/2005/8/layout/pyramid3"/>
@@ -2509,7 +2437,7 @@
         </a:bodyPr>
         <a:lstStyle/>
         <a:p>
-          <a:pPr lvl="0" algn="ctr" defTabSz="1866900">
+          <a:pPr marL="0" lvl="0" indent="0" algn="ctr" defTabSz="1866900">
             <a:lnSpc>
               <a:spcPct val="90000"/>
             </a:lnSpc>
@@ -2519,12 +2447,12 @@
             <a:spcAft>
               <a:spcPct val="35000"/>
             </a:spcAft>
+            <a:buNone/>
           </a:pPr>
           <a:r>
-            <a:rPr lang="ru-RU" sz="4200" kern="1200" dirty="0" smtClean="0"/>
+            <a:rPr lang="ru-RU" sz="4200" kern="1200" dirty="0"/>
             <a:t>Поиск</a:t>
           </a:r>
-          <a:endParaRPr lang="ru-RU" sz="4200" kern="1200" dirty="0"/>
         </a:p>
       </dsp:txBody>
       <dsp:txXfrm rot="-10800000">
@@ -2625,7 +2553,7 @@
         </a:bodyPr>
         <a:lstStyle/>
         <a:p>
-          <a:pPr lvl="0" algn="ctr" defTabSz="1866900">
+          <a:pPr marL="0" lvl="0" indent="0" algn="ctr" defTabSz="1866900">
             <a:lnSpc>
               <a:spcPct val="90000"/>
             </a:lnSpc>
@@ -2635,12 +2563,12 @@
             <a:spcAft>
               <a:spcPct val="35000"/>
             </a:spcAft>
+            <a:buNone/>
           </a:pPr>
           <a:r>
-            <a:rPr lang="ru-RU" sz="4200" kern="1200" dirty="0" smtClean="0"/>
+            <a:rPr lang="ru-RU" sz="4200" kern="1200" dirty="0"/>
             <a:t>Регистрация</a:t>
           </a:r>
-          <a:endParaRPr lang="ru-RU" sz="4200" kern="1200" dirty="0"/>
         </a:p>
       </dsp:txBody>
       <dsp:txXfrm rot="-10800000">
@@ -2741,7 +2669,7 @@
         </a:bodyPr>
         <a:lstStyle/>
         <a:p>
-          <a:pPr lvl="0" algn="ctr" defTabSz="1866900">
+          <a:pPr marL="0" lvl="0" indent="0" algn="ctr" defTabSz="1866900">
             <a:lnSpc>
               <a:spcPct val="90000"/>
             </a:lnSpc>
@@ -2751,12 +2679,12 @@
             <a:spcAft>
               <a:spcPct val="35000"/>
             </a:spcAft>
+            <a:buNone/>
           </a:pPr>
           <a:r>
-            <a:rPr lang="ru-RU" sz="4200" kern="1200" dirty="0" smtClean="0"/>
+            <a:rPr lang="ru-RU" sz="4200" kern="1200" dirty="0"/>
             <a:t>Подписка</a:t>
           </a:r>
-          <a:endParaRPr lang="ru-RU" sz="4200" kern="1200" dirty="0"/>
         </a:p>
       </dsp:txBody>
       <dsp:txXfrm rot="-10800000">
@@ -2869,7 +2797,7 @@
         </a:bodyPr>
         <a:lstStyle/>
         <a:p>
-          <a:pPr lvl="0" algn="ctr" defTabSz="1866900">
+          <a:pPr marL="0" lvl="0" indent="0" algn="ctr" defTabSz="1866900">
             <a:lnSpc>
               <a:spcPct val="90000"/>
             </a:lnSpc>
@@ -2879,12 +2807,12 @@
             <a:spcAft>
               <a:spcPct val="35000"/>
             </a:spcAft>
+            <a:buNone/>
           </a:pPr>
           <a:r>
-            <a:rPr lang="ru-RU" sz="4200" kern="1200" dirty="0" smtClean="0"/>
+            <a:rPr lang="ru-RU" sz="4200" kern="1200" dirty="0"/>
             <a:t>Поиск</a:t>
           </a:r>
-          <a:endParaRPr lang="ru-RU" sz="4200" kern="1200" dirty="0"/>
         </a:p>
       </dsp:txBody>
       <dsp:txXfrm rot="-10800000">
@@ -2985,7 +2913,7 @@
         </a:bodyPr>
         <a:lstStyle/>
         <a:p>
-          <a:pPr lvl="0" algn="ctr" defTabSz="1866900">
+          <a:pPr marL="0" lvl="0" indent="0" algn="ctr" defTabSz="1866900">
             <a:lnSpc>
               <a:spcPct val="90000"/>
             </a:lnSpc>
@@ -2995,12 +2923,12 @@
             <a:spcAft>
               <a:spcPct val="35000"/>
             </a:spcAft>
+            <a:buNone/>
           </a:pPr>
           <a:r>
-            <a:rPr lang="ru-RU" sz="4200" kern="1200" dirty="0" smtClean="0"/>
+            <a:rPr lang="ru-RU" sz="4200" kern="1200" dirty="0"/>
             <a:t>Регистрация</a:t>
           </a:r>
-          <a:endParaRPr lang="ru-RU" sz="4200" kern="1200" dirty="0"/>
         </a:p>
       </dsp:txBody>
       <dsp:txXfrm rot="-10800000">
@@ -3101,7 +3029,7 @@
         </a:bodyPr>
         <a:lstStyle/>
         <a:p>
-          <a:pPr lvl="0" algn="ctr" defTabSz="1866900">
+          <a:pPr marL="0" lvl="0" indent="0" algn="ctr" defTabSz="1866900">
             <a:lnSpc>
               <a:spcPct val="90000"/>
             </a:lnSpc>
@@ -3111,12 +3039,12 @@
             <a:spcAft>
               <a:spcPct val="35000"/>
             </a:spcAft>
+            <a:buNone/>
           </a:pPr>
           <a:r>
-            <a:rPr lang="ru-RU" sz="4200" kern="1200" dirty="0" smtClean="0"/>
+            <a:rPr lang="ru-RU" sz="4200" kern="1200" dirty="0"/>
             <a:t>Создание</a:t>
           </a:r>
-          <a:endParaRPr lang="ru-RU" sz="4200" kern="1200" dirty="0"/>
         </a:p>
       </dsp:txBody>
       <dsp:txXfrm rot="-10800000">
@@ -6198,7 +6126,7 @@
           <a:p>
             <a:fld id="{D7AF618F-7314-49DA-923E-2C0EB52AA684}" type="datetimeFigureOut">
               <a:rPr lang="ru-RU" smtClean="0"/>
-              <a:t>10.06.2020</a:t>
+              <a:t>19.06.2020</a:t>
             </a:fld>
             <a:endParaRPr lang="ru-RU"/>
           </a:p>
@@ -6262,38 +6190,37 @@
           <a:p>
             <a:pPr lvl="0"/>
             <a:r>
-              <a:rPr lang="ru-RU" smtClean="0"/>
+              <a:rPr lang="ru-RU"/>
               <a:t>Образец текста</a:t>
             </a:r>
           </a:p>
           <a:p>
             <a:pPr lvl="1"/>
             <a:r>
-              <a:rPr lang="ru-RU" smtClean="0"/>
+              <a:rPr lang="ru-RU"/>
               <a:t>Второй уровень</a:t>
             </a:r>
           </a:p>
           <a:p>
             <a:pPr lvl="2"/>
             <a:r>
-              <a:rPr lang="ru-RU" smtClean="0"/>
+              <a:rPr lang="ru-RU"/>
               <a:t>Третий уровень</a:t>
             </a:r>
           </a:p>
           <a:p>
             <a:pPr lvl="3"/>
             <a:r>
-              <a:rPr lang="ru-RU" smtClean="0"/>
+              <a:rPr lang="ru-RU"/>
               <a:t>Четвертый уровень</a:t>
             </a:r>
           </a:p>
           <a:p>
             <a:pPr lvl="4"/>
             <a:r>
-              <a:rPr lang="ru-RU" smtClean="0"/>
+              <a:rPr lang="ru-RU"/>
               <a:t>Пятый уровень</a:t>
             </a:r>
-            <a:endParaRPr lang="ru-RU"/>
           </a:p>
         </p:txBody>
       </p:sp>
@@ -6504,10 +6431,9 @@
           <a:lstStyle/>
           <a:p>
             <a:r>
-              <a:rPr lang="ru-RU" smtClean="0"/>
+              <a:rPr lang="ru-RU"/>
               <a:t>Образец заголовка</a:t>
             </a:r>
-            <a:endParaRPr lang="ru-RU"/>
           </a:p>
         </p:txBody>
       </p:sp>
@@ -6623,10 +6549,9 @@
           </a:lstStyle>
           <a:p>
             <a:r>
-              <a:rPr lang="ru-RU" smtClean="0"/>
+              <a:rPr lang="ru-RU"/>
               <a:t>Образец подзаголовка</a:t>
             </a:r>
-            <a:endParaRPr lang="ru-RU"/>
           </a:p>
         </p:txBody>
       </p:sp>
@@ -6647,7 +6572,7 @@
           <a:p>
             <a:fld id="{64F2B9FF-B9F8-49A5-A7DA-DF83E078A962}" type="datetime1">
               <a:rPr lang="ru-RU" smtClean="0"/>
-              <a:t>10.06.2020</a:t>
+              <a:t>19.06.2020</a:t>
             </a:fld>
             <a:endParaRPr lang="ru-RU"/>
           </a:p>
@@ -6741,10 +6666,9 @@
           <a:lstStyle/>
           <a:p>
             <a:r>
-              <a:rPr lang="ru-RU" smtClean="0"/>
+              <a:rPr lang="ru-RU"/>
               <a:t>Образец заголовка</a:t>
             </a:r>
-            <a:endParaRPr lang="ru-RU"/>
           </a:p>
         </p:txBody>
       </p:sp>
@@ -6765,38 +6689,37 @@
           <a:p>
             <a:pPr lvl="0"/>
             <a:r>
-              <a:rPr lang="ru-RU" smtClean="0"/>
+              <a:rPr lang="ru-RU"/>
               <a:t>Образец текста</a:t>
             </a:r>
           </a:p>
           <a:p>
             <a:pPr lvl="1"/>
             <a:r>
-              <a:rPr lang="ru-RU" smtClean="0"/>
+              <a:rPr lang="ru-RU"/>
               <a:t>Второй уровень</a:t>
             </a:r>
           </a:p>
           <a:p>
             <a:pPr lvl="2"/>
             <a:r>
-              <a:rPr lang="ru-RU" smtClean="0"/>
+              <a:rPr lang="ru-RU"/>
               <a:t>Третий уровень</a:t>
             </a:r>
           </a:p>
           <a:p>
             <a:pPr lvl="3"/>
             <a:r>
-              <a:rPr lang="ru-RU" smtClean="0"/>
+              <a:rPr lang="ru-RU"/>
               <a:t>Четвертый уровень</a:t>
             </a:r>
           </a:p>
           <a:p>
             <a:pPr lvl="4"/>
             <a:r>
-              <a:rPr lang="ru-RU" smtClean="0"/>
+              <a:rPr lang="ru-RU"/>
               <a:t>Пятый уровень</a:t>
             </a:r>
-            <a:endParaRPr lang="ru-RU"/>
           </a:p>
         </p:txBody>
       </p:sp>
@@ -6817,7 +6740,7 @@
           <a:p>
             <a:fld id="{C25F4CB1-9B59-4638-9F46-6A213E4B873E}" type="datetime1">
               <a:rPr lang="ru-RU" smtClean="0"/>
-              <a:t>10.06.2020</a:t>
+              <a:t>19.06.2020</a:t>
             </a:fld>
             <a:endParaRPr lang="ru-RU"/>
           </a:p>
@@ -6916,10 +6839,9 @@
           <a:lstStyle/>
           <a:p>
             <a:r>
-              <a:rPr lang="ru-RU" smtClean="0"/>
+              <a:rPr lang="ru-RU"/>
               <a:t>Образец заголовка</a:t>
             </a:r>
-            <a:endParaRPr lang="ru-RU"/>
           </a:p>
         </p:txBody>
       </p:sp>
@@ -6945,38 +6867,37 @@
           <a:p>
             <a:pPr lvl="0"/>
             <a:r>
-              <a:rPr lang="ru-RU" smtClean="0"/>
+              <a:rPr lang="ru-RU"/>
               <a:t>Образец текста</a:t>
             </a:r>
           </a:p>
           <a:p>
             <a:pPr lvl="1"/>
             <a:r>
-              <a:rPr lang="ru-RU" smtClean="0"/>
+              <a:rPr lang="ru-RU"/>
               <a:t>Второй уровень</a:t>
             </a:r>
           </a:p>
           <a:p>
             <a:pPr lvl="2"/>
             <a:r>
-              <a:rPr lang="ru-RU" smtClean="0"/>
+              <a:rPr lang="ru-RU"/>
               <a:t>Третий уровень</a:t>
             </a:r>
           </a:p>
           <a:p>
             <a:pPr lvl="3"/>
             <a:r>
-              <a:rPr lang="ru-RU" smtClean="0"/>
+              <a:rPr lang="ru-RU"/>
               <a:t>Четвертый уровень</a:t>
             </a:r>
           </a:p>
           <a:p>
             <a:pPr lvl="4"/>
             <a:r>
-              <a:rPr lang="ru-RU" smtClean="0"/>
+              <a:rPr lang="ru-RU"/>
               <a:t>Пятый уровень</a:t>
             </a:r>
-            <a:endParaRPr lang="ru-RU"/>
           </a:p>
         </p:txBody>
       </p:sp>
@@ -6997,7 +6918,7 @@
           <a:p>
             <a:fld id="{A41A95D3-1DA8-4B8E-AC9C-DF4DE04F0462}" type="datetime1">
               <a:rPr lang="ru-RU" smtClean="0"/>
-              <a:t>10.06.2020</a:t>
+              <a:t>19.06.2020</a:t>
             </a:fld>
             <a:endParaRPr lang="ru-RU"/>
           </a:p>
@@ -7091,10 +7012,9 @@
           <a:lstStyle/>
           <a:p>
             <a:r>
-              <a:rPr lang="ru-RU" smtClean="0"/>
+              <a:rPr lang="ru-RU"/>
               <a:t>Образец заголовка</a:t>
             </a:r>
-            <a:endParaRPr lang="ru-RU"/>
           </a:p>
         </p:txBody>
       </p:sp>
@@ -7115,38 +7035,37 @@
           <a:p>
             <a:pPr lvl="0"/>
             <a:r>
-              <a:rPr lang="ru-RU" smtClean="0"/>
+              <a:rPr lang="ru-RU"/>
               <a:t>Образец текста</a:t>
             </a:r>
           </a:p>
           <a:p>
             <a:pPr lvl="1"/>
             <a:r>
-              <a:rPr lang="ru-RU" smtClean="0"/>
+              <a:rPr lang="ru-RU"/>
               <a:t>Второй уровень</a:t>
             </a:r>
           </a:p>
           <a:p>
             <a:pPr lvl="2"/>
             <a:r>
-              <a:rPr lang="ru-RU" smtClean="0"/>
+              <a:rPr lang="ru-RU"/>
               <a:t>Третий уровень</a:t>
             </a:r>
           </a:p>
           <a:p>
             <a:pPr lvl="3"/>
             <a:r>
-              <a:rPr lang="ru-RU" smtClean="0"/>
+              <a:rPr lang="ru-RU"/>
               <a:t>Четвертый уровень</a:t>
             </a:r>
           </a:p>
           <a:p>
             <a:pPr lvl="4"/>
             <a:r>
-              <a:rPr lang="ru-RU" smtClean="0"/>
+              <a:rPr lang="ru-RU"/>
               <a:t>Пятый уровень</a:t>
             </a:r>
-            <a:endParaRPr lang="ru-RU"/>
           </a:p>
         </p:txBody>
       </p:sp>
@@ -7167,7 +7086,7 @@
           <a:p>
             <a:fld id="{62694E33-0139-4C36-B865-1EAADFE526E5}" type="datetime1">
               <a:rPr lang="ru-RU" smtClean="0"/>
-              <a:t>10.06.2020</a:t>
+              <a:t>19.06.2020</a:t>
             </a:fld>
             <a:endParaRPr lang="ru-RU"/>
           </a:p>
@@ -7270,10 +7189,9 @@
           </a:lstStyle>
           <a:p>
             <a:r>
-              <a:rPr lang="ru-RU" smtClean="0"/>
+              <a:rPr lang="ru-RU"/>
               <a:t>Образец заголовка</a:t>
             </a:r>
-            <a:endParaRPr lang="ru-RU"/>
           </a:p>
         </p:txBody>
       </p:sp>
@@ -7390,7 +7308,7 @@
           <a:p>
             <a:pPr lvl="0"/>
             <a:r>
-              <a:rPr lang="ru-RU" smtClean="0"/>
+              <a:rPr lang="ru-RU"/>
               <a:t>Образец текста</a:t>
             </a:r>
           </a:p>
@@ -7413,7 +7331,7 @@
           <a:p>
             <a:fld id="{42220FC9-C13C-4469-87C2-DFC2FD6AB9BA}" type="datetime1">
               <a:rPr lang="ru-RU" smtClean="0"/>
-              <a:t>10.06.2020</a:t>
+              <a:t>19.06.2020</a:t>
             </a:fld>
             <a:endParaRPr lang="ru-RU"/>
           </a:p>
@@ -7507,10 +7425,9 @@
           <a:lstStyle/>
           <a:p>
             <a:r>
-              <a:rPr lang="ru-RU" smtClean="0"/>
+              <a:rPr lang="ru-RU"/>
               <a:t>Образец заголовка</a:t>
             </a:r>
-            <a:endParaRPr lang="ru-RU"/>
           </a:p>
         </p:txBody>
       </p:sp>
@@ -7564,38 +7481,37 @@
           <a:p>
             <a:pPr lvl="0"/>
             <a:r>
-              <a:rPr lang="ru-RU" smtClean="0"/>
+              <a:rPr lang="ru-RU"/>
               <a:t>Образец текста</a:t>
             </a:r>
           </a:p>
           <a:p>
             <a:pPr lvl="1"/>
             <a:r>
-              <a:rPr lang="ru-RU" smtClean="0"/>
+              <a:rPr lang="ru-RU"/>
               <a:t>Второй уровень</a:t>
             </a:r>
           </a:p>
           <a:p>
             <a:pPr lvl="2"/>
             <a:r>
-              <a:rPr lang="ru-RU" smtClean="0"/>
+              <a:rPr lang="ru-RU"/>
               <a:t>Третий уровень</a:t>
             </a:r>
           </a:p>
           <a:p>
             <a:pPr lvl="3"/>
             <a:r>
-              <a:rPr lang="ru-RU" smtClean="0"/>
+              <a:rPr lang="ru-RU"/>
               <a:t>Четвертый уровень</a:t>
             </a:r>
           </a:p>
           <a:p>
             <a:pPr lvl="4"/>
             <a:r>
-              <a:rPr lang="ru-RU" smtClean="0"/>
+              <a:rPr lang="ru-RU"/>
               <a:t>Пятый уровень</a:t>
             </a:r>
-            <a:endParaRPr lang="ru-RU"/>
           </a:p>
         </p:txBody>
       </p:sp>
@@ -7649,38 +7565,37 @@
           <a:p>
             <a:pPr lvl="0"/>
             <a:r>
-              <a:rPr lang="ru-RU" smtClean="0"/>
+              <a:rPr lang="ru-RU"/>
               <a:t>Образец текста</a:t>
             </a:r>
           </a:p>
           <a:p>
             <a:pPr lvl="1"/>
             <a:r>
-              <a:rPr lang="ru-RU" smtClean="0"/>
+              <a:rPr lang="ru-RU"/>
               <a:t>Второй уровень</a:t>
             </a:r>
           </a:p>
           <a:p>
             <a:pPr lvl="2"/>
             <a:r>
-              <a:rPr lang="ru-RU" smtClean="0"/>
+              <a:rPr lang="ru-RU"/>
               <a:t>Третий уровень</a:t>
             </a:r>
           </a:p>
           <a:p>
             <a:pPr lvl="3"/>
             <a:r>
-              <a:rPr lang="ru-RU" smtClean="0"/>
+              <a:rPr lang="ru-RU"/>
               <a:t>Четвертый уровень</a:t>
             </a:r>
           </a:p>
           <a:p>
             <a:pPr lvl="4"/>
             <a:r>
-              <a:rPr lang="ru-RU" smtClean="0"/>
+              <a:rPr lang="ru-RU"/>
               <a:t>Пятый уровень</a:t>
             </a:r>
-            <a:endParaRPr lang="ru-RU"/>
           </a:p>
         </p:txBody>
       </p:sp>
@@ -7701,7 +7616,7 @@
           <a:p>
             <a:fld id="{F58780C7-EE07-4121-BF86-219D1BE7E4AE}" type="datetime1">
               <a:rPr lang="ru-RU" smtClean="0"/>
-              <a:t>10.06.2020</a:t>
+              <a:t>19.06.2020</a:t>
             </a:fld>
             <a:endParaRPr lang="ru-RU"/>
           </a:p>
@@ -7799,10 +7714,9 @@
           </a:lstStyle>
           <a:p>
             <a:r>
-              <a:rPr lang="ru-RU" smtClean="0"/>
+              <a:rPr lang="ru-RU"/>
               <a:t>Образец заголовка</a:t>
             </a:r>
-            <a:endParaRPr lang="ru-RU"/>
           </a:p>
         </p:txBody>
       </p:sp>
@@ -7865,7 +7779,7 @@
           <a:p>
             <a:pPr lvl="0"/>
             <a:r>
-              <a:rPr lang="ru-RU" smtClean="0"/>
+              <a:rPr lang="ru-RU"/>
               <a:t>Образец текста</a:t>
             </a:r>
           </a:p>
@@ -7921,38 +7835,37 @@
           <a:p>
             <a:pPr lvl="0"/>
             <a:r>
-              <a:rPr lang="ru-RU" smtClean="0"/>
+              <a:rPr lang="ru-RU"/>
               <a:t>Образец текста</a:t>
             </a:r>
           </a:p>
           <a:p>
             <a:pPr lvl="1"/>
             <a:r>
-              <a:rPr lang="ru-RU" smtClean="0"/>
+              <a:rPr lang="ru-RU"/>
               <a:t>Второй уровень</a:t>
             </a:r>
           </a:p>
           <a:p>
             <a:pPr lvl="2"/>
             <a:r>
-              <a:rPr lang="ru-RU" smtClean="0"/>
+              <a:rPr lang="ru-RU"/>
               <a:t>Третий уровень</a:t>
             </a:r>
           </a:p>
           <a:p>
             <a:pPr lvl="3"/>
             <a:r>
-              <a:rPr lang="ru-RU" smtClean="0"/>
+              <a:rPr lang="ru-RU"/>
               <a:t>Четвертый уровень</a:t>
             </a:r>
           </a:p>
           <a:p>
             <a:pPr lvl="4"/>
             <a:r>
-              <a:rPr lang="ru-RU" smtClean="0"/>
+              <a:rPr lang="ru-RU"/>
               <a:t>Пятый уровень</a:t>
             </a:r>
-            <a:endParaRPr lang="ru-RU"/>
           </a:p>
         </p:txBody>
       </p:sp>
@@ -8015,7 +7928,7 @@
           <a:p>
             <a:pPr lvl="0"/>
             <a:r>
-              <a:rPr lang="ru-RU" smtClean="0"/>
+              <a:rPr lang="ru-RU"/>
               <a:t>Образец текста</a:t>
             </a:r>
           </a:p>
@@ -8071,38 +7984,37 @@
           <a:p>
             <a:pPr lvl="0"/>
             <a:r>
-              <a:rPr lang="ru-RU" smtClean="0"/>
+              <a:rPr lang="ru-RU"/>
               <a:t>Образец текста</a:t>
             </a:r>
           </a:p>
           <a:p>
             <a:pPr lvl="1"/>
             <a:r>
-              <a:rPr lang="ru-RU" smtClean="0"/>
+              <a:rPr lang="ru-RU"/>
               <a:t>Второй уровень</a:t>
             </a:r>
           </a:p>
           <a:p>
             <a:pPr lvl="2"/>
             <a:r>
-              <a:rPr lang="ru-RU" smtClean="0"/>
+              <a:rPr lang="ru-RU"/>
               <a:t>Третий уровень</a:t>
             </a:r>
           </a:p>
           <a:p>
             <a:pPr lvl="3"/>
             <a:r>
-              <a:rPr lang="ru-RU" smtClean="0"/>
+              <a:rPr lang="ru-RU"/>
               <a:t>Четвертый уровень</a:t>
             </a:r>
           </a:p>
           <a:p>
             <a:pPr lvl="4"/>
             <a:r>
-              <a:rPr lang="ru-RU" smtClean="0"/>
+              <a:rPr lang="ru-RU"/>
               <a:t>Пятый уровень</a:t>
             </a:r>
-            <a:endParaRPr lang="ru-RU"/>
           </a:p>
         </p:txBody>
       </p:sp>
@@ -8123,7 +8035,7 @@
           <a:p>
             <a:fld id="{1C2342A5-E721-45D4-957B-230CF19EF3E3}" type="datetime1">
               <a:rPr lang="ru-RU" smtClean="0"/>
-              <a:t>10.06.2020</a:t>
+              <a:t>19.06.2020</a:t>
             </a:fld>
             <a:endParaRPr lang="ru-RU"/>
           </a:p>
@@ -8217,10 +8129,9 @@
           <a:lstStyle/>
           <a:p>
             <a:r>
-              <a:rPr lang="ru-RU" smtClean="0"/>
+              <a:rPr lang="ru-RU"/>
               <a:t>Образец заголовка</a:t>
             </a:r>
-            <a:endParaRPr lang="ru-RU"/>
           </a:p>
         </p:txBody>
       </p:sp>
@@ -8241,7 +8152,7 @@
           <a:p>
             <a:fld id="{7B2E8600-F8EE-4D4D-8A72-03A04EC51186}" type="datetime1">
               <a:rPr lang="ru-RU" smtClean="0"/>
-              <a:t>10.06.2020</a:t>
+              <a:t>19.06.2020</a:t>
             </a:fld>
             <a:endParaRPr lang="ru-RU"/>
           </a:p>
@@ -8336,7 +8247,7 @@
           <a:p>
             <a:fld id="{0286CB57-EC46-4509-870E-61B859A5FD52}" type="datetime1">
               <a:rPr lang="ru-RU" smtClean="0"/>
-              <a:t>10.06.2020</a:t>
+              <a:t>19.06.2020</a:t>
             </a:fld>
             <a:endParaRPr lang="ru-RU"/>
           </a:p>
@@ -8439,10 +8350,9 @@
           </a:lstStyle>
           <a:p>
             <a:r>
-              <a:rPr lang="ru-RU" smtClean="0"/>
+              <a:rPr lang="ru-RU"/>
               <a:t>Образец заголовка</a:t>
             </a:r>
-            <a:endParaRPr lang="ru-RU"/>
           </a:p>
         </p:txBody>
       </p:sp>
@@ -8496,38 +8406,37 @@
           <a:p>
             <a:pPr lvl="0"/>
             <a:r>
-              <a:rPr lang="ru-RU" smtClean="0"/>
+              <a:rPr lang="ru-RU"/>
               <a:t>Образец текста</a:t>
             </a:r>
           </a:p>
           <a:p>
             <a:pPr lvl="1"/>
             <a:r>
-              <a:rPr lang="ru-RU" smtClean="0"/>
+              <a:rPr lang="ru-RU"/>
               <a:t>Второй уровень</a:t>
             </a:r>
           </a:p>
           <a:p>
             <a:pPr lvl="2"/>
             <a:r>
-              <a:rPr lang="ru-RU" smtClean="0"/>
+              <a:rPr lang="ru-RU"/>
               <a:t>Третий уровень</a:t>
             </a:r>
           </a:p>
           <a:p>
             <a:pPr lvl="3"/>
             <a:r>
-              <a:rPr lang="ru-RU" smtClean="0"/>
+              <a:rPr lang="ru-RU"/>
               <a:t>Четвертый уровень</a:t>
             </a:r>
           </a:p>
           <a:p>
             <a:pPr lvl="4"/>
             <a:r>
-              <a:rPr lang="ru-RU" smtClean="0"/>
+              <a:rPr lang="ru-RU"/>
               <a:t>Пятый уровень</a:t>
             </a:r>
-            <a:endParaRPr lang="ru-RU"/>
           </a:p>
         </p:txBody>
       </p:sp>
@@ -8590,7 +8499,7 @@
           <a:p>
             <a:pPr lvl="0"/>
             <a:r>
-              <a:rPr lang="ru-RU" smtClean="0"/>
+              <a:rPr lang="ru-RU"/>
               <a:t>Образец текста</a:t>
             </a:r>
           </a:p>
@@ -8613,7 +8522,7 @@
           <a:p>
             <a:fld id="{A0980C15-41E8-46B6-8847-C64759222DD2}" type="datetime1">
               <a:rPr lang="ru-RU" smtClean="0"/>
-              <a:t>10.06.2020</a:t>
+              <a:t>19.06.2020</a:t>
             </a:fld>
             <a:endParaRPr lang="ru-RU"/>
           </a:p>
@@ -8716,10 +8625,9 @@
           </a:lstStyle>
           <a:p>
             <a:r>
-              <a:rPr lang="ru-RU" smtClean="0"/>
+              <a:rPr lang="ru-RU"/>
               <a:t>Образец заголовка</a:t>
             </a:r>
-            <a:endParaRPr lang="ru-RU"/>
           </a:p>
         </p:txBody>
       </p:sp>
@@ -8843,7 +8751,7 @@
           <a:p>
             <a:pPr lvl="0"/>
             <a:r>
-              <a:rPr lang="ru-RU" smtClean="0"/>
+              <a:rPr lang="ru-RU"/>
               <a:t>Образец текста</a:t>
             </a:r>
           </a:p>
@@ -8866,7 +8774,7 @@
           <a:p>
             <a:fld id="{7F938D41-BDB9-42EB-9BAB-7D8F8FC71603}" type="datetime1">
               <a:rPr lang="ru-RU" smtClean="0"/>
-              <a:t>10.06.2020</a:t>
+              <a:t>19.06.2020</a:t>
             </a:fld>
             <a:endParaRPr lang="ru-RU"/>
           </a:p>
@@ -8978,10 +8886,9 @@
           <a:lstStyle/>
           <a:p>
             <a:r>
-              <a:rPr lang="ru-RU" smtClean="0"/>
+              <a:rPr lang="ru-RU"/>
               <a:t>Образец заголовка</a:t>
             </a:r>
-            <a:endParaRPr lang="ru-RU"/>
           </a:p>
         </p:txBody>
       </p:sp>
@@ -9012,38 +8919,37 @@
           <a:p>
             <a:pPr lvl="0"/>
             <a:r>
-              <a:rPr lang="ru-RU" smtClean="0"/>
+              <a:rPr lang="ru-RU"/>
               <a:t>Образец текста</a:t>
             </a:r>
           </a:p>
           <a:p>
             <a:pPr lvl="1"/>
             <a:r>
-              <a:rPr lang="ru-RU" smtClean="0"/>
+              <a:rPr lang="ru-RU"/>
               <a:t>Второй уровень</a:t>
             </a:r>
           </a:p>
           <a:p>
             <a:pPr lvl="2"/>
             <a:r>
-              <a:rPr lang="ru-RU" smtClean="0"/>
+              <a:rPr lang="ru-RU"/>
               <a:t>Третий уровень</a:t>
             </a:r>
           </a:p>
           <a:p>
             <a:pPr lvl="3"/>
             <a:r>
-              <a:rPr lang="ru-RU" smtClean="0"/>
+              <a:rPr lang="ru-RU"/>
               <a:t>Четвертый уровень</a:t>
             </a:r>
           </a:p>
           <a:p>
             <a:pPr lvl="4"/>
             <a:r>
-              <a:rPr lang="ru-RU" smtClean="0"/>
+              <a:rPr lang="ru-RU"/>
               <a:t>Пятый уровень</a:t>
             </a:r>
-            <a:endParaRPr lang="ru-RU"/>
           </a:p>
         </p:txBody>
       </p:sp>
@@ -9082,7 +8988,7 @@
           <a:p>
             <a:fld id="{59762974-FCF2-4CF2-857B-DB7B428848A3}" type="datetime1">
               <a:rPr lang="ru-RU" smtClean="0"/>
-              <a:t>10.06.2020</a:t>
+              <a:t>19.06.2020</a:t>
             </a:fld>
             <a:endParaRPr lang="ru-RU"/>
           </a:p>
@@ -9476,25 +9382,24 @@
           <a:lstStyle/>
           <a:p>
             <a:r>
-              <a:rPr lang="ru-RU" sz="5400" dirty="0" smtClean="0"/>
+              <a:rPr lang="ru-RU" sz="5400" dirty="0"/>
               <a:t>Курсовой проект</a:t>
             </a:r>
             <a:br>
-              <a:rPr lang="ru-RU" sz="5400" dirty="0" smtClean="0"/>
+              <a:rPr lang="ru-RU" sz="5400" dirty="0"/>
             </a:br>
             <a:r>
-              <a:rPr lang="ru-RU" sz="5400" dirty="0" smtClean="0"/>
+              <a:rPr lang="ru-RU" sz="5400" dirty="0"/>
               <a:t>«</a:t>
             </a:r>
             <a:r>
-              <a:rPr lang="en-US" sz="5400" dirty="0" smtClean="0"/>
+              <a:rPr lang="en-US" sz="5400" dirty="0"/>
               <a:t>TEAM SCANNER</a:t>
             </a:r>
             <a:r>
-              <a:rPr lang="ru-RU" sz="5400" dirty="0" smtClean="0"/>
+              <a:rPr lang="ru-RU" sz="5400" dirty="0"/>
               <a:t>»</a:t>
             </a:r>
-            <a:endParaRPr lang="ru-RU" sz="5400" dirty="0"/>
           </a:p>
         </p:txBody>
       </p:sp>
@@ -9521,7 +9426,7 @@
           <a:lstStyle/>
           <a:p>
             <a:r>
-              <a:rPr lang="ru-RU" dirty="0" smtClean="0">
+              <a:rPr lang="ru-RU" dirty="0">
                 <a:solidFill>
                   <a:schemeClr val="tx1"/>
                 </a:solidFill>
@@ -9531,7 +9436,7 @@
           </a:p>
           <a:p>
             <a:r>
-              <a:rPr lang="ru-RU" dirty="0" smtClean="0">
+              <a:rPr lang="ru-RU" dirty="0">
                 <a:solidFill>
                   <a:schemeClr val="tx1"/>
                 </a:solidFill>
@@ -9541,7 +9446,7 @@
           </a:p>
           <a:p>
             <a:r>
-              <a:rPr lang="ru-RU" dirty="0" smtClean="0">
+              <a:rPr lang="ru-RU" dirty="0">
                 <a:solidFill>
                   <a:schemeClr val="tx1"/>
                 </a:solidFill>
@@ -9552,7 +9457,7 @@
           <a:p>
             <a:pPr algn="l"/>
             <a:r>
-              <a:rPr lang="ru-RU" dirty="0" smtClean="0">
+              <a:rPr lang="ru-RU" dirty="0">
                 <a:solidFill>
                   <a:schemeClr val="tx1"/>
                 </a:solidFill>
@@ -9563,7 +9468,7 @@
           <a:p>
             <a:pPr algn="l"/>
             <a:r>
-              <a:rPr lang="ru-RU" dirty="0" smtClean="0">
+              <a:rPr lang="ru-RU" dirty="0">
                 <a:solidFill>
                   <a:schemeClr val="tx1"/>
                 </a:solidFill>
@@ -9597,24 +9502,23 @@
           <a:p>
             <a:pPr algn="ctr"/>
             <a:r>
-              <a:rPr lang="ru-RU" dirty="0" smtClean="0"/>
+              <a:rPr lang="ru-RU" dirty="0"/>
               <a:t>Воронежский Государственный Университет</a:t>
             </a:r>
           </a:p>
           <a:p>
             <a:pPr algn="ctr"/>
             <a:r>
-              <a:rPr lang="ru-RU" dirty="0" smtClean="0"/>
+              <a:rPr lang="ru-RU" dirty="0"/>
               <a:t>Факультет Компьютерных Наук</a:t>
             </a:r>
           </a:p>
           <a:p>
             <a:pPr algn="ctr"/>
             <a:r>
-              <a:rPr lang="ru-RU" dirty="0" smtClean="0"/>
+              <a:rPr lang="ru-RU" dirty="0"/>
               <a:t>Кафедра Программирования и Информационных Технологий</a:t>
             </a:r>
-            <a:endParaRPr lang="ru-RU" dirty="0"/>
           </a:p>
         </p:txBody>
       </p:sp>
@@ -9628,13 +9532,6 @@
   <p:clrMapOvr>
     <a:masterClrMapping/>
   </p:clrMapOvr>
-  <p:timing>
-    <p:tnLst>
-      <p:par>
-        <p:cTn id="1" dur="indefinite" restart="never" nodeType="tmRoot"/>
-      </p:par>
-    </p:tnLst>
-  </p:timing>
 </p:sld>
 </file>
 
@@ -9672,16 +9569,13 @@
           <a:p>
             <a:pPr algn="l"/>
             <a:r>
-              <a:rPr lang="ru-RU" sz="3200" dirty="0" smtClean="0">
+              <a:rPr lang="ru-RU" sz="3200" dirty="0">
                 <a:latin typeface="Helvetica" pitchFamily="34" charset="0"/>
                 <a:cs typeface="Helvetica" pitchFamily="34" charset="0"/>
               </a:rPr>
               <a:t>Интерфейс</a:t>
             </a:r>
-            <a:endParaRPr lang="ru-RU" sz="3200" dirty="0">
-              <a:latin typeface="Helvetica" pitchFamily="34" charset="0"/>
-              <a:cs typeface="Helvetica" pitchFamily="34" charset="0"/>
-            </a:endParaRPr>
+            <a:endParaRPr lang="ru-RU" sz="3200" dirty="0"/>
           </a:p>
         </p:txBody>
       </p:sp>
@@ -9703,6 +9597,539 @@
             <a:fld id="{CEA8D9DC-4534-4FD8-9DD0-97FDDFC6571A}" type="slidenum">
               <a:rPr lang="ru-RU" sz="1800" smtClean="0"/>
               <a:t>10</a:t>
+            </a:fld>
+            <a:endParaRPr lang="ru-RU" sz="1800" dirty="0"/>
+          </a:p>
+        </p:txBody>
+      </p:sp>
+      <p:pic>
+        <p:nvPicPr>
+          <p:cNvPr id="2050" name="Picture 2"/>
+          <p:cNvPicPr>
+            <a:picLocks noChangeAspect="1" noChangeArrowheads="1"/>
+          </p:cNvPicPr>
+          <p:nvPr/>
+        </p:nvPicPr>
+        <p:blipFill>
+          <a:blip r:embed="rId2">
+            <a:extLst>
+              <a:ext uri="{28A0092B-C50C-407E-A947-70E740481C1C}">
+                <a14:useLocalDpi xmlns:a14="http://schemas.microsoft.com/office/drawing/2010/main" val="0"/>
+              </a:ext>
+            </a:extLst>
+          </a:blip>
+          <a:srcRect/>
+          <a:stretch>
+            <a:fillRect/>
+          </a:stretch>
+        </p:blipFill>
+        <p:spPr bwMode="auto">
+          <a:xfrm>
+            <a:off x="1152550" y="1148730"/>
+            <a:ext cx="6898158" cy="5408342"/>
+          </a:xfrm>
+          <a:prstGeom prst="rect">
+            <a:avLst/>
+          </a:prstGeom>
+          <a:noFill/>
+          <a:ln>
+            <a:noFill/>
+          </a:ln>
+          <a:effectLst/>
+          <a:extLst>
+            <a:ext uri="{909E8E84-426E-40DD-AFC4-6F175D3DCCD1}">
+              <a14:hiddenFill xmlns:a14="http://schemas.microsoft.com/office/drawing/2010/main">
+                <a:solidFill>
+                  <a:schemeClr val="accent1"/>
+                </a:solidFill>
+              </a14:hiddenFill>
+            </a:ext>
+            <a:ext uri="{91240B29-F687-4F45-9708-019B960494DF}">
+              <a14:hiddenLine xmlns:a14="http://schemas.microsoft.com/office/drawing/2010/main" w="9525">
+                <a:solidFill>
+                  <a:schemeClr val="tx1"/>
+                </a:solidFill>
+                <a:miter lim="800000"/>
+                <a:headEnd/>
+                <a:tailEnd/>
+              </a14:hiddenLine>
+            </a:ext>
+            <a:ext uri="{AF507438-7753-43E0-B8FC-AC1667EBCBE1}">
+              <a14:hiddenEffects xmlns:a14="http://schemas.microsoft.com/office/drawing/2010/main">
+                <a:effectLst>
+                  <a:outerShdw dist="35921" dir="2700000" algn="ctr" rotWithShape="0">
+                    <a:schemeClr val="bg2"/>
+                  </a:outerShdw>
+                </a:effectLst>
+              </a14:hiddenEffects>
+            </a:ext>
+          </a:extLst>
+        </p:spPr>
+      </p:pic>
+      <p:pic>
+        <p:nvPicPr>
+          <p:cNvPr id="2051" name="Picture 3"/>
+          <p:cNvPicPr>
+            <a:picLocks noChangeAspect="1" noChangeArrowheads="1"/>
+          </p:cNvPicPr>
+          <p:nvPr/>
+        </p:nvPicPr>
+        <p:blipFill>
+          <a:blip r:embed="rId3">
+            <a:extLst>
+              <a:ext uri="{28A0092B-C50C-407E-A947-70E740481C1C}">
+                <a14:useLocalDpi xmlns:a14="http://schemas.microsoft.com/office/drawing/2010/main" val="0"/>
+              </a:ext>
+            </a:extLst>
+          </a:blip>
+          <a:srcRect/>
+          <a:stretch>
+            <a:fillRect/>
+          </a:stretch>
+        </p:blipFill>
+        <p:spPr bwMode="auto">
+          <a:xfrm>
+            <a:off x="315751" y="1686071"/>
+            <a:ext cx="8604448" cy="4333660"/>
+          </a:xfrm>
+          <a:prstGeom prst="rect">
+            <a:avLst/>
+          </a:prstGeom>
+          <a:noFill/>
+          <a:ln>
+            <a:noFill/>
+          </a:ln>
+          <a:effectLst/>
+          <a:extLst>
+            <a:ext uri="{909E8E84-426E-40DD-AFC4-6F175D3DCCD1}">
+              <a14:hiddenFill xmlns:a14="http://schemas.microsoft.com/office/drawing/2010/main">
+                <a:solidFill>
+                  <a:schemeClr val="accent1"/>
+                </a:solidFill>
+              </a14:hiddenFill>
+            </a:ext>
+            <a:ext uri="{91240B29-F687-4F45-9708-019B960494DF}">
+              <a14:hiddenLine xmlns:a14="http://schemas.microsoft.com/office/drawing/2010/main" w="9525">
+                <a:solidFill>
+                  <a:schemeClr val="tx1"/>
+                </a:solidFill>
+                <a:miter lim="800000"/>
+                <a:headEnd/>
+                <a:tailEnd/>
+              </a14:hiddenLine>
+            </a:ext>
+            <a:ext uri="{AF507438-7753-43E0-B8FC-AC1667EBCBE1}">
+              <a14:hiddenEffects xmlns:a14="http://schemas.microsoft.com/office/drawing/2010/main">
+                <a:effectLst>
+                  <a:outerShdw dist="35921" dir="2700000" algn="ctr" rotWithShape="0">
+                    <a:schemeClr val="bg2"/>
+                  </a:outerShdw>
+                </a:effectLst>
+              </a14:hiddenEffects>
+            </a:ext>
+          </a:extLst>
+        </p:spPr>
+      </p:pic>
+      <p:pic>
+        <p:nvPicPr>
+          <p:cNvPr id="2052" name="Picture 4"/>
+          <p:cNvPicPr>
+            <a:picLocks noChangeAspect="1" noChangeArrowheads="1"/>
+          </p:cNvPicPr>
+          <p:nvPr/>
+        </p:nvPicPr>
+        <p:blipFill>
+          <a:blip r:embed="rId4">
+            <a:extLst>
+              <a:ext uri="{28A0092B-C50C-407E-A947-70E740481C1C}">
+                <a14:useLocalDpi xmlns:a14="http://schemas.microsoft.com/office/drawing/2010/main" val="0"/>
+              </a:ext>
+            </a:extLst>
+          </a:blip>
+          <a:srcRect/>
+          <a:stretch>
+            <a:fillRect/>
+          </a:stretch>
+        </p:blipFill>
+        <p:spPr bwMode="auto">
+          <a:xfrm>
+            <a:off x="184993" y="1633069"/>
+            <a:ext cx="8833271" cy="4439663"/>
+          </a:xfrm>
+          <a:prstGeom prst="rect">
+            <a:avLst/>
+          </a:prstGeom>
+          <a:noFill/>
+          <a:ln>
+            <a:noFill/>
+          </a:ln>
+          <a:effectLst/>
+          <a:extLst>
+            <a:ext uri="{909E8E84-426E-40DD-AFC4-6F175D3DCCD1}">
+              <a14:hiddenFill xmlns:a14="http://schemas.microsoft.com/office/drawing/2010/main">
+                <a:solidFill>
+                  <a:schemeClr val="accent1"/>
+                </a:solidFill>
+              </a14:hiddenFill>
+            </a:ext>
+            <a:ext uri="{91240B29-F687-4F45-9708-019B960494DF}">
+              <a14:hiddenLine xmlns:a14="http://schemas.microsoft.com/office/drawing/2010/main" w="9525">
+                <a:solidFill>
+                  <a:schemeClr val="tx1"/>
+                </a:solidFill>
+                <a:miter lim="800000"/>
+                <a:headEnd/>
+                <a:tailEnd/>
+              </a14:hiddenLine>
+            </a:ext>
+            <a:ext uri="{AF507438-7753-43E0-B8FC-AC1667EBCBE1}">
+              <a14:hiddenEffects xmlns:a14="http://schemas.microsoft.com/office/drawing/2010/main">
+                <a:effectLst>
+                  <a:outerShdw dist="35921" dir="2700000" algn="ctr" rotWithShape="0">
+                    <a:schemeClr val="bg2"/>
+                  </a:outerShdw>
+                </a:effectLst>
+              </a14:hiddenEffects>
+            </a:ext>
+          </a:extLst>
+        </p:spPr>
+      </p:pic>
+    </p:spTree>
+    <p:extLst>
+      <p:ext uri="{BB962C8B-B14F-4D97-AF65-F5344CB8AC3E}">
+        <p14:creationId xmlns:p14="http://schemas.microsoft.com/office/powerpoint/2010/main" val="622081786"/>
+      </p:ext>
+    </p:extLst>
+  </p:cSld>
+  <p:clrMapOvr>
+    <a:masterClrMapping/>
+  </p:clrMapOvr>
+  <p:timing>
+    <p:tnLst>
+      <p:par>
+        <p:cTn id="1" dur="indefinite" restart="never" nodeType="tmRoot">
+          <p:childTnLst>
+            <p:seq concurrent="1" nextAc="seek">
+              <p:cTn id="2" dur="indefinite" nodeType="mainSeq">
+                <p:childTnLst>
+                  <p:par>
+                    <p:cTn id="3" fill="hold">
+                      <p:stCondLst>
+                        <p:cond delay="indefinite"/>
+                        <p:cond evt="onBegin" delay="0">
+                          <p:tn val="2"/>
+                        </p:cond>
+                      </p:stCondLst>
+                      <p:childTnLst>
+                        <p:par>
+                          <p:cTn id="4" fill="hold">
+                            <p:stCondLst>
+                              <p:cond delay="0"/>
+                            </p:stCondLst>
+                            <p:childTnLst>
+                              <p:par>
+                                <p:cTn id="5" presetID="22" presetClass="entr" presetSubtype="4" fill="hold" nodeType="withEffect">
+                                  <p:stCondLst>
+                                    <p:cond delay="0"/>
+                                  </p:stCondLst>
+                                  <p:childTnLst>
+                                    <p:set>
+                                      <p:cBhvr>
+                                        <p:cTn id="6" dur="1" fill="hold">
+                                          <p:stCondLst>
+                                            <p:cond delay="0"/>
+                                          </p:stCondLst>
+                                        </p:cTn>
+                                        <p:tgtEl>
+                                          <p:spTgt spid="2050"/>
+                                        </p:tgtEl>
+                                        <p:attrNameLst>
+                                          <p:attrName>style.visibility</p:attrName>
+                                        </p:attrNameLst>
+                                      </p:cBhvr>
+                                      <p:to>
+                                        <p:strVal val="visible"/>
+                                      </p:to>
+                                    </p:set>
+                                    <p:animEffect transition="in" filter="wipe(down)">
+                                      <p:cBhvr>
+                                        <p:cTn id="7" dur="500"/>
+                                        <p:tgtEl>
+                                          <p:spTgt spid="2050"/>
+                                        </p:tgtEl>
+                                      </p:cBhvr>
+                                    </p:animEffect>
+                                  </p:childTnLst>
+                                </p:cTn>
+                              </p:par>
+                            </p:childTnLst>
+                          </p:cTn>
+                        </p:par>
+                      </p:childTnLst>
+                    </p:cTn>
+                  </p:par>
+                  <p:par>
+                    <p:cTn id="8" fill="hold">
+                      <p:stCondLst>
+                        <p:cond delay="indefinite"/>
+                      </p:stCondLst>
+                      <p:childTnLst>
+                        <p:par>
+                          <p:cTn id="9" fill="hold">
+                            <p:stCondLst>
+                              <p:cond delay="0"/>
+                            </p:stCondLst>
+                            <p:childTnLst>
+                              <p:par>
+                                <p:cTn id="10" presetID="22" presetClass="exit" presetSubtype="4" fill="hold" nodeType="clickEffect">
+                                  <p:stCondLst>
+                                    <p:cond delay="0"/>
+                                  </p:stCondLst>
+                                  <p:childTnLst>
+                                    <p:animEffect transition="out" filter="wipe(down)">
+                                      <p:cBhvr>
+                                        <p:cTn id="11" dur="500"/>
+                                        <p:tgtEl>
+                                          <p:spTgt spid="2050"/>
+                                        </p:tgtEl>
+                                      </p:cBhvr>
+                                    </p:animEffect>
+                                    <p:set>
+                                      <p:cBhvr>
+                                        <p:cTn id="12" dur="1" fill="hold">
+                                          <p:stCondLst>
+                                            <p:cond delay="499"/>
+                                          </p:stCondLst>
+                                        </p:cTn>
+                                        <p:tgtEl>
+                                          <p:spTgt spid="2050"/>
+                                        </p:tgtEl>
+                                        <p:attrNameLst>
+                                          <p:attrName>style.visibility</p:attrName>
+                                        </p:attrNameLst>
+                                      </p:cBhvr>
+                                      <p:to>
+                                        <p:strVal val="hidden"/>
+                                      </p:to>
+                                    </p:set>
+                                  </p:childTnLst>
+                                </p:cTn>
+                              </p:par>
+                              <p:par>
+                                <p:cTn id="13" presetID="22" presetClass="entr" presetSubtype="4" fill="hold" nodeType="withEffect">
+                                  <p:stCondLst>
+                                    <p:cond delay="0"/>
+                                  </p:stCondLst>
+                                  <p:childTnLst>
+                                    <p:set>
+                                      <p:cBhvr>
+                                        <p:cTn id="14" dur="1" fill="hold">
+                                          <p:stCondLst>
+                                            <p:cond delay="0"/>
+                                          </p:stCondLst>
+                                        </p:cTn>
+                                        <p:tgtEl>
+                                          <p:spTgt spid="2051"/>
+                                        </p:tgtEl>
+                                        <p:attrNameLst>
+                                          <p:attrName>style.visibility</p:attrName>
+                                        </p:attrNameLst>
+                                      </p:cBhvr>
+                                      <p:to>
+                                        <p:strVal val="visible"/>
+                                      </p:to>
+                                    </p:set>
+                                    <p:animEffect transition="in" filter="wipe(down)">
+                                      <p:cBhvr>
+                                        <p:cTn id="15" dur="500"/>
+                                        <p:tgtEl>
+                                          <p:spTgt spid="2051"/>
+                                        </p:tgtEl>
+                                      </p:cBhvr>
+                                    </p:animEffect>
+                                  </p:childTnLst>
+                                </p:cTn>
+                              </p:par>
+                            </p:childTnLst>
+                          </p:cTn>
+                        </p:par>
+                      </p:childTnLst>
+                    </p:cTn>
+                  </p:par>
+                  <p:par>
+                    <p:cTn id="16" fill="hold">
+                      <p:stCondLst>
+                        <p:cond delay="indefinite"/>
+                      </p:stCondLst>
+                      <p:childTnLst>
+                        <p:par>
+                          <p:cTn id="17" fill="hold">
+                            <p:stCondLst>
+                              <p:cond delay="0"/>
+                            </p:stCondLst>
+                            <p:childTnLst>
+                              <p:par>
+                                <p:cTn id="18" presetID="10" presetClass="exit" presetSubtype="0" fill="hold" nodeType="clickEffect">
+                                  <p:stCondLst>
+                                    <p:cond delay="0"/>
+                                  </p:stCondLst>
+                                  <p:childTnLst>
+                                    <p:animEffect transition="out" filter="fade">
+                                      <p:cBhvr>
+                                        <p:cTn id="19" dur="500"/>
+                                        <p:tgtEl>
+                                          <p:spTgt spid="2051"/>
+                                        </p:tgtEl>
+                                      </p:cBhvr>
+                                    </p:animEffect>
+                                    <p:set>
+                                      <p:cBhvr>
+                                        <p:cTn id="20" dur="1" fill="hold">
+                                          <p:stCondLst>
+                                            <p:cond delay="499"/>
+                                          </p:stCondLst>
+                                        </p:cTn>
+                                        <p:tgtEl>
+                                          <p:spTgt spid="2051"/>
+                                        </p:tgtEl>
+                                        <p:attrNameLst>
+                                          <p:attrName>style.visibility</p:attrName>
+                                        </p:attrNameLst>
+                                      </p:cBhvr>
+                                      <p:to>
+                                        <p:strVal val="hidden"/>
+                                      </p:to>
+                                    </p:set>
+                                  </p:childTnLst>
+                                </p:cTn>
+                              </p:par>
+                              <p:par>
+                                <p:cTn id="21" presetID="22" presetClass="entr" presetSubtype="4" fill="hold" nodeType="withEffect">
+                                  <p:stCondLst>
+                                    <p:cond delay="0"/>
+                                  </p:stCondLst>
+                                  <p:childTnLst>
+                                    <p:set>
+                                      <p:cBhvr>
+                                        <p:cTn id="22" dur="1" fill="hold">
+                                          <p:stCondLst>
+                                            <p:cond delay="0"/>
+                                          </p:stCondLst>
+                                        </p:cTn>
+                                        <p:tgtEl>
+                                          <p:spTgt spid="2052"/>
+                                        </p:tgtEl>
+                                        <p:attrNameLst>
+                                          <p:attrName>style.visibility</p:attrName>
+                                        </p:attrNameLst>
+                                      </p:cBhvr>
+                                      <p:to>
+                                        <p:strVal val="visible"/>
+                                      </p:to>
+                                    </p:set>
+                                    <p:animEffect transition="in" filter="wipe(down)">
+                                      <p:cBhvr>
+                                        <p:cTn id="23" dur="500"/>
+                                        <p:tgtEl>
+                                          <p:spTgt spid="2052"/>
+                                        </p:tgtEl>
+                                      </p:cBhvr>
+                                    </p:animEffect>
+                                  </p:childTnLst>
+                                </p:cTn>
+                              </p:par>
+                            </p:childTnLst>
+                          </p:cTn>
+                        </p:par>
+                      </p:childTnLst>
+                    </p:cTn>
+                  </p:par>
+                </p:childTnLst>
+              </p:cTn>
+              <p:prevCondLst>
+                <p:cond evt="onPrev" delay="0">
+                  <p:tgtEl>
+                    <p:sldTgt/>
+                  </p:tgtEl>
+                </p:cond>
+              </p:prevCondLst>
+              <p:nextCondLst>
+                <p:cond evt="onNext" delay="0">
+                  <p:tgtEl>
+                    <p:sldTgt/>
+                  </p:tgtEl>
+                </p:cond>
+              </p:nextCondLst>
+            </p:seq>
+          </p:childTnLst>
+        </p:cTn>
+      </p:par>
+    </p:tnLst>
+  </p:timing>
+</p:sld>
+</file>
+
+<file path=ppt/slides/slide11.xml><?xml version="1.0" encoding="utf-8"?>
+<p:sld xmlns:a="http://schemas.openxmlformats.org/drawingml/2006/main" xmlns:r="http://schemas.openxmlformats.org/officeDocument/2006/relationships" xmlns:p="http://schemas.openxmlformats.org/presentationml/2006/main">
+  <p:cSld>
+    <p:spTree>
+      <p:nvGrpSpPr>
+        <p:cNvPr id="1" name=""/>
+        <p:cNvGrpSpPr/>
+        <p:nvPr/>
+      </p:nvGrpSpPr>
+      <p:grpSpPr>
+        <a:xfrm>
+          <a:off x="0" y="0"/>
+          <a:ext cx="0" cy="0"/>
+          <a:chOff x="0" y="0"/>
+          <a:chExt cx="0" cy="0"/>
+        </a:xfrm>
+      </p:grpSpPr>
+      <p:sp>
+        <p:nvSpPr>
+          <p:cNvPr id="2" name="Заголовок 1"/>
+          <p:cNvSpPr>
+            <a:spLocks noGrp="1"/>
+          </p:cNvSpPr>
+          <p:nvPr>
+            <p:ph type="title"/>
+          </p:nvPr>
+        </p:nvSpPr>
+        <p:spPr/>
+        <p:txBody>
+          <a:bodyPr/>
+          <a:lstStyle/>
+          <a:p>
+            <a:pPr algn="l"/>
+            <a:r>
+              <a:rPr lang="ru-RU" sz="3200" dirty="0">
+                <a:latin typeface="Helvetica" pitchFamily="34" charset="0"/>
+                <a:cs typeface="Helvetica" pitchFamily="34" charset="0"/>
+              </a:rPr>
+              <a:t>Интерфейс</a:t>
+            </a:r>
+          </a:p>
+        </p:txBody>
+      </p:sp>
+      <p:sp>
+        <p:nvSpPr>
+          <p:cNvPr id="3" name="Номер слайда 2"/>
+          <p:cNvSpPr>
+            <a:spLocks noGrp="1"/>
+          </p:cNvSpPr>
+          <p:nvPr>
+            <p:ph type="sldNum" sz="quarter" idx="12"/>
+          </p:nvPr>
+        </p:nvSpPr>
+        <p:spPr/>
+        <p:txBody>
+          <a:bodyPr/>
+          <a:lstStyle/>
+          <a:p>
+            <a:fld id="{CEA8D9DC-4534-4FD8-9DD0-97FDDFC6571A}" type="slidenum">
+              <a:rPr lang="ru-RU" sz="1800" smtClean="0"/>
+              <a:t>11</a:t>
             </a:fld>
             <a:endParaRPr lang="ru-RU" dirty="0"/>
           </a:p>
@@ -10023,246 +10450,6 @@
 </p:sld>
 </file>
 
-<file path=ppt/slides/slide11.xml><?xml version="1.0" encoding="utf-8"?>
-<p:sld xmlns:a="http://schemas.openxmlformats.org/drawingml/2006/main" xmlns:r="http://schemas.openxmlformats.org/officeDocument/2006/relationships" xmlns:p="http://schemas.openxmlformats.org/presentationml/2006/main">
-  <p:cSld>
-    <p:spTree>
-      <p:nvGrpSpPr>
-        <p:cNvPr id="1" name=""/>
-        <p:cNvGrpSpPr/>
-        <p:nvPr/>
-      </p:nvGrpSpPr>
-      <p:grpSpPr>
-        <a:xfrm>
-          <a:off x="0" y="0"/>
-          <a:ext cx="0" cy="0"/>
-          <a:chOff x="0" y="0"/>
-          <a:chExt cx="0" cy="0"/>
-        </a:xfrm>
-      </p:grpSpPr>
-      <p:sp>
-        <p:nvSpPr>
-          <p:cNvPr id="2" name="Заголовок 1"/>
-          <p:cNvSpPr>
-            <a:spLocks noGrp="1"/>
-          </p:cNvSpPr>
-          <p:nvPr>
-            <p:ph type="title"/>
-          </p:nvPr>
-        </p:nvSpPr>
-        <p:spPr/>
-        <p:txBody>
-          <a:bodyPr>
-            <a:normAutofit/>
-          </a:bodyPr>
-          <a:lstStyle/>
-          <a:p>
-            <a:pPr algn="l"/>
-            <a:r>
-              <a:rPr lang="ru-RU" sz="3200" dirty="0" smtClean="0">
-                <a:latin typeface="Helvetica" pitchFamily="34" charset="0"/>
-                <a:cs typeface="Helvetica" pitchFamily="34" charset="0"/>
-              </a:rPr>
-              <a:t>В проекте реализовано:</a:t>
-            </a:r>
-            <a:endParaRPr lang="ru-RU" sz="3200" dirty="0">
-              <a:latin typeface="Helvetica" pitchFamily="34" charset="0"/>
-              <a:cs typeface="Helvetica" pitchFamily="34" charset="0"/>
-            </a:endParaRPr>
-          </a:p>
-        </p:txBody>
-      </p:sp>
-      <p:sp>
-        <p:nvSpPr>
-          <p:cNvPr id="3" name="Номер слайда 2"/>
-          <p:cNvSpPr>
-            <a:spLocks noGrp="1"/>
-          </p:cNvSpPr>
-          <p:nvPr>
-            <p:ph type="sldNum" sz="quarter" idx="12"/>
-          </p:nvPr>
-        </p:nvSpPr>
-        <p:spPr/>
-        <p:txBody>
-          <a:bodyPr/>
-          <a:lstStyle/>
-          <a:p>
-            <a:fld id="{CEA8D9DC-4534-4FD8-9DD0-97FDDFC6571A}" type="slidenum">
-              <a:rPr lang="ru-RU" sz="1800" smtClean="0">
-                <a:latin typeface="Helvetica" pitchFamily="34" charset="0"/>
-                <a:cs typeface="Helvetica" pitchFamily="34" charset="0"/>
-              </a:rPr>
-              <a:t>11</a:t>
-            </a:fld>
-            <a:endParaRPr lang="ru-RU" dirty="0">
-              <a:latin typeface="Helvetica" pitchFamily="34" charset="0"/>
-              <a:cs typeface="Helvetica" pitchFamily="34" charset="0"/>
-            </a:endParaRPr>
-          </a:p>
-        </p:txBody>
-      </p:sp>
-      <p:sp>
-        <p:nvSpPr>
-          <p:cNvPr id="4" name="TextBox 3"/>
-          <p:cNvSpPr txBox="1"/>
-          <p:nvPr/>
-        </p:nvSpPr>
-        <p:spPr>
-          <a:xfrm>
-            <a:off x="539552" y="1484784"/>
-            <a:ext cx="8064896" cy="3323987"/>
-          </a:xfrm>
-          <a:prstGeom prst="rect">
-            <a:avLst/>
-          </a:prstGeom>
-          <a:noFill/>
-        </p:spPr>
-        <p:txBody>
-          <a:bodyPr wrap="square" rtlCol="0">
-            <a:spAutoFit/>
-          </a:bodyPr>
-          <a:lstStyle/>
-          <a:p>
-            <a:pPr marL="285750" indent="-285750">
-              <a:lnSpc>
-                <a:spcPct val="150000"/>
-              </a:lnSpc>
-              <a:buFont typeface="Wingdings" pitchFamily="2" charset="2"/>
-              <a:buChar char="ü"/>
-            </a:pPr>
-            <a:r>
-              <a:rPr lang="ru-RU" sz="2000" dirty="0" smtClean="0">
-                <a:latin typeface="Helvetica" pitchFamily="34" charset="0"/>
-                <a:cs typeface="Helvetica" pitchFamily="34" charset="0"/>
-              </a:rPr>
-              <a:t>Регистрация и авторизация</a:t>
-            </a:r>
-          </a:p>
-          <a:p>
-            <a:pPr marL="285750" indent="-285750">
-              <a:lnSpc>
-                <a:spcPct val="150000"/>
-              </a:lnSpc>
-              <a:buFont typeface="Wingdings" pitchFamily="2" charset="2"/>
-              <a:buChar char="ü"/>
-            </a:pPr>
-            <a:r>
-              <a:rPr lang="ru-RU" sz="2000" dirty="0" smtClean="0">
-                <a:latin typeface="Helvetica" pitchFamily="34" charset="0"/>
-                <a:cs typeface="Helvetica" pitchFamily="34" charset="0"/>
-              </a:rPr>
-              <a:t>Создание объявлений о наборе игроков</a:t>
-            </a:r>
-          </a:p>
-          <a:p>
-            <a:pPr marL="285750" indent="-285750">
-              <a:lnSpc>
-                <a:spcPct val="150000"/>
-              </a:lnSpc>
-              <a:buFont typeface="Wingdings" pitchFamily="2" charset="2"/>
-              <a:buChar char="ü"/>
-            </a:pPr>
-            <a:r>
-              <a:rPr lang="ru-RU" sz="2000" dirty="0" smtClean="0">
-                <a:latin typeface="Helvetica" pitchFamily="34" charset="0"/>
-                <a:cs typeface="Helvetica" pitchFamily="34" charset="0"/>
-              </a:rPr>
-              <a:t>Просмотр созданных объявлений</a:t>
-            </a:r>
-          </a:p>
-          <a:p>
-            <a:pPr marL="285750" indent="-285750">
-              <a:lnSpc>
-                <a:spcPct val="150000"/>
-              </a:lnSpc>
-              <a:buFont typeface="Wingdings" pitchFamily="2" charset="2"/>
-              <a:buChar char="ü"/>
-            </a:pPr>
-            <a:r>
-              <a:rPr lang="ru-RU" sz="2000" dirty="0" smtClean="0">
-                <a:latin typeface="Helvetica" pitchFamily="34" charset="0"/>
-                <a:cs typeface="Helvetica" pitchFamily="34" charset="0"/>
-              </a:rPr>
-              <a:t>Обмен комментариями между участниками</a:t>
-            </a:r>
-          </a:p>
-          <a:p>
-            <a:pPr marL="285750" indent="-285750">
-              <a:lnSpc>
-                <a:spcPct val="150000"/>
-              </a:lnSpc>
-              <a:buFont typeface="Wingdings" pitchFamily="2" charset="2"/>
-              <a:buChar char="ü"/>
-            </a:pPr>
-            <a:r>
-              <a:rPr lang="ru-RU" sz="2000" dirty="0" smtClean="0">
-                <a:latin typeface="Helvetica" pitchFamily="34" charset="0"/>
-                <a:cs typeface="Helvetica" pitchFamily="34" charset="0"/>
-              </a:rPr>
-              <a:t>Поиск объявлений по фильтрам</a:t>
-            </a:r>
-          </a:p>
-          <a:p>
-            <a:pPr marL="285750" indent="-285750">
-              <a:lnSpc>
-                <a:spcPct val="150000"/>
-              </a:lnSpc>
-              <a:buFont typeface="Wingdings" pitchFamily="2" charset="2"/>
-              <a:buChar char="ü"/>
-            </a:pPr>
-            <a:r>
-              <a:rPr lang="ru-RU" sz="2000" dirty="0" smtClean="0">
-                <a:latin typeface="Helvetica" pitchFamily="34" charset="0"/>
-                <a:cs typeface="Helvetica" pitchFamily="34" charset="0"/>
-              </a:rPr>
-              <a:t>Возможность подписываться на объявления</a:t>
-            </a:r>
-          </a:p>
-          <a:p>
-            <a:pPr marL="285750" indent="-285750">
-              <a:lnSpc>
-                <a:spcPct val="150000"/>
-              </a:lnSpc>
-              <a:buFont typeface="Wingdings" pitchFamily="2" charset="2"/>
-              <a:buChar char="ü"/>
-            </a:pPr>
-            <a:r>
-              <a:rPr lang="ru-RU" sz="2000" dirty="0" err="1" smtClean="0">
-                <a:latin typeface="Helvetica" pitchFamily="34" charset="0"/>
-                <a:cs typeface="Helvetica" pitchFamily="34" charset="0"/>
-              </a:rPr>
-              <a:t>Модерация</a:t>
-            </a:r>
-            <a:r>
-              <a:rPr lang="ru-RU" sz="2000" dirty="0" smtClean="0">
-                <a:latin typeface="Helvetica" pitchFamily="34" charset="0"/>
-                <a:cs typeface="Helvetica" pitchFamily="34" charset="0"/>
-              </a:rPr>
-              <a:t> работы системы</a:t>
-            </a:r>
-          </a:p>
-        </p:txBody>
-      </p:sp>
-    </p:spTree>
-    <p:extLst>
-      <p:ext uri="{BB962C8B-B14F-4D97-AF65-F5344CB8AC3E}">
-        <p14:creationId xmlns:p14="http://schemas.microsoft.com/office/powerpoint/2010/main" val="3597099911"/>
-      </p:ext>
-    </p:extLst>
-  </p:cSld>
-  <p:clrMapOvr>
-    <a:masterClrMapping/>
-  </p:clrMapOvr>
-  <p:timing>
-    <p:tnLst>
-      <p:par>
-        <p:cTn id="1" dur="indefinite" restart="never" nodeType="tmRoot"/>
-      </p:par>
-    </p:tnLst>
-  </p:timing>
-</p:sld>
-</file>
-
 <file path=ppt/slides/slide12.xml><?xml version="1.0" encoding="utf-8"?>
 <p:sld xmlns:a="http://schemas.openxmlformats.org/drawingml/2006/main" xmlns:r="http://schemas.openxmlformats.org/officeDocument/2006/relationships" xmlns:p="http://schemas.openxmlformats.org/presentationml/2006/main">
   <p:cSld>
@@ -10299,16 +10486,12 @@
           <a:p>
             <a:pPr algn="l"/>
             <a:r>
-              <a:rPr lang="ru-RU" sz="3200" dirty="0" smtClean="0">
+              <a:rPr lang="ru-RU" sz="3200" dirty="0">
                 <a:latin typeface="Helvetica" pitchFamily="34" charset="0"/>
                 <a:cs typeface="Helvetica" pitchFamily="34" charset="0"/>
               </a:rPr>
-              <a:t>Где можно попробовать</a:t>
-            </a:r>
-            <a:endParaRPr lang="ru-RU" sz="3200" dirty="0">
-              <a:latin typeface="Helvetica" pitchFamily="34" charset="0"/>
-              <a:cs typeface="Helvetica" pitchFamily="34" charset="0"/>
-            </a:endParaRPr>
+              <a:t>В проекте реализовано:</a:t>
+            </a:r>
           </a:p>
         </p:txBody>
       </p:sp>
@@ -10333,6 +10516,235 @@
                 <a:cs typeface="Helvetica" pitchFamily="34" charset="0"/>
               </a:rPr>
               <a:t>12</a:t>
+            </a:fld>
+            <a:endParaRPr lang="ru-RU" dirty="0">
+              <a:latin typeface="Helvetica" pitchFamily="34" charset="0"/>
+              <a:cs typeface="Helvetica" pitchFamily="34" charset="0"/>
+            </a:endParaRPr>
+          </a:p>
+        </p:txBody>
+      </p:sp>
+      <p:sp>
+        <p:nvSpPr>
+          <p:cNvPr id="4" name="TextBox 3"/>
+          <p:cNvSpPr txBox="1"/>
+          <p:nvPr/>
+        </p:nvSpPr>
+        <p:spPr>
+          <a:xfrm>
+            <a:off x="539552" y="1484784"/>
+            <a:ext cx="8064896" cy="3323987"/>
+          </a:xfrm>
+          <a:prstGeom prst="rect">
+            <a:avLst/>
+          </a:prstGeom>
+          <a:noFill/>
+        </p:spPr>
+        <p:txBody>
+          <a:bodyPr wrap="square" rtlCol="0">
+            <a:spAutoFit/>
+          </a:bodyPr>
+          <a:lstStyle/>
+          <a:p>
+            <a:pPr marL="285750" indent="-285750">
+              <a:lnSpc>
+                <a:spcPct val="150000"/>
+              </a:lnSpc>
+              <a:buFont typeface="Wingdings" pitchFamily="2" charset="2"/>
+              <a:buChar char="ü"/>
+            </a:pPr>
+            <a:r>
+              <a:rPr lang="ru-RU" sz="2000" dirty="0">
+                <a:latin typeface="Helvetica" pitchFamily="34" charset="0"/>
+                <a:cs typeface="Helvetica" pitchFamily="34" charset="0"/>
+              </a:rPr>
+              <a:t>Регистрация и авторизация</a:t>
+            </a:r>
+          </a:p>
+          <a:p>
+            <a:pPr marL="285750" indent="-285750">
+              <a:lnSpc>
+                <a:spcPct val="150000"/>
+              </a:lnSpc>
+              <a:buFont typeface="Wingdings" pitchFamily="2" charset="2"/>
+              <a:buChar char="ü"/>
+            </a:pPr>
+            <a:r>
+              <a:rPr lang="ru-RU" sz="2000" dirty="0">
+                <a:latin typeface="Helvetica" pitchFamily="34" charset="0"/>
+                <a:cs typeface="Helvetica" pitchFamily="34" charset="0"/>
+              </a:rPr>
+              <a:t>Создание объявлений о наборе игроков</a:t>
+            </a:r>
+          </a:p>
+          <a:p>
+            <a:pPr marL="285750" indent="-285750">
+              <a:lnSpc>
+                <a:spcPct val="150000"/>
+              </a:lnSpc>
+              <a:buFont typeface="Wingdings" pitchFamily="2" charset="2"/>
+              <a:buChar char="ü"/>
+            </a:pPr>
+            <a:r>
+              <a:rPr lang="ru-RU" sz="2000" dirty="0">
+                <a:latin typeface="Helvetica" pitchFamily="34" charset="0"/>
+                <a:cs typeface="Helvetica" pitchFamily="34" charset="0"/>
+              </a:rPr>
+              <a:t>Просмотр созданных объявлений</a:t>
+            </a:r>
+          </a:p>
+          <a:p>
+            <a:pPr marL="285750" indent="-285750">
+              <a:lnSpc>
+                <a:spcPct val="150000"/>
+              </a:lnSpc>
+              <a:buFont typeface="Wingdings" pitchFamily="2" charset="2"/>
+              <a:buChar char="ü"/>
+            </a:pPr>
+            <a:r>
+              <a:rPr lang="ru-RU" sz="2000" dirty="0">
+                <a:latin typeface="Helvetica" pitchFamily="34" charset="0"/>
+                <a:cs typeface="Helvetica" pitchFamily="34" charset="0"/>
+              </a:rPr>
+              <a:t>Обмен комментариями между участниками</a:t>
+            </a:r>
+          </a:p>
+          <a:p>
+            <a:pPr marL="285750" indent="-285750">
+              <a:lnSpc>
+                <a:spcPct val="150000"/>
+              </a:lnSpc>
+              <a:buFont typeface="Wingdings" pitchFamily="2" charset="2"/>
+              <a:buChar char="ü"/>
+            </a:pPr>
+            <a:r>
+              <a:rPr lang="ru-RU" sz="2000" dirty="0">
+                <a:latin typeface="Helvetica" pitchFamily="34" charset="0"/>
+                <a:cs typeface="Helvetica" pitchFamily="34" charset="0"/>
+              </a:rPr>
+              <a:t>Поиск объявлений по фильтрам</a:t>
+            </a:r>
+          </a:p>
+          <a:p>
+            <a:pPr marL="285750" indent="-285750">
+              <a:lnSpc>
+                <a:spcPct val="150000"/>
+              </a:lnSpc>
+              <a:buFont typeface="Wingdings" pitchFamily="2" charset="2"/>
+              <a:buChar char="ü"/>
+            </a:pPr>
+            <a:r>
+              <a:rPr lang="ru-RU" sz="2000" dirty="0">
+                <a:latin typeface="Helvetica" pitchFamily="34" charset="0"/>
+                <a:cs typeface="Helvetica" pitchFamily="34" charset="0"/>
+              </a:rPr>
+              <a:t>Возможность подписываться на объявления</a:t>
+            </a:r>
+          </a:p>
+          <a:p>
+            <a:pPr marL="285750" indent="-285750">
+              <a:lnSpc>
+                <a:spcPct val="150000"/>
+              </a:lnSpc>
+              <a:buFont typeface="Wingdings" pitchFamily="2" charset="2"/>
+              <a:buChar char="ü"/>
+            </a:pPr>
+            <a:r>
+              <a:rPr lang="ru-RU" sz="2000" dirty="0" err="1">
+                <a:latin typeface="Helvetica" pitchFamily="34" charset="0"/>
+                <a:cs typeface="Helvetica" pitchFamily="34" charset="0"/>
+              </a:rPr>
+              <a:t>Модерация</a:t>
+            </a:r>
+            <a:r>
+              <a:rPr lang="ru-RU" sz="2000" dirty="0">
+                <a:latin typeface="Helvetica" pitchFamily="34" charset="0"/>
+                <a:cs typeface="Helvetica" pitchFamily="34" charset="0"/>
+              </a:rPr>
+              <a:t> работы системы</a:t>
+            </a:r>
+          </a:p>
+        </p:txBody>
+      </p:sp>
+    </p:spTree>
+    <p:extLst>
+      <p:ext uri="{BB962C8B-B14F-4D97-AF65-F5344CB8AC3E}">
+        <p14:creationId xmlns:p14="http://schemas.microsoft.com/office/powerpoint/2010/main" val="3597099911"/>
+      </p:ext>
+    </p:extLst>
+  </p:cSld>
+  <p:clrMapOvr>
+    <a:masterClrMapping/>
+  </p:clrMapOvr>
+</p:sld>
+</file>
+
+<file path=ppt/slides/slide13.xml><?xml version="1.0" encoding="utf-8"?>
+<p:sld xmlns:a="http://schemas.openxmlformats.org/drawingml/2006/main" xmlns:r="http://schemas.openxmlformats.org/officeDocument/2006/relationships" xmlns:p="http://schemas.openxmlformats.org/presentationml/2006/main">
+  <p:cSld>
+    <p:spTree>
+      <p:nvGrpSpPr>
+        <p:cNvPr id="1" name=""/>
+        <p:cNvGrpSpPr/>
+        <p:nvPr/>
+      </p:nvGrpSpPr>
+      <p:grpSpPr>
+        <a:xfrm>
+          <a:off x="0" y="0"/>
+          <a:ext cx="0" cy="0"/>
+          <a:chOff x="0" y="0"/>
+          <a:chExt cx="0" cy="0"/>
+        </a:xfrm>
+      </p:grpSpPr>
+      <p:sp>
+        <p:nvSpPr>
+          <p:cNvPr id="2" name="Заголовок 1"/>
+          <p:cNvSpPr>
+            <a:spLocks noGrp="1"/>
+          </p:cNvSpPr>
+          <p:nvPr>
+            <p:ph type="title"/>
+          </p:nvPr>
+        </p:nvSpPr>
+        <p:spPr/>
+        <p:txBody>
+          <a:bodyPr>
+            <a:normAutofit/>
+          </a:bodyPr>
+          <a:lstStyle/>
+          <a:p>
+            <a:pPr algn="l"/>
+            <a:r>
+              <a:rPr lang="ru-RU" sz="3200" dirty="0">
+                <a:latin typeface="Helvetica" pitchFamily="34" charset="0"/>
+                <a:cs typeface="Helvetica" pitchFamily="34" charset="0"/>
+              </a:rPr>
+              <a:t>Где можно попробовать</a:t>
+            </a:r>
+          </a:p>
+        </p:txBody>
+      </p:sp>
+      <p:sp>
+        <p:nvSpPr>
+          <p:cNvPr id="3" name="Номер слайда 2"/>
+          <p:cNvSpPr>
+            <a:spLocks noGrp="1"/>
+          </p:cNvSpPr>
+          <p:nvPr>
+            <p:ph type="sldNum" sz="quarter" idx="12"/>
+          </p:nvPr>
+        </p:nvSpPr>
+        <p:spPr/>
+        <p:txBody>
+          <a:bodyPr/>
+          <a:lstStyle/>
+          <a:p>
+            <a:fld id="{CEA8D9DC-4534-4FD8-9DD0-97FDDFC6571A}" type="slidenum">
+              <a:rPr lang="ru-RU" sz="1800" smtClean="0">
+                <a:latin typeface="Helvetica" pitchFamily="34" charset="0"/>
+                <a:cs typeface="Helvetica" pitchFamily="34" charset="0"/>
+              </a:rPr>
+              <a:t>13</a:t>
             </a:fld>
             <a:endParaRPr lang="ru-RU" dirty="0">
               <a:latin typeface="Helvetica" pitchFamily="34" charset="0"/>
@@ -10370,19 +10782,9 @@
                 <a:latin typeface="Helvetica" pitchFamily="34" charset="0"/>
                 <a:cs typeface="Helvetica" pitchFamily="34" charset="0"/>
               </a:rPr>
-              <a:t>https://team--scanner.herokuapp.com</a:t>
-            </a:r>
-            <a:r>
-              <a:rPr lang="en-US" sz="2600" u="sng" dirty="0" smtClean="0">
-                <a:solidFill>
-                  <a:srgbClr val="000099"/>
-                </a:solidFill>
-                <a:latin typeface="Helvetica" pitchFamily="34" charset="0"/>
-                <a:cs typeface="Helvetica" pitchFamily="34" charset="0"/>
-              </a:rPr>
-              <a:t>/</a:t>
-            </a:r>
-            <a:endParaRPr lang="ru-RU" sz="2600" u="sng" dirty="0" smtClean="0">
+              <a:t>https://team--scanner.herokuapp.com/</a:t>
+            </a:r>
+            <a:endParaRPr lang="ru-RU" sz="2600" u="sng" dirty="0">
               <a:solidFill>
                 <a:srgbClr val="000099"/>
               </a:solidFill>
@@ -10392,7 +10794,7 @@
           </a:p>
           <a:p>
             <a:r>
-              <a:rPr lang="en-US" sz="2600" u="sng" dirty="0" smtClean="0">
+              <a:rPr lang="en-US" sz="2600" u="sng" dirty="0">
                 <a:solidFill>
                   <a:srgbClr val="000099"/>
                 </a:solidFill>
@@ -10590,17 +10992,635 @@
   <p:clrMapOvr>
     <a:masterClrMapping/>
   </p:clrMapOvr>
-  <p:timing>
-    <p:tnLst>
-      <p:par>
-        <p:cTn id="1" dur="indefinite" restart="never" nodeType="tmRoot"/>
-      </p:par>
-    </p:tnLst>
-  </p:timing>
 </p:sld>
 </file>
 
-<file path=ppt/slides/slide13.xml><?xml version="1.0" encoding="utf-8"?>
+<file path=ppt/slides/slide14.xml><?xml version="1.0" encoding="utf-8"?>
+<p:sld xmlns:a="http://schemas.openxmlformats.org/drawingml/2006/main" xmlns:r="http://schemas.openxmlformats.org/officeDocument/2006/relationships" xmlns:p="http://schemas.openxmlformats.org/presentationml/2006/main">
+  <p:cSld>
+    <p:spTree>
+      <p:nvGrpSpPr>
+        <p:cNvPr id="1" name=""/>
+        <p:cNvGrpSpPr/>
+        <p:nvPr/>
+      </p:nvGrpSpPr>
+      <p:grpSpPr>
+        <a:xfrm>
+          <a:off x="0" y="0"/>
+          <a:ext cx="0" cy="0"/>
+          <a:chOff x="0" y="0"/>
+          <a:chExt cx="0" cy="0"/>
+        </a:xfrm>
+      </p:grpSpPr>
+      <p:sp>
+        <p:nvSpPr>
+          <p:cNvPr id="2" name="Заголовок 1"/>
+          <p:cNvSpPr>
+            <a:spLocks noGrp="1"/>
+          </p:cNvSpPr>
+          <p:nvPr>
+            <p:ph type="title"/>
+          </p:nvPr>
+        </p:nvSpPr>
+        <p:spPr/>
+        <p:txBody>
+          <a:bodyPr>
+            <a:normAutofit/>
+          </a:bodyPr>
+          <a:lstStyle/>
+          <a:p>
+            <a:pPr algn="l"/>
+            <a:r>
+              <a:rPr lang="ru-RU" sz="3200" dirty="0">
+                <a:latin typeface="Helvetica" pitchFamily="34" charset="0"/>
+                <a:cs typeface="Helvetica" pitchFamily="34" charset="0"/>
+              </a:rPr>
+              <a:t>Обязанности участников проекта</a:t>
+            </a:r>
+          </a:p>
+        </p:txBody>
+      </p:sp>
+      <p:sp>
+        <p:nvSpPr>
+          <p:cNvPr id="5" name="TextBox 4"/>
+          <p:cNvSpPr txBox="1"/>
+          <p:nvPr/>
+        </p:nvSpPr>
+        <p:spPr>
+          <a:xfrm>
+            <a:off x="59711" y="3642749"/>
+            <a:ext cx="3945183" cy="3231654"/>
+          </a:xfrm>
+          <a:prstGeom prst="rect">
+            <a:avLst/>
+          </a:prstGeom>
+          <a:noFill/>
+        </p:spPr>
+        <p:txBody>
+          <a:bodyPr wrap="none" rtlCol="0">
+            <a:spAutoFit/>
+          </a:bodyPr>
+          <a:lstStyle/>
+          <a:p>
+            <a:pPr algn="ctr"/>
+            <a:r>
+              <a:rPr lang="ru-RU" sz="1700" b="1" u="sng" dirty="0">
+                <a:latin typeface="Helvetica" pitchFamily="34" charset="0"/>
+                <a:cs typeface="Helvetica" pitchFamily="34" charset="0"/>
+              </a:rPr>
+              <a:t>Антоненко Илья</a:t>
+            </a:r>
+          </a:p>
+          <a:p>
+            <a:pPr marL="342900" indent="-342900">
+              <a:buFont typeface="Arial" pitchFamily="34" charset="0"/>
+              <a:buChar char="•"/>
+            </a:pPr>
+            <a:r>
+              <a:rPr lang="ru-RU" sz="1700" dirty="0">
+                <a:latin typeface="Helvetica" pitchFamily="34" charset="0"/>
+                <a:cs typeface="Helvetica" pitchFamily="34" charset="0"/>
+              </a:rPr>
+              <a:t>Написание ТЗ</a:t>
+            </a:r>
+          </a:p>
+          <a:p>
+            <a:pPr marL="342900" indent="-342900">
+              <a:buFont typeface="Arial" pitchFamily="34" charset="0"/>
+              <a:buChar char="•"/>
+            </a:pPr>
+            <a:r>
+              <a:rPr lang="ru-RU" sz="1700" dirty="0">
+                <a:latin typeface="Helvetica" pitchFamily="34" charset="0"/>
+                <a:cs typeface="Helvetica" pitchFamily="34" charset="0"/>
+              </a:rPr>
+              <a:t>Диаграмма </a:t>
+            </a:r>
+            <a:r>
+              <a:rPr lang="en-US" sz="1700" dirty="0">
+                <a:latin typeface="Helvetica" pitchFamily="34" charset="0"/>
+                <a:cs typeface="Helvetica" pitchFamily="34" charset="0"/>
+              </a:rPr>
+              <a:t>IDEF0</a:t>
+            </a:r>
+          </a:p>
+          <a:p>
+            <a:pPr marL="342900" indent="-342900">
+              <a:buFont typeface="Arial" pitchFamily="34" charset="0"/>
+              <a:buChar char="•"/>
+            </a:pPr>
+            <a:r>
+              <a:rPr lang="ru-RU" sz="1700" dirty="0">
+                <a:latin typeface="Helvetica" pitchFamily="34" charset="0"/>
+                <a:cs typeface="Helvetica" pitchFamily="34" charset="0"/>
+              </a:rPr>
+              <a:t>Диаграмма прецедентов</a:t>
+            </a:r>
+          </a:p>
+          <a:p>
+            <a:pPr marL="342900" indent="-342900">
+              <a:buFont typeface="Arial" pitchFamily="34" charset="0"/>
+              <a:buChar char="•"/>
+            </a:pPr>
+            <a:r>
+              <a:rPr lang="ru-RU" sz="1700" dirty="0">
+                <a:latin typeface="Helvetica" pitchFamily="34" charset="0"/>
+                <a:cs typeface="Helvetica" pitchFamily="34" charset="0"/>
+              </a:rPr>
+              <a:t>Диаграмма последовательностей</a:t>
+            </a:r>
+          </a:p>
+          <a:p>
+            <a:pPr marL="342900" indent="-342900">
+              <a:buFont typeface="Arial" pitchFamily="34" charset="0"/>
+              <a:buChar char="•"/>
+            </a:pPr>
+            <a:r>
+              <a:rPr lang="ru-RU" sz="1700" dirty="0">
+                <a:latin typeface="Helvetica" pitchFamily="34" charset="0"/>
+                <a:cs typeface="Helvetica" pitchFamily="34" charset="0"/>
+              </a:rPr>
+              <a:t>Диаграмма взаимодействия</a:t>
+            </a:r>
+          </a:p>
+          <a:p>
+            <a:pPr marL="342900" indent="-342900">
+              <a:buFont typeface="Arial" pitchFamily="34" charset="0"/>
+              <a:buChar char="•"/>
+            </a:pPr>
+            <a:r>
+              <a:rPr lang="ru-RU" sz="1700" dirty="0">
+                <a:latin typeface="Helvetica" pitchFamily="34" charset="0"/>
+                <a:cs typeface="Helvetica" pitchFamily="34" charset="0"/>
+              </a:rPr>
+              <a:t>Диаграмма состояний</a:t>
+            </a:r>
+          </a:p>
+          <a:p>
+            <a:pPr marL="342900" indent="-342900">
+              <a:buFont typeface="Arial" pitchFamily="34" charset="0"/>
+              <a:buChar char="•"/>
+            </a:pPr>
+            <a:r>
+              <a:rPr lang="ru-RU" sz="1700" dirty="0">
+                <a:latin typeface="Helvetica" pitchFamily="34" charset="0"/>
+                <a:cs typeface="Helvetica" pitchFamily="34" charset="0"/>
+              </a:rPr>
+              <a:t>Диаграмма активностей</a:t>
+            </a:r>
+          </a:p>
+          <a:p>
+            <a:pPr marL="342900" indent="-342900">
+              <a:buFont typeface="Arial" pitchFamily="34" charset="0"/>
+              <a:buChar char="•"/>
+            </a:pPr>
+            <a:r>
+              <a:rPr lang="ru-RU" sz="1700" dirty="0">
+                <a:latin typeface="Helvetica" pitchFamily="34" charset="0"/>
+                <a:cs typeface="Helvetica" pitchFamily="34" charset="0"/>
+              </a:rPr>
+              <a:t>Диаграмма развертывания</a:t>
+            </a:r>
+          </a:p>
+          <a:p>
+            <a:pPr marL="342900" indent="-342900">
+              <a:buFont typeface="Arial" pitchFamily="34" charset="0"/>
+              <a:buChar char="•"/>
+            </a:pPr>
+            <a:r>
+              <a:rPr lang="ru-RU" sz="1700" dirty="0">
+                <a:latin typeface="Helvetica" pitchFamily="34" charset="0"/>
+                <a:cs typeface="Helvetica" pitchFamily="34" charset="0"/>
+              </a:rPr>
+              <a:t>Написание курсового проекта</a:t>
+            </a:r>
+          </a:p>
+          <a:p>
+            <a:pPr marL="342900" indent="-342900">
+              <a:buFont typeface="Arial" pitchFamily="34" charset="0"/>
+              <a:buChar char="•"/>
+            </a:pPr>
+            <a:r>
+              <a:rPr lang="en-US" sz="1700" dirty="0">
+                <a:latin typeface="Helvetica" pitchFamily="34" charset="0"/>
+                <a:cs typeface="Helvetica" pitchFamily="34" charset="0"/>
+              </a:rPr>
+              <a:t>UI</a:t>
+            </a:r>
+            <a:r>
+              <a:rPr lang="ru-RU" sz="1700" dirty="0">
+                <a:latin typeface="Helvetica" pitchFamily="34" charset="0"/>
+                <a:cs typeface="Helvetica" pitchFamily="34" charset="0"/>
+              </a:rPr>
+              <a:t> тестирование</a:t>
+            </a:r>
+          </a:p>
+          <a:p>
+            <a:pPr marL="342900" indent="-342900">
+              <a:buFont typeface="Arial" pitchFamily="34" charset="0"/>
+              <a:buChar char="•"/>
+            </a:pPr>
+            <a:r>
+              <a:rPr lang="ru-RU" sz="1700" dirty="0">
+                <a:latin typeface="Helvetica" pitchFamily="34" charset="0"/>
+                <a:cs typeface="Helvetica" pitchFamily="34" charset="0"/>
+              </a:rPr>
+              <a:t>Дымовое тестирование</a:t>
+            </a:r>
+          </a:p>
+        </p:txBody>
+      </p:sp>
+      <p:sp>
+        <p:nvSpPr>
+          <p:cNvPr id="6" name="TextBox 5"/>
+          <p:cNvSpPr txBox="1"/>
+          <p:nvPr/>
+        </p:nvSpPr>
+        <p:spPr>
+          <a:xfrm>
+            <a:off x="4660963" y="4165969"/>
+            <a:ext cx="4211346" cy="2185214"/>
+          </a:xfrm>
+          <a:prstGeom prst="rect">
+            <a:avLst/>
+          </a:prstGeom>
+          <a:noFill/>
+        </p:spPr>
+        <p:txBody>
+          <a:bodyPr wrap="none" rtlCol="0">
+            <a:spAutoFit/>
+          </a:bodyPr>
+          <a:lstStyle/>
+          <a:p>
+            <a:pPr algn="ctr"/>
+            <a:r>
+              <a:rPr lang="ru-RU" sz="1700" b="1" u="sng" dirty="0">
+                <a:latin typeface="Helvetica" pitchFamily="34" charset="0"/>
+                <a:cs typeface="Helvetica" pitchFamily="34" charset="0"/>
+              </a:rPr>
+              <a:t>Волков Александр</a:t>
+            </a:r>
+          </a:p>
+          <a:p>
+            <a:pPr marL="342900" indent="-342900">
+              <a:buFont typeface="Arial" pitchFamily="34" charset="0"/>
+              <a:buChar char="•"/>
+            </a:pPr>
+            <a:r>
+              <a:rPr lang="ru-RU" sz="1700" dirty="0">
+                <a:latin typeface="Helvetica" pitchFamily="34" charset="0"/>
+                <a:cs typeface="Helvetica" pitchFamily="34" charset="0"/>
+              </a:rPr>
+              <a:t>Составление схемы на </a:t>
+            </a:r>
+            <a:r>
+              <a:rPr lang="en-US" sz="1700" dirty="0">
+                <a:latin typeface="Helvetica" pitchFamily="34" charset="0"/>
+                <a:cs typeface="Helvetica" pitchFamily="34" charset="0"/>
+              </a:rPr>
+              <a:t>MIRO</a:t>
+            </a:r>
+          </a:p>
+          <a:p>
+            <a:pPr marL="342900" indent="-342900">
+              <a:buFont typeface="Arial" pitchFamily="34" charset="0"/>
+              <a:buChar char="•"/>
+            </a:pPr>
+            <a:r>
+              <a:rPr lang="en-US" sz="1700" dirty="0">
+                <a:latin typeface="Helvetica" pitchFamily="34" charset="0"/>
+                <a:cs typeface="Helvetica" pitchFamily="34" charset="0"/>
+              </a:rPr>
+              <a:t>C</a:t>
+            </a:r>
+            <a:r>
+              <a:rPr lang="ru-RU" sz="1700" dirty="0">
+                <a:latin typeface="Helvetica" pitchFamily="34" charset="0"/>
+                <a:cs typeface="Helvetica" pitchFamily="34" charset="0"/>
+              </a:rPr>
+              <a:t>оставление архитектуры </a:t>
+            </a:r>
+            <a:r>
+              <a:rPr lang="en-US" sz="1700" dirty="0">
+                <a:latin typeface="Helvetica" pitchFamily="34" charset="0"/>
+                <a:cs typeface="Helvetica" pitchFamily="34" charset="0"/>
+              </a:rPr>
+              <a:t>Back-end</a:t>
+            </a:r>
+          </a:p>
+          <a:p>
+            <a:pPr marL="342900" indent="-342900">
+              <a:buFont typeface="Arial" pitchFamily="34" charset="0"/>
+              <a:buChar char="•"/>
+            </a:pPr>
+            <a:r>
+              <a:rPr lang="ru-RU" sz="1700" dirty="0">
+                <a:latin typeface="Helvetica" pitchFamily="34" charset="0"/>
+                <a:cs typeface="Helvetica" pitchFamily="34" charset="0"/>
+              </a:rPr>
+              <a:t>Разработка </a:t>
+            </a:r>
+            <a:r>
+              <a:rPr lang="en-US" sz="1700" dirty="0">
+                <a:latin typeface="Helvetica" pitchFamily="34" charset="0"/>
+                <a:cs typeface="Helvetica" pitchFamily="34" charset="0"/>
+              </a:rPr>
+              <a:t>Back-end </a:t>
+            </a:r>
+            <a:r>
+              <a:rPr lang="ru-RU" sz="1700" dirty="0">
+                <a:latin typeface="Helvetica" pitchFamily="34" charset="0"/>
+                <a:cs typeface="Helvetica" pitchFamily="34" charset="0"/>
+              </a:rPr>
+              <a:t>приложения</a:t>
+            </a:r>
+          </a:p>
+          <a:p>
+            <a:pPr marL="342900" indent="-342900">
+              <a:buFont typeface="Arial" pitchFamily="34" charset="0"/>
+              <a:buChar char="•"/>
+            </a:pPr>
+            <a:r>
+              <a:rPr lang="ru-RU" sz="1700" dirty="0">
+                <a:latin typeface="Helvetica" pitchFamily="34" charset="0"/>
+                <a:cs typeface="Helvetica" pitchFamily="34" charset="0"/>
+              </a:rPr>
+              <a:t>Диаграмма классов и объектов</a:t>
+            </a:r>
+          </a:p>
+          <a:p>
+            <a:pPr marL="342900" indent="-342900">
+              <a:buFont typeface="Arial" pitchFamily="34" charset="0"/>
+              <a:buChar char="•"/>
+            </a:pPr>
+            <a:r>
+              <a:rPr lang="en-US" sz="1700" dirty="0">
+                <a:latin typeface="Helvetica" pitchFamily="34" charset="0"/>
+                <a:cs typeface="Helvetica" pitchFamily="34" charset="0"/>
+              </a:rPr>
+              <a:t>Deploy </a:t>
+            </a:r>
+            <a:r>
+              <a:rPr lang="ru-RU" sz="1700" dirty="0">
+                <a:latin typeface="Helvetica" pitchFamily="34" charset="0"/>
+                <a:cs typeface="Helvetica" pitchFamily="34" charset="0"/>
+              </a:rPr>
+              <a:t>серверной части на хостинге</a:t>
+            </a:r>
+          </a:p>
+          <a:p>
+            <a:pPr marL="342900" indent="-342900">
+              <a:buFont typeface="Arial" pitchFamily="34" charset="0"/>
+              <a:buChar char="•"/>
+            </a:pPr>
+            <a:r>
+              <a:rPr lang="ru-RU" sz="1700" dirty="0">
+                <a:latin typeface="Helvetica" pitchFamily="34" charset="0"/>
+                <a:cs typeface="Helvetica" pitchFamily="34" charset="0"/>
+              </a:rPr>
+              <a:t>Подключение </a:t>
+            </a:r>
+            <a:r>
+              <a:rPr lang="en-US" sz="1700" dirty="0">
+                <a:latin typeface="Helvetica" pitchFamily="34" charset="0"/>
+                <a:cs typeface="Helvetica" pitchFamily="34" charset="0"/>
+              </a:rPr>
+              <a:t>SWAGGER</a:t>
+            </a:r>
+            <a:endParaRPr lang="ru-RU" sz="1700" dirty="0">
+              <a:latin typeface="Helvetica" pitchFamily="34" charset="0"/>
+              <a:cs typeface="Helvetica" pitchFamily="34" charset="0"/>
+            </a:endParaRPr>
+          </a:p>
+          <a:p>
+            <a:pPr marL="342900" indent="-342900">
+              <a:buFont typeface="Arial" pitchFamily="34" charset="0"/>
+              <a:buChar char="•"/>
+            </a:pPr>
+            <a:r>
+              <a:rPr lang="ru-RU" sz="1700" dirty="0">
+                <a:latin typeface="Helvetica" pitchFamily="34" charset="0"/>
+                <a:cs typeface="Helvetica" pitchFamily="34" charset="0"/>
+              </a:rPr>
+              <a:t>Написание курсового проекта</a:t>
+            </a:r>
+          </a:p>
+        </p:txBody>
+      </p:sp>
+      <p:sp>
+        <p:nvSpPr>
+          <p:cNvPr id="7" name="TextBox 6"/>
+          <p:cNvSpPr txBox="1"/>
+          <p:nvPr/>
+        </p:nvSpPr>
+        <p:spPr>
+          <a:xfrm>
+            <a:off x="2555776" y="1412776"/>
+            <a:ext cx="4251390" cy="2185214"/>
+          </a:xfrm>
+          <a:prstGeom prst="rect">
+            <a:avLst/>
+          </a:prstGeom>
+          <a:noFill/>
+        </p:spPr>
+        <p:txBody>
+          <a:bodyPr wrap="square" rtlCol="0">
+            <a:spAutoFit/>
+          </a:bodyPr>
+          <a:lstStyle/>
+          <a:p>
+            <a:pPr algn="ctr"/>
+            <a:r>
+              <a:rPr lang="ru-RU" sz="1700" b="1" u="sng" dirty="0">
+                <a:latin typeface="Helvetica" pitchFamily="34" charset="0"/>
+                <a:cs typeface="Helvetica" pitchFamily="34" charset="0"/>
+              </a:rPr>
+              <a:t>Маликов Стас</a:t>
+            </a:r>
+          </a:p>
+          <a:p>
+            <a:pPr marL="342900" indent="-342900">
+              <a:buFont typeface="Arial" pitchFamily="34" charset="0"/>
+              <a:buChar char="•"/>
+            </a:pPr>
+            <a:r>
+              <a:rPr lang="ru-RU" sz="1700" dirty="0">
+                <a:latin typeface="Helvetica" pitchFamily="34" charset="0"/>
+                <a:cs typeface="Helvetica" pitchFamily="34" charset="0"/>
+              </a:rPr>
+              <a:t>Составление схемы на </a:t>
+            </a:r>
+            <a:r>
+              <a:rPr lang="en-US" sz="1700" dirty="0">
+                <a:latin typeface="Helvetica" pitchFamily="34" charset="0"/>
+                <a:cs typeface="Helvetica" pitchFamily="34" charset="0"/>
+              </a:rPr>
+              <a:t>MIRO</a:t>
+            </a:r>
+            <a:endParaRPr lang="ru-RU" sz="1700" dirty="0">
+              <a:latin typeface="Helvetica" pitchFamily="34" charset="0"/>
+              <a:cs typeface="Helvetica" pitchFamily="34" charset="0"/>
+            </a:endParaRPr>
+          </a:p>
+          <a:p>
+            <a:pPr marL="342900" indent="-342900">
+              <a:buFont typeface="Arial" pitchFamily="34" charset="0"/>
+              <a:buChar char="•"/>
+            </a:pPr>
+            <a:r>
+              <a:rPr lang="ru-RU" sz="1700" dirty="0">
+                <a:latin typeface="Helvetica" pitchFamily="34" charset="0"/>
+                <a:cs typeface="Helvetica" pitchFamily="34" charset="0"/>
+              </a:rPr>
+              <a:t>Составление архитектуры </a:t>
+            </a:r>
+            <a:r>
+              <a:rPr lang="en-US" sz="1700" dirty="0">
+                <a:latin typeface="Helvetica" pitchFamily="34" charset="0"/>
+                <a:cs typeface="Helvetica" pitchFamily="34" charset="0"/>
+              </a:rPr>
+              <a:t>Front-end</a:t>
+            </a:r>
+            <a:endParaRPr lang="ru-RU" sz="1700" dirty="0">
+              <a:latin typeface="Helvetica" pitchFamily="34" charset="0"/>
+              <a:cs typeface="Helvetica" pitchFamily="34" charset="0"/>
+            </a:endParaRPr>
+          </a:p>
+          <a:p>
+            <a:pPr marL="342900" indent="-342900">
+              <a:buFont typeface="Arial" pitchFamily="34" charset="0"/>
+              <a:buChar char="•"/>
+            </a:pPr>
+            <a:r>
+              <a:rPr lang="ru-RU" sz="1700" dirty="0">
+                <a:latin typeface="Helvetica" pitchFamily="34" charset="0"/>
+                <a:cs typeface="Helvetica" pitchFamily="34" charset="0"/>
+              </a:rPr>
+              <a:t>Разработка </a:t>
+            </a:r>
+            <a:r>
+              <a:rPr lang="en-US" sz="1700" dirty="0">
+                <a:latin typeface="Helvetica" pitchFamily="34" charset="0"/>
+                <a:cs typeface="Helvetica" pitchFamily="34" charset="0"/>
+              </a:rPr>
+              <a:t>Front-end </a:t>
+            </a:r>
+            <a:r>
+              <a:rPr lang="ru-RU" sz="1700" dirty="0">
+                <a:latin typeface="Helvetica" pitchFamily="34" charset="0"/>
+                <a:cs typeface="Helvetica" pitchFamily="34" charset="0"/>
+              </a:rPr>
+              <a:t>приложения</a:t>
+            </a:r>
+          </a:p>
+          <a:p>
+            <a:pPr marL="342900" indent="-342900">
+              <a:buFont typeface="Arial" pitchFamily="34" charset="0"/>
+              <a:buChar char="•"/>
+            </a:pPr>
+            <a:r>
+              <a:rPr lang="ru-RU" sz="1700" dirty="0">
+                <a:latin typeface="Helvetica" pitchFamily="34" charset="0"/>
+                <a:cs typeface="Helvetica" pitchFamily="34" charset="0"/>
+              </a:rPr>
+              <a:t>Разработка дизайна приложения</a:t>
+            </a:r>
+            <a:endParaRPr lang="en-US" sz="1700" dirty="0">
+              <a:latin typeface="Helvetica" pitchFamily="34" charset="0"/>
+              <a:cs typeface="Helvetica" pitchFamily="34" charset="0"/>
+            </a:endParaRPr>
+          </a:p>
+          <a:p>
+            <a:pPr marL="342900" indent="-342900">
+              <a:buFont typeface="Arial" pitchFamily="34" charset="0"/>
+              <a:buChar char="•"/>
+            </a:pPr>
+            <a:r>
+              <a:rPr lang="en-US" sz="1700" dirty="0">
+                <a:latin typeface="Helvetica" pitchFamily="34" charset="0"/>
+                <a:cs typeface="Helvetica" pitchFamily="34" charset="0"/>
+              </a:rPr>
+              <a:t>Deploy </a:t>
+            </a:r>
+            <a:r>
+              <a:rPr lang="ru-RU" sz="1700" dirty="0">
+                <a:latin typeface="Helvetica" pitchFamily="34" charset="0"/>
+                <a:cs typeface="Helvetica" pitchFamily="34" charset="0"/>
+              </a:rPr>
+              <a:t>клиентской части на хостинге</a:t>
+            </a:r>
+          </a:p>
+          <a:p>
+            <a:pPr marL="342900" indent="-342900">
+              <a:buFont typeface="Arial" pitchFamily="34" charset="0"/>
+              <a:buChar char="•"/>
+            </a:pPr>
+            <a:r>
+              <a:rPr lang="ru-RU" sz="1700" dirty="0">
+                <a:latin typeface="Helvetica" pitchFamily="34" charset="0"/>
+                <a:cs typeface="Helvetica" pitchFamily="34" charset="0"/>
+              </a:rPr>
+              <a:t>Описание проекта на гите</a:t>
+            </a:r>
+          </a:p>
+          <a:p>
+            <a:pPr marL="342900" indent="-342900">
+              <a:buFont typeface="Arial" pitchFamily="34" charset="0"/>
+              <a:buChar char="•"/>
+            </a:pPr>
+            <a:r>
+              <a:rPr lang="ru-RU" sz="1700" dirty="0">
+                <a:latin typeface="Helvetica" pitchFamily="34" charset="0"/>
+                <a:cs typeface="Helvetica" pitchFamily="34" charset="0"/>
+              </a:rPr>
+              <a:t>Написание курсового проекта</a:t>
+            </a:r>
+          </a:p>
+        </p:txBody>
+      </p:sp>
+      <p:sp>
+        <p:nvSpPr>
+          <p:cNvPr id="8" name="Номер слайда 7"/>
+          <p:cNvSpPr>
+            <a:spLocks noGrp="1"/>
+          </p:cNvSpPr>
+          <p:nvPr>
+            <p:ph type="sldNum" sz="quarter" idx="12"/>
+          </p:nvPr>
+        </p:nvSpPr>
+        <p:spPr/>
+        <p:txBody>
+          <a:bodyPr/>
+          <a:lstStyle/>
+          <a:p>
+            <a:fld id="{CEA8D9DC-4534-4FD8-9DD0-97FDDFC6571A}" type="slidenum">
+              <a:rPr lang="ru-RU" sz="1800" smtClean="0">
+                <a:latin typeface="Helvetica" pitchFamily="34" charset="0"/>
+                <a:cs typeface="Helvetica" pitchFamily="34" charset="0"/>
+              </a:rPr>
+              <a:t>14</a:t>
+            </a:fld>
+            <a:endParaRPr lang="ru-RU" sz="1800" dirty="0">
+              <a:latin typeface="Helvetica" pitchFamily="34" charset="0"/>
+              <a:cs typeface="Helvetica" pitchFamily="34" charset="0"/>
+            </a:endParaRPr>
+          </a:p>
+        </p:txBody>
+      </p:sp>
+    </p:spTree>
+    <p:extLst>
+      <p:ext uri="{BB962C8B-B14F-4D97-AF65-F5344CB8AC3E}">
+        <p14:creationId xmlns:p14="http://schemas.microsoft.com/office/powerpoint/2010/main" val="1254437361"/>
+      </p:ext>
+    </p:extLst>
+  </p:cSld>
+  <p:clrMapOvr>
+    <a:masterClrMapping/>
+  </p:clrMapOvr>
+</p:sld>
+</file>
+
+<file path=ppt/slides/slide15.xml><?xml version="1.0" encoding="utf-8"?>
 <p:sld xmlns:a="http://schemas.openxmlformats.org/drawingml/2006/main" xmlns:r="http://schemas.openxmlformats.org/officeDocument/2006/relationships" xmlns:p="http://schemas.openxmlformats.org/presentationml/2006/main">
   <p:cSld>
     <p:spTree>
@@ -10635,25 +11655,24 @@
           <a:lstStyle/>
           <a:p>
             <a:r>
-              <a:rPr lang="ru-RU" sz="5400" dirty="0" smtClean="0"/>
+              <a:rPr lang="ru-RU" sz="5400" dirty="0"/>
               <a:t>Курсовой проект</a:t>
             </a:r>
             <a:br>
-              <a:rPr lang="ru-RU" sz="5400" dirty="0" smtClean="0"/>
+              <a:rPr lang="ru-RU" sz="5400" dirty="0"/>
             </a:br>
             <a:r>
-              <a:rPr lang="ru-RU" sz="5400" dirty="0" smtClean="0"/>
+              <a:rPr lang="ru-RU" sz="5400" dirty="0"/>
               <a:t>«</a:t>
             </a:r>
             <a:r>
-              <a:rPr lang="en-US" sz="5400" dirty="0" smtClean="0"/>
+              <a:rPr lang="en-US" sz="5400" dirty="0"/>
               <a:t>TEAM SCANNER</a:t>
             </a:r>
             <a:r>
-              <a:rPr lang="ru-RU" sz="5400" dirty="0" smtClean="0"/>
+              <a:rPr lang="ru-RU" sz="5400" dirty="0"/>
               <a:t>»</a:t>
             </a:r>
-            <a:endParaRPr lang="ru-RU" sz="5400" dirty="0"/>
           </a:p>
         </p:txBody>
       </p:sp>
@@ -10669,8 +11688,8 @@
         </p:nvSpPr>
         <p:spPr>
           <a:xfrm>
-            <a:off x="3131840" y="4437112"/>
-            <a:ext cx="5680720" cy="2160240"/>
+            <a:off x="179512" y="4531269"/>
+            <a:ext cx="5544616" cy="2160240"/>
           </a:xfrm>
         </p:spPr>
         <p:txBody>
@@ -10680,7 +11699,7 @@
           <a:lstStyle/>
           <a:p>
             <a:r>
-              <a:rPr lang="ru-RU" dirty="0" smtClean="0">
+              <a:rPr lang="ru-RU" dirty="0">
                 <a:solidFill>
                   <a:schemeClr val="tx1"/>
                 </a:solidFill>
@@ -10690,7 +11709,7 @@
           </a:p>
           <a:p>
             <a:r>
-              <a:rPr lang="ru-RU" dirty="0" smtClean="0">
+              <a:rPr lang="ru-RU" dirty="0">
                 <a:solidFill>
                   <a:schemeClr val="tx1"/>
                 </a:solidFill>
@@ -10700,7 +11719,7 @@
           </a:p>
           <a:p>
             <a:r>
-              <a:rPr lang="ru-RU" dirty="0" smtClean="0">
+              <a:rPr lang="ru-RU" dirty="0">
                 <a:solidFill>
                   <a:schemeClr val="tx1"/>
                 </a:solidFill>
@@ -10711,7 +11730,7 @@
           <a:p>
             <a:pPr algn="l"/>
             <a:r>
-              <a:rPr lang="ru-RU" dirty="0" smtClean="0">
+              <a:rPr lang="ru-RU" dirty="0">
                 <a:solidFill>
                   <a:schemeClr val="tx1"/>
                 </a:solidFill>
@@ -10722,7 +11741,7 @@
           <a:p>
             <a:pPr algn="l"/>
             <a:r>
-              <a:rPr lang="ru-RU" dirty="0" smtClean="0">
+              <a:rPr lang="ru-RU" dirty="0">
                 <a:solidFill>
                   <a:schemeClr val="tx1"/>
                 </a:solidFill>
@@ -10756,24 +11775,23 @@
           <a:p>
             <a:pPr algn="ctr"/>
             <a:r>
-              <a:rPr lang="ru-RU" dirty="0" smtClean="0"/>
+              <a:rPr lang="ru-RU" dirty="0"/>
               <a:t>Воронежский Государственный Университет</a:t>
             </a:r>
           </a:p>
           <a:p>
             <a:pPr algn="ctr"/>
             <a:r>
-              <a:rPr lang="ru-RU" dirty="0" smtClean="0"/>
+              <a:rPr lang="ru-RU" dirty="0"/>
               <a:t>Факультет Компьютерных Наук</a:t>
             </a:r>
           </a:p>
           <a:p>
             <a:pPr algn="ctr"/>
             <a:r>
-              <a:rPr lang="ru-RU" dirty="0" smtClean="0"/>
+              <a:rPr lang="ru-RU" dirty="0"/>
               <a:t>Кафедра Программирования и Информационных Технологий</a:t>
             </a:r>
-            <a:endParaRPr lang="ru-RU" dirty="0"/>
           </a:p>
         </p:txBody>
       </p:sp>
@@ -10787,13 +11805,6 @@
   <p:clrMapOvr>
     <a:masterClrMapping/>
   </p:clrMapOvr>
-  <p:timing>
-    <p:tnLst>
-      <p:par>
-        <p:cTn id="1" dur="indefinite" restart="never" nodeType="tmRoot"/>
-      </p:par>
-    </p:tnLst>
-  </p:timing>
 </p:sld>
 </file>
 
@@ -10833,30 +11844,26 @@
           <a:p>
             <a:pPr algn="l"/>
             <a:r>
-              <a:rPr lang="ru-RU" sz="3200" dirty="0" smtClean="0">
+              <a:rPr lang="ru-RU" sz="3200" dirty="0">
                 <a:latin typeface="Helvetica" pitchFamily="34" charset="0"/>
                 <a:cs typeface="Helvetica" pitchFamily="34" charset="0"/>
               </a:rPr>
               <a:t>Что такое «</a:t>
             </a:r>
             <a:r>
-              <a:rPr lang="en-US" sz="3200" dirty="0" err="1" smtClean="0">
+              <a:rPr lang="en-US" sz="3200" dirty="0" err="1">
                 <a:latin typeface="Helvetica" pitchFamily="34" charset="0"/>
                 <a:cs typeface="Helvetica" pitchFamily="34" charset="0"/>
               </a:rPr>
               <a:t>TeamScanner</a:t>
             </a:r>
             <a:r>
-              <a:rPr lang="ru-RU" sz="3200" dirty="0" smtClean="0">
+              <a:rPr lang="ru-RU" sz="3200" dirty="0">
                 <a:latin typeface="Helvetica" pitchFamily="34" charset="0"/>
                 <a:cs typeface="Helvetica" pitchFamily="34" charset="0"/>
               </a:rPr>
               <a:t>»</a:t>
             </a:r>
-            <a:endParaRPr lang="ru-RU" sz="3200" dirty="0">
-              <a:latin typeface="Helvetica" pitchFamily="34" charset="0"/>
-              <a:cs typeface="Helvetica" pitchFamily="34" charset="0"/>
-            </a:endParaRPr>
           </a:p>
         </p:txBody>
       </p:sp>
@@ -10912,53 +11919,25 @@
           <a:lstStyle/>
           <a:p>
             <a:r>
-              <a:rPr lang="en-US" dirty="0" smtClean="0">
+              <a:rPr lang="en-US" dirty="0">
                 <a:latin typeface="Helvetica" pitchFamily="34" charset="0"/>
                 <a:cs typeface="Helvetica" pitchFamily="34" charset="0"/>
               </a:rPr>
               <a:t>W</a:t>
             </a:r>
             <a:r>
-              <a:rPr lang="ru-RU" dirty="0" err="1" smtClean="0">
+              <a:rPr lang="ru-RU" dirty="0" err="1">
                 <a:latin typeface="Helvetica" pitchFamily="34" charset="0"/>
                 <a:cs typeface="Helvetica" pitchFamily="34" charset="0"/>
               </a:rPr>
               <a:t>eb</a:t>
             </a:r>
             <a:r>
-              <a:rPr lang="ru-RU" dirty="0" smtClean="0">
-                <a:latin typeface="Helvetica" pitchFamily="34" charset="0"/>
-                <a:cs typeface="Helvetica" pitchFamily="34" charset="0"/>
-              </a:rPr>
-              <a:t> </a:t>
-            </a:r>
-            <a:r>
               <a:rPr lang="ru-RU" dirty="0">
                 <a:latin typeface="Helvetica" pitchFamily="34" charset="0"/>
                 <a:cs typeface="Helvetica" pitchFamily="34" charset="0"/>
               </a:rPr>
-              <a:t>- </a:t>
-            </a:r>
-            <a:r>
-              <a:rPr lang="ru-RU" dirty="0" smtClean="0">
-                <a:latin typeface="Helvetica" pitchFamily="34" charset="0"/>
-                <a:cs typeface="Helvetica" pitchFamily="34" charset="0"/>
-              </a:rPr>
-              <a:t>приложение, </a:t>
-            </a:r>
-            <a:r>
-              <a:rPr lang="ru-RU" dirty="0">
-                <a:latin typeface="Helvetica" pitchFamily="34" charset="0"/>
-                <a:cs typeface="Helvetica" pitchFamily="34" charset="0"/>
-              </a:rPr>
-              <a:t>с помощью которого пользователи </a:t>
-            </a:r>
-            <a:r>
-              <a:rPr lang="ru-RU" dirty="0" smtClean="0">
-                <a:latin typeface="Helvetica" pitchFamily="34" charset="0"/>
-                <a:cs typeface="Helvetica" pitchFamily="34" charset="0"/>
-              </a:rPr>
-              <a:t>могут находить себе </a:t>
+              <a:t> - приложение, с помощью которого пользователи могут находить себе </a:t>
             </a:r>
             <a:r>
               <a:rPr lang="ru-RU" dirty="0" err="1">
@@ -10972,16 +11951,9 @@
                 <a:latin typeface="Helvetica" pitchFamily="34" charset="0"/>
                 <a:cs typeface="Helvetica" pitchFamily="34" charset="0"/>
               </a:rPr>
-              <a:t> для игр разных видов спорта, откликаясь на объявления о наборе, которые создают другие </a:t>
-            </a:r>
-            <a:r>
-              <a:rPr lang="ru-RU" dirty="0" smtClean="0">
-                <a:latin typeface="Helvetica" pitchFamily="34" charset="0"/>
-                <a:cs typeface="Helvetica" pitchFamily="34" charset="0"/>
-              </a:rPr>
-              <a:t>пользователи</a:t>
-            </a:r>
-            <a:endParaRPr lang="en-US" dirty="0" smtClean="0">
+              <a:t> для игр разных видов спорта, откликаясь на объявления о наборе, которые создают другие пользователи</a:t>
+            </a:r>
+            <a:endParaRPr lang="en-US" dirty="0">
               <a:latin typeface="Helvetica" pitchFamily="34" charset="0"/>
               <a:cs typeface="Helvetica" pitchFamily="34" charset="0"/>
             </a:endParaRPr>
@@ -10989,7 +11961,7 @@
           <a:p>
             <a:pPr lvl="0"/>
             <a:r>
-              <a:rPr lang="ru-RU" dirty="0" smtClean="0">
+              <a:rPr lang="ru-RU" dirty="0">
                 <a:latin typeface="Helvetica" pitchFamily="34" charset="0"/>
                 <a:cs typeface="Helvetica" pitchFamily="34" charset="0"/>
               </a:rPr>
@@ -11002,58 +11974,38 @@
               <a:buChar char="•"/>
             </a:pPr>
             <a:r>
-              <a:rPr lang="ru-RU" dirty="0" smtClean="0">
-                <a:latin typeface="Helvetica" pitchFamily="34" charset="0"/>
-                <a:cs typeface="Helvetica" pitchFamily="34" charset="0"/>
-              </a:rPr>
-              <a:t>Регистрацию</a:t>
-            </a:r>
-            <a:r>
               <a:rPr lang="ru-RU" dirty="0">
                 <a:latin typeface="Helvetica" pitchFamily="34" charset="0"/>
                 <a:cs typeface="Helvetica" pitchFamily="34" charset="0"/>
               </a:rPr>
-              <a:t>, авторизацию, </a:t>
-            </a:r>
-            <a:r>
-              <a:rPr lang="ru-RU" dirty="0" smtClean="0">
-                <a:latin typeface="Helvetica" pitchFamily="34" charset="0"/>
-                <a:cs typeface="Helvetica" pitchFamily="34" charset="0"/>
-              </a:rPr>
-              <a:t>просмотр личного </a:t>
-            </a:r>
+              <a:t>Регистрацию, авторизацию, просмотр личного кабинета, выход из Учетной записи</a:t>
+            </a:r>
+          </a:p>
+          <a:p>
+            <a:pPr marL="285750" lvl="0" indent="-285750">
+              <a:buFont typeface="Arial" pitchFamily="34" charset="0"/>
+              <a:buChar char="•"/>
+            </a:pPr>
             <a:r>
               <a:rPr lang="ru-RU" dirty="0">
                 <a:latin typeface="Helvetica" pitchFamily="34" charset="0"/>
                 <a:cs typeface="Helvetica" pitchFamily="34" charset="0"/>
               </a:rPr>
-              <a:t>кабинета, </a:t>
-            </a:r>
-            <a:r>
-              <a:rPr lang="ru-RU" dirty="0" smtClean="0">
-                <a:latin typeface="Helvetica" pitchFamily="34" charset="0"/>
-                <a:cs typeface="Helvetica" pitchFamily="34" charset="0"/>
-              </a:rPr>
-              <a:t>выход </a:t>
-            </a:r>
+              <a:t>Создание объявления о поиске игроков, просмотр списка Участников, обмен комментариями</a:t>
+            </a:r>
+          </a:p>
+          <a:p>
+            <a:pPr marL="285750" lvl="0" indent="-285750">
+              <a:buFont typeface="Arial" pitchFamily="34" charset="0"/>
+              <a:buChar char="•"/>
+            </a:pPr>
             <a:r>
               <a:rPr lang="ru-RU" dirty="0">
                 <a:latin typeface="Helvetica" pitchFamily="34" charset="0"/>
                 <a:cs typeface="Helvetica" pitchFamily="34" charset="0"/>
               </a:rPr>
-              <a:t>из Учетной </a:t>
-            </a:r>
-            <a:r>
-              <a:rPr lang="ru-RU" dirty="0" smtClean="0">
-                <a:latin typeface="Helvetica" pitchFamily="34" charset="0"/>
-                <a:cs typeface="Helvetica" pitchFamily="34" charset="0"/>
-              </a:rPr>
-              <a:t>записи</a:t>
-            </a:r>
-            <a:endParaRPr lang="ru-RU" dirty="0">
-              <a:latin typeface="Helvetica" pitchFamily="34" charset="0"/>
-              <a:cs typeface="Helvetica" pitchFamily="34" charset="0"/>
-            </a:endParaRPr>
+              <a:t>Поиск объявлений по нескольким критериям</a:t>
+            </a:r>
           </a:p>
           <a:p>
             <a:pPr marL="285750" lvl="0" indent="-285750">
@@ -11061,119 +12013,39 @@
               <a:buChar char="•"/>
             </a:pPr>
             <a:r>
-              <a:rPr lang="ru-RU" dirty="0" smtClean="0">
-                <a:latin typeface="Helvetica" pitchFamily="34" charset="0"/>
-                <a:cs typeface="Helvetica" pitchFamily="34" charset="0"/>
-              </a:rPr>
-              <a:t>Создание </a:t>
-            </a:r>
-            <a:r>
               <a:rPr lang="ru-RU" dirty="0">
                 <a:latin typeface="Helvetica" pitchFamily="34" charset="0"/>
                 <a:cs typeface="Helvetica" pitchFamily="34" charset="0"/>
               </a:rPr>
-              <a:t>объявления о поиске </a:t>
-            </a:r>
-            <a:r>
-              <a:rPr lang="ru-RU" dirty="0" smtClean="0">
-                <a:latin typeface="Helvetica" pitchFamily="34" charset="0"/>
-                <a:cs typeface="Helvetica" pitchFamily="34" charset="0"/>
-              </a:rPr>
-              <a:t>игроков, просмотр </a:t>
-            </a:r>
+              <a:t>Возможность откликнуться на объявление о поиске игроков и оставить комментарий </a:t>
+            </a:r>
+          </a:p>
+          <a:p>
+            <a:pPr marL="285750" lvl="0" indent="-285750">
+              <a:buFont typeface="Arial" pitchFamily="34" charset="0"/>
+              <a:buChar char="•"/>
+            </a:pPr>
             <a:r>
               <a:rPr lang="ru-RU" dirty="0">
                 <a:latin typeface="Helvetica" pitchFamily="34" charset="0"/>
                 <a:cs typeface="Helvetica" pitchFamily="34" charset="0"/>
               </a:rPr>
-              <a:t>списка Участников, </a:t>
-            </a:r>
-            <a:r>
-              <a:rPr lang="ru-RU" dirty="0" smtClean="0">
+              <a:t>Возможность </a:t>
+            </a:r>
+            <a:r>
+              <a:rPr lang="ru-RU" dirty="0" err="1">
                 <a:latin typeface="Helvetica" pitchFamily="34" charset="0"/>
                 <a:cs typeface="Helvetica" pitchFamily="34" charset="0"/>
               </a:rPr>
-              <a:t>обмен комментариями</a:t>
-            </a:r>
-            <a:endParaRPr lang="ru-RU" dirty="0">
-              <a:latin typeface="Helvetica" pitchFamily="34" charset="0"/>
-              <a:cs typeface="Helvetica" pitchFamily="34" charset="0"/>
-            </a:endParaRPr>
-          </a:p>
-          <a:p>
-            <a:pPr marL="285750" lvl="0" indent="-285750">
-              <a:buFont typeface="Arial" pitchFamily="34" charset="0"/>
-              <a:buChar char="•"/>
-            </a:pPr>
+              <a:t>модерации</a:t>
+            </a:r>
             <a:r>
               <a:rPr lang="ru-RU" dirty="0">
                 <a:latin typeface="Helvetica" pitchFamily="34" charset="0"/>
                 <a:cs typeface="Helvetica" pitchFamily="34" charset="0"/>
               </a:rPr>
-              <a:t>Поиск объявлений по нескольким </a:t>
-            </a:r>
-            <a:r>
-              <a:rPr lang="ru-RU" dirty="0" smtClean="0">
-                <a:latin typeface="Helvetica" pitchFamily="34" charset="0"/>
-                <a:cs typeface="Helvetica" pitchFamily="34" charset="0"/>
-              </a:rPr>
-              <a:t>критериям</a:t>
-            </a:r>
-          </a:p>
-          <a:p>
-            <a:pPr marL="285750" lvl="0" indent="-285750">
-              <a:buFont typeface="Arial" pitchFamily="34" charset="0"/>
-              <a:buChar char="•"/>
-            </a:pPr>
-            <a:r>
-              <a:rPr lang="ru-RU" dirty="0" smtClean="0">
-                <a:latin typeface="Helvetica" pitchFamily="34" charset="0"/>
-                <a:cs typeface="Helvetica" pitchFamily="34" charset="0"/>
-              </a:rPr>
-              <a:t>Возможность </a:t>
-            </a:r>
-            <a:r>
-              <a:rPr lang="ru-RU" dirty="0">
-                <a:latin typeface="Helvetica" pitchFamily="34" charset="0"/>
-                <a:cs typeface="Helvetica" pitchFamily="34" charset="0"/>
-              </a:rPr>
-              <a:t>откликнуться на объявление о поиске игроков и оставить комментарий </a:t>
-            </a:r>
-            <a:endParaRPr lang="ru-RU" dirty="0" smtClean="0">
-              <a:latin typeface="Helvetica" pitchFamily="34" charset="0"/>
-              <a:cs typeface="Helvetica" pitchFamily="34" charset="0"/>
-            </a:endParaRPr>
-          </a:p>
-          <a:p>
-            <a:pPr marL="285750" lvl="0" indent="-285750">
-              <a:buFont typeface="Arial" pitchFamily="34" charset="0"/>
-              <a:buChar char="•"/>
-            </a:pPr>
-            <a:r>
-              <a:rPr lang="ru-RU" dirty="0" smtClean="0">
-                <a:latin typeface="Helvetica" pitchFamily="34" charset="0"/>
-                <a:cs typeface="Helvetica" pitchFamily="34" charset="0"/>
-              </a:rPr>
-              <a:t>Возможность </a:t>
-            </a:r>
-            <a:r>
-              <a:rPr lang="ru-RU" dirty="0" err="1" smtClean="0">
-                <a:latin typeface="Helvetica" pitchFamily="34" charset="0"/>
-                <a:cs typeface="Helvetica" pitchFamily="34" charset="0"/>
-              </a:rPr>
-              <a:t>модерации</a:t>
-            </a:r>
-            <a:r>
-              <a:rPr lang="ru-RU" dirty="0" smtClean="0">
-                <a:latin typeface="Helvetica" pitchFamily="34" charset="0"/>
-                <a:cs typeface="Helvetica" pitchFamily="34" charset="0"/>
-              </a:rPr>
               <a:t> системы</a:t>
             </a:r>
-            <a:endParaRPr lang="ru-RU" dirty="0">
-              <a:latin typeface="Helvetica" pitchFamily="34" charset="0"/>
-              <a:cs typeface="Helvetica" pitchFamily="34" charset="0"/>
-            </a:endParaRPr>
           </a:p>
         </p:txBody>
       </p:sp>
@@ -11187,13 +12059,6 @@
   <p:clrMapOvr>
     <a:masterClrMapping/>
   </p:clrMapOvr>
-  <p:timing>
-    <p:tnLst>
-      <p:par>
-        <p:cTn id="1" dur="indefinite" restart="never" nodeType="tmRoot"/>
-      </p:par>
-    </p:tnLst>
-  </p:timing>
 </p:sld>
 </file>
 
@@ -11238,16 +12103,12 @@
           <a:p>
             <a:pPr algn="l"/>
             <a:r>
-              <a:rPr lang="ru-RU" sz="3200" dirty="0" smtClean="0">
+              <a:rPr lang="ru-RU" sz="3200" dirty="0">
                 <a:latin typeface="Helvetica" pitchFamily="34" charset="0"/>
                 <a:cs typeface="Helvetica" pitchFamily="34" charset="0"/>
               </a:rPr>
               <a:t>Почему наш продукт актуален</a:t>
             </a:r>
-            <a:endParaRPr lang="ru-RU" sz="3200" dirty="0">
-              <a:latin typeface="Helvetica" pitchFamily="34" charset="0"/>
-              <a:cs typeface="Helvetica" pitchFamily="34" charset="0"/>
-            </a:endParaRPr>
           </a:p>
         </p:txBody>
       </p:sp>
@@ -11310,7 +12171,7 @@
               <a:buChar char="•"/>
             </a:pPr>
             <a:r>
-              <a:rPr lang="ru-RU" sz="2000" dirty="0" smtClean="0">
+              <a:rPr lang="ru-RU" sz="2000" dirty="0">
                 <a:latin typeface="Helvetica" pitchFamily="34" charset="0"/>
                 <a:cs typeface="Helvetica" pitchFamily="34" charset="0"/>
               </a:rPr>
@@ -11326,7 +12187,7 @@
               <a:buChar char="•"/>
             </a:pPr>
             <a:r>
-              <a:rPr lang="ru-RU" sz="2000" dirty="0" smtClean="0">
+              <a:rPr lang="ru-RU" sz="2000" dirty="0">
                 <a:latin typeface="Helvetica" pitchFamily="34" charset="0"/>
                 <a:cs typeface="Helvetica" pitchFamily="34" charset="0"/>
               </a:rPr>
@@ -11342,16 +12203,12 @@
               <a:buChar char="•"/>
             </a:pPr>
             <a:r>
-              <a:rPr lang="ru-RU" sz="2000" dirty="0" smtClean="0">
+              <a:rPr lang="ru-RU" sz="2000" dirty="0">
                 <a:latin typeface="Helvetica" pitchFamily="34" charset="0"/>
                 <a:cs typeface="Helvetica" pitchFamily="34" charset="0"/>
               </a:rPr>
               <a:t>Наличие спроса на такое приложение</a:t>
             </a:r>
-            <a:endParaRPr lang="ru-RU" sz="2000" dirty="0">
-              <a:latin typeface="Helvetica" pitchFamily="34" charset="0"/>
-              <a:cs typeface="Helvetica" pitchFamily="34" charset="0"/>
-            </a:endParaRPr>
           </a:p>
         </p:txBody>
       </p:sp>
@@ -11387,13 +12244,6 @@
   <p:clrMapOvr>
     <a:masterClrMapping/>
   </p:clrMapOvr>
-  <p:timing>
-    <p:tnLst>
-      <p:par>
-        <p:cTn id="1" dur="indefinite" restart="never" nodeType="tmRoot"/>
-      </p:par>
-    </p:tnLst>
-  </p:timing>
 </p:sld>
 </file>
 
@@ -11433,16 +12283,12 @@
           <a:p>
             <a:pPr algn="l"/>
             <a:r>
-              <a:rPr lang="ru-RU" sz="3200" dirty="0" smtClean="0">
+              <a:rPr lang="ru-RU" sz="3200" dirty="0">
                 <a:latin typeface="Helvetica" pitchFamily="34" charset="0"/>
                 <a:cs typeface="Helvetica" pitchFamily="34" charset="0"/>
               </a:rPr>
               <a:t>Задачи, решаемые приложением</a:t>
             </a:r>
-            <a:endParaRPr lang="ru-RU" sz="3200" dirty="0">
-              <a:latin typeface="Helvetica" pitchFamily="34" charset="0"/>
-              <a:cs typeface="Helvetica" pitchFamily="34" charset="0"/>
-            </a:endParaRPr>
           </a:p>
         </p:txBody>
       </p:sp>
@@ -11499,7 +12345,7 @@
               <a:buChar char="•"/>
             </a:pPr>
             <a:r>
-              <a:rPr lang="ru-RU" sz="2400" dirty="0" smtClean="0">
+              <a:rPr lang="ru-RU" sz="2400" dirty="0">
                 <a:latin typeface="Helvetica" pitchFamily="34" charset="0"/>
                 <a:cs typeface="Helvetica" pitchFamily="34" charset="0"/>
               </a:rPr>
@@ -11515,7 +12361,7 @@
               <a:buChar char="•"/>
             </a:pPr>
             <a:r>
-              <a:rPr lang="ru-RU" sz="2400" dirty="0" smtClean="0">
+              <a:rPr lang="ru-RU" sz="2400" dirty="0">
                 <a:latin typeface="Helvetica" pitchFamily="34" charset="0"/>
                 <a:cs typeface="Helvetica" pitchFamily="34" charset="0"/>
               </a:rPr>
@@ -11531,7 +12377,7 @@
               <a:buChar char="•"/>
             </a:pPr>
             <a:r>
-              <a:rPr lang="ru-RU" sz="2400" dirty="0" err="1" smtClean="0">
+              <a:rPr lang="ru-RU" sz="2400" dirty="0" err="1">
                 <a:latin typeface="Helvetica" pitchFamily="34" charset="0"/>
                 <a:cs typeface="Helvetica" pitchFamily="34" charset="0"/>
               </a:rPr>
@@ -11554,13 +12400,6 @@
   <p:clrMapOvr>
     <a:masterClrMapping/>
   </p:clrMapOvr>
-  <p:timing>
-    <p:tnLst>
-      <p:par>
-        <p:cTn id="1" dur="indefinite" restart="never" nodeType="tmRoot"/>
-      </p:par>
-    </p:tnLst>
-  </p:timing>
 </p:sld>
 </file>
 
@@ -11600,16 +12439,12 @@
           <a:p>
             <a:pPr algn="l"/>
             <a:r>
-              <a:rPr lang="ru-RU" sz="3200" dirty="0" smtClean="0">
+              <a:rPr lang="ru-RU" sz="3200" dirty="0">
                 <a:latin typeface="Helvetica" pitchFamily="34" charset="0"/>
                 <a:cs typeface="Helvetica" pitchFamily="34" charset="0"/>
               </a:rPr>
               <a:t>Функционал приложения</a:t>
             </a:r>
-            <a:endParaRPr lang="ru-RU" sz="3200" dirty="0">
-              <a:latin typeface="Helvetica" pitchFamily="34" charset="0"/>
-              <a:cs typeface="Helvetica" pitchFamily="34" charset="0"/>
-            </a:endParaRPr>
           </a:p>
         </p:txBody>
       </p:sp>
@@ -11687,13 +12522,6 @@
   <p:clrMapOvr>
     <a:masterClrMapping/>
   </p:clrMapOvr>
-  <p:timing>
-    <p:tnLst>
-      <p:par>
-        <p:cTn id="1" dur="indefinite" restart="never" nodeType="tmRoot"/>
-      </p:par>
-    </p:tnLst>
-  </p:timing>
 </p:sld>
 </file>
 
@@ -11726,23 +12554,17 @@
         </p:nvSpPr>
         <p:spPr/>
         <p:txBody>
-          <a:bodyPr>
-            <a:normAutofit/>
-          </a:bodyPr>
+          <a:bodyPr/>
           <a:lstStyle/>
           <a:p>
             <a:pPr algn="l"/>
             <a:r>
-              <a:rPr lang="ru-RU" sz="3200" dirty="0" smtClean="0">
+              <a:rPr lang="ru-RU" sz="3200" dirty="0">
                 <a:latin typeface="Helvetica" pitchFamily="34" charset="0"/>
                 <a:cs typeface="Helvetica" pitchFamily="34" charset="0"/>
               </a:rPr>
-              <a:t>Средства реализации</a:t>
-            </a:r>
-            <a:endParaRPr lang="ru-RU" sz="3200" dirty="0">
-              <a:latin typeface="Helvetica" pitchFamily="34" charset="0"/>
-              <a:cs typeface="Helvetica" pitchFamily="34" charset="0"/>
-            </a:endParaRPr>
+              <a:t>Продуктовые воронки</a:t>
+            </a:r>
           </a:p>
         </p:txBody>
       </p:sp>
@@ -11764,738 +12586,6 @@
             <a:fld id="{CEA8D9DC-4534-4FD8-9DD0-97FDDFC6571A}" type="slidenum">
               <a:rPr lang="ru-RU" sz="1800" smtClean="0"/>
               <a:t>6</a:t>
-            </a:fld>
-            <a:endParaRPr lang="ru-RU" sz="1800" dirty="0"/>
-          </a:p>
-        </p:txBody>
-      </p:sp>
-      <p:pic>
-        <p:nvPicPr>
-          <p:cNvPr id="1029" name="Picture 5" descr="Файл:Java.jpeg — Викиконспекты"/>
-          <p:cNvPicPr>
-            <a:picLocks noChangeAspect="1" noChangeArrowheads="1"/>
-          </p:cNvPicPr>
-          <p:nvPr/>
-        </p:nvPicPr>
-        <p:blipFill>
-          <a:blip r:embed="rId2" cstate="print">
-            <a:extLst>
-              <a:ext uri="{28A0092B-C50C-407E-A947-70E740481C1C}">
-                <a14:useLocalDpi xmlns:a14="http://schemas.microsoft.com/office/drawing/2010/main" val="0"/>
-              </a:ext>
-            </a:extLst>
-          </a:blip>
-          <a:srcRect/>
-          <a:stretch>
-            <a:fillRect/>
-          </a:stretch>
-        </p:blipFill>
-        <p:spPr bwMode="auto">
-          <a:xfrm>
-            <a:off x="460375" y="1547080"/>
-            <a:ext cx="3376560" cy="2025936"/>
-          </a:xfrm>
-          <a:prstGeom prst="rect">
-            <a:avLst/>
-          </a:prstGeom>
-          <a:noFill/>
-          <a:extLst>
-            <a:ext uri="{909E8E84-426E-40DD-AFC4-6F175D3DCCD1}">
-              <a14:hiddenFill xmlns:a14="http://schemas.microsoft.com/office/drawing/2010/main">
-                <a:solidFill>
-                  <a:srgbClr val="FFFFFF"/>
-                </a:solidFill>
-              </a14:hiddenFill>
-            </a:ext>
-          </a:extLst>
-        </p:spPr>
-      </p:pic>
-      <p:sp>
-        <p:nvSpPr>
-          <p:cNvPr id="4" name="AutoShape 7" descr="Spring Boot"/>
-          <p:cNvSpPr>
-            <a:spLocks noChangeAspect="1" noChangeArrowheads="1"/>
-          </p:cNvSpPr>
-          <p:nvPr/>
-        </p:nvSpPr>
-        <p:spPr bwMode="auto">
-          <a:xfrm>
-            <a:off x="155575" y="-144463"/>
-            <a:ext cx="304800" cy="304801"/>
-          </a:xfrm>
-          <a:prstGeom prst="rect">
-            <a:avLst/>
-          </a:prstGeom>
-          <a:noFill/>
-          <a:extLst>
-            <a:ext uri="{909E8E84-426E-40DD-AFC4-6F175D3DCCD1}">
-              <a14:hiddenFill xmlns:a14="http://schemas.microsoft.com/office/drawing/2010/main">
-                <a:solidFill>
-                  <a:srgbClr val="FFFFFF"/>
-                </a:solidFill>
-              </a14:hiddenFill>
-            </a:ext>
-          </a:extLst>
-        </p:spPr>
-        <p:txBody>
-          <a:bodyPr vert="horz" wrap="square" lIns="91440" tIns="45720" rIns="91440" bIns="45720" numCol="1" anchor="t" anchorCtr="0" compatLnSpc="1">
-            <a:prstTxWarp prst="textNoShape">
-              <a:avLst/>
-            </a:prstTxWarp>
-          </a:bodyPr>
-          <a:lstStyle/>
-          <a:p>
-            <a:endParaRPr lang="ru-RU"/>
-          </a:p>
-        </p:txBody>
-      </p:sp>
-      <p:sp>
-        <p:nvSpPr>
-          <p:cNvPr id="5" name="AutoShape 9" descr="Spring Boot"/>
-          <p:cNvSpPr>
-            <a:spLocks noChangeAspect="1" noChangeArrowheads="1"/>
-          </p:cNvSpPr>
-          <p:nvPr/>
-        </p:nvSpPr>
-        <p:spPr bwMode="auto">
-          <a:xfrm>
-            <a:off x="307975" y="7937"/>
-            <a:ext cx="304800" cy="304801"/>
-          </a:xfrm>
-          <a:prstGeom prst="rect">
-            <a:avLst/>
-          </a:prstGeom>
-          <a:noFill/>
-          <a:extLst>
-            <a:ext uri="{909E8E84-426E-40DD-AFC4-6F175D3DCCD1}">
-              <a14:hiddenFill xmlns:a14="http://schemas.microsoft.com/office/drawing/2010/main">
-                <a:solidFill>
-                  <a:srgbClr val="FFFFFF"/>
-                </a:solidFill>
-              </a14:hiddenFill>
-            </a:ext>
-          </a:extLst>
-        </p:spPr>
-        <p:txBody>
-          <a:bodyPr vert="horz" wrap="square" lIns="91440" tIns="45720" rIns="91440" bIns="45720" numCol="1" anchor="t" anchorCtr="0" compatLnSpc="1">
-            <a:prstTxWarp prst="textNoShape">
-              <a:avLst/>
-            </a:prstTxWarp>
-          </a:bodyPr>
-          <a:lstStyle/>
-          <a:p>
-            <a:endParaRPr lang="ru-RU"/>
-          </a:p>
-        </p:txBody>
-      </p:sp>
-      <p:sp>
-        <p:nvSpPr>
-          <p:cNvPr id="6" name="AutoShape 11" descr="Spring Boot"/>
-          <p:cNvSpPr>
-            <a:spLocks noChangeAspect="1" noChangeArrowheads="1"/>
-          </p:cNvSpPr>
-          <p:nvPr/>
-        </p:nvSpPr>
-        <p:spPr bwMode="auto">
-          <a:xfrm>
-            <a:off x="460375" y="160337"/>
-            <a:ext cx="304800" cy="304801"/>
-          </a:xfrm>
-          <a:prstGeom prst="rect">
-            <a:avLst/>
-          </a:prstGeom>
-          <a:noFill/>
-          <a:extLst>
-            <a:ext uri="{909E8E84-426E-40DD-AFC4-6F175D3DCCD1}">
-              <a14:hiddenFill xmlns:a14="http://schemas.microsoft.com/office/drawing/2010/main">
-                <a:solidFill>
-                  <a:srgbClr val="FFFFFF"/>
-                </a:solidFill>
-              </a14:hiddenFill>
-            </a:ext>
-          </a:extLst>
-        </p:spPr>
-        <p:txBody>
-          <a:bodyPr vert="horz" wrap="square" lIns="91440" tIns="45720" rIns="91440" bIns="45720" numCol="1" anchor="t" anchorCtr="0" compatLnSpc="1">
-            <a:prstTxWarp prst="textNoShape">
-              <a:avLst/>
-            </a:prstTxWarp>
-          </a:bodyPr>
-          <a:lstStyle/>
-          <a:p>
-            <a:endParaRPr lang="ru-RU"/>
-          </a:p>
-        </p:txBody>
-      </p:sp>
-      <p:pic>
-        <p:nvPicPr>
-          <p:cNvPr id="1036" name="Picture 12"/>
-          <p:cNvPicPr>
-            <a:picLocks noChangeAspect="1" noChangeArrowheads="1"/>
-          </p:cNvPicPr>
-          <p:nvPr/>
-        </p:nvPicPr>
-        <p:blipFill>
-          <a:blip r:embed="rId3">
-            <a:extLst>
-              <a:ext uri="{28A0092B-C50C-407E-A947-70E740481C1C}">
-                <a14:useLocalDpi xmlns:a14="http://schemas.microsoft.com/office/drawing/2010/main" val="0"/>
-              </a:ext>
-            </a:extLst>
-          </a:blip>
-          <a:srcRect/>
-          <a:stretch>
-            <a:fillRect/>
-          </a:stretch>
-        </p:blipFill>
-        <p:spPr bwMode="auto">
-          <a:xfrm>
-            <a:off x="4067944" y="1547080"/>
-            <a:ext cx="4219575" cy="1085850"/>
-          </a:xfrm>
-          <a:prstGeom prst="rect">
-            <a:avLst/>
-          </a:prstGeom>
-          <a:noFill/>
-          <a:ln>
-            <a:noFill/>
-          </a:ln>
-          <a:effectLst/>
-          <a:extLst>
-            <a:ext uri="{909E8E84-426E-40DD-AFC4-6F175D3DCCD1}">
-              <a14:hiddenFill xmlns:a14="http://schemas.microsoft.com/office/drawing/2010/main">
-                <a:solidFill>
-                  <a:schemeClr val="accent1"/>
-                </a:solidFill>
-              </a14:hiddenFill>
-            </a:ext>
-            <a:ext uri="{91240B29-F687-4F45-9708-019B960494DF}">
-              <a14:hiddenLine xmlns:a14="http://schemas.microsoft.com/office/drawing/2010/main" w="9525">
-                <a:solidFill>
-                  <a:schemeClr val="tx1"/>
-                </a:solidFill>
-                <a:miter lim="800000"/>
-                <a:headEnd/>
-                <a:tailEnd/>
-              </a14:hiddenLine>
-            </a:ext>
-            <a:ext uri="{AF507438-7753-43E0-B8FC-AC1667EBCBE1}">
-              <a14:hiddenEffects xmlns:a14="http://schemas.microsoft.com/office/drawing/2010/main">
-                <a:effectLst>
-                  <a:outerShdw dist="35921" dir="2700000" algn="ctr" rotWithShape="0">
-                    <a:schemeClr val="bg2"/>
-                  </a:outerShdw>
-                </a:effectLst>
-              </a14:hiddenEffects>
-            </a:ext>
-          </a:extLst>
-        </p:spPr>
-      </p:pic>
-      <p:sp>
-        <p:nvSpPr>
-          <p:cNvPr id="7" name="AutoShape 14" descr="PostgreSQL — Национальная библиотека им. Н. Э. Баумана"/>
-          <p:cNvSpPr>
-            <a:spLocks noChangeAspect="1" noChangeArrowheads="1"/>
-          </p:cNvSpPr>
-          <p:nvPr/>
-        </p:nvSpPr>
-        <p:spPr bwMode="auto">
-          <a:xfrm>
-            <a:off x="612775" y="312737"/>
-            <a:ext cx="304800" cy="304801"/>
-          </a:xfrm>
-          <a:prstGeom prst="rect">
-            <a:avLst/>
-          </a:prstGeom>
-          <a:noFill/>
-          <a:extLst>
-            <a:ext uri="{909E8E84-426E-40DD-AFC4-6F175D3DCCD1}">
-              <a14:hiddenFill xmlns:a14="http://schemas.microsoft.com/office/drawing/2010/main">
-                <a:solidFill>
-                  <a:srgbClr val="FFFFFF"/>
-                </a:solidFill>
-              </a14:hiddenFill>
-            </a:ext>
-          </a:extLst>
-        </p:spPr>
-        <p:txBody>
-          <a:bodyPr vert="horz" wrap="square" lIns="91440" tIns="45720" rIns="91440" bIns="45720" numCol="1" anchor="t" anchorCtr="0" compatLnSpc="1">
-            <a:prstTxWarp prst="textNoShape">
-              <a:avLst/>
-            </a:prstTxWarp>
-          </a:bodyPr>
-          <a:lstStyle/>
-          <a:p>
-            <a:endParaRPr lang="ru-RU"/>
-          </a:p>
-        </p:txBody>
-      </p:sp>
-      <p:pic>
-        <p:nvPicPr>
-          <p:cNvPr id="1039" name="Picture 15"/>
-          <p:cNvPicPr>
-            <a:picLocks noChangeAspect="1" noChangeArrowheads="1"/>
-          </p:cNvPicPr>
-          <p:nvPr/>
-        </p:nvPicPr>
-        <p:blipFill>
-          <a:blip r:embed="rId4">
-            <a:extLst>
-              <a:ext uri="{28A0092B-C50C-407E-A947-70E740481C1C}">
-                <a14:useLocalDpi xmlns:a14="http://schemas.microsoft.com/office/drawing/2010/main" val="0"/>
-              </a:ext>
-            </a:extLst>
-          </a:blip>
-          <a:srcRect/>
-          <a:stretch>
-            <a:fillRect/>
-          </a:stretch>
-        </p:blipFill>
-        <p:spPr bwMode="auto">
-          <a:xfrm>
-            <a:off x="3779912" y="3063521"/>
-            <a:ext cx="2160240" cy="1915597"/>
-          </a:xfrm>
-          <a:prstGeom prst="rect">
-            <a:avLst/>
-          </a:prstGeom>
-          <a:noFill/>
-          <a:ln>
-            <a:noFill/>
-          </a:ln>
-          <a:effectLst/>
-          <a:extLst>
-            <a:ext uri="{909E8E84-426E-40DD-AFC4-6F175D3DCCD1}">
-              <a14:hiddenFill xmlns:a14="http://schemas.microsoft.com/office/drawing/2010/main">
-                <a:solidFill>
-                  <a:schemeClr val="accent1"/>
-                </a:solidFill>
-              </a14:hiddenFill>
-            </a:ext>
-            <a:ext uri="{91240B29-F687-4F45-9708-019B960494DF}">
-              <a14:hiddenLine xmlns:a14="http://schemas.microsoft.com/office/drawing/2010/main" w="9525">
-                <a:solidFill>
-                  <a:schemeClr val="tx1"/>
-                </a:solidFill>
-                <a:miter lim="800000"/>
-                <a:headEnd/>
-                <a:tailEnd/>
-              </a14:hiddenLine>
-            </a:ext>
-            <a:ext uri="{AF507438-7753-43E0-B8FC-AC1667EBCBE1}">
-              <a14:hiddenEffects xmlns:a14="http://schemas.microsoft.com/office/drawing/2010/main">
-                <a:effectLst>
-                  <a:outerShdw dist="35921" dir="2700000" algn="ctr" rotWithShape="0">
-                    <a:schemeClr val="bg2"/>
-                  </a:outerShdw>
-                </a:effectLst>
-              </a14:hiddenEffects>
-            </a:ext>
-          </a:extLst>
-        </p:spPr>
-      </p:pic>
-      <p:pic>
-        <p:nvPicPr>
-          <p:cNvPr id="1041" name="Picture 17" descr="Как за 10 минут сделать клиент к HTTP API на Swagger / Блог ..."/>
-          <p:cNvPicPr>
-            <a:picLocks noChangeAspect="1" noChangeArrowheads="1"/>
-          </p:cNvPicPr>
-          <p:nvPr/>
-        </p:nvPicPr>
-        <p:blipFill>
-          <a:blip r:embed="rId5">
-            <a:extLst>
-              <a:ext uri="{28A0092B-C50C-407E-A947-70E740481C1C}">
-                <a14:useLocalDpi xmlns:a14="http://schemas.microsoft.com/office/drawing/2010/main" val="0"/>
-              </a:ext>
-            </a:extLst>
-          </a:blip>
-          <a:srcRect/>
-          <a:stretch>
-            <a:fillRect/>
-          </a:stretch>
-        </p:blipFill>
-        <p:spPr bwMode="auto">
-          <a:xfrm>
-            <a:off x="230870" y="4509120"/>
-            <a:ext cx="3255913" cy="1220967"/>
-          </a:xfrm>
-          <a:prstGeom prst="rect">
-            <a:avLst/>
-          </a:prstGeom>
-          <a:noFill/>
-          <a:extLst>
-            <a:ext uri="{909E8E84-426E-40DD-AFC4-6F175D3DCCD1}">
-              <a14:hiddenFill xmlns:a14="http://schemas.microsoft.com/office/drawing/2010/main">
-                <a:solidFill>
-                  <a:srgbClr val="FFFFFF"/>
-                </a:solidFill>
-              </a14:hiddenFill>
-            </a:ext>
-          </a:extLst>
-        </p:spPr>
-      </p:pic>
-      <p:pic>
-        <p:nvPicPr>
-          <p:cNvPr id="1043" name="Picture 19" descr="С чего начать изучение AngularJS | Stepan Suvorov Blog"/>
-          <p:cNvPicPr>
-            <a:picLocks noChangeAspect="1" noChangeArrowheads="1"/>
-          </p:cNvPicPr>
-          <p:nvPr/>
-        </p:nvPicPr>
-        <p:blipFill>
-          <a:blip r:embed="rId6">
-            <a:extLst>
-              <a:ext uri="{28A0092B-C50C-407E-A947-70E740481C1C}">
-                <a14:useLocalDpi xmlns:a14="http://schemas.microsoft.com/office/drawing/2010/main" val="0"/>
-              </a:ext>
-            </a:extLst>
-          </a:blip>
-          <a:srcRect/>
-          <a:stretch>
-            <a:fillRect/>
-          </a:stretch>
-        </p:blipFill>
-        <p:spPr bwMode="auto">
-          <a:xfrm>
-            <a:off x="6300192" y="4130766"/>
-            <a:ext cx="2319401" cy="2319401"/>
-          </a:xfrm>
-          <a:prstGeom prst="rect">
-            <a:avLst/>
-          </a:prstGeom>
-          <a:noFill/>
-          <a:extLst>
-            <a:ext uri="{909E8E84-426E-40DD-AFC4-6F175D3DCCD1}">
-              <a14:hiddenFill xmlns:a14="http://schemas.microsoft.com/office/drawing/2010/main">
-                <a:solidFill>
-                  <a:srgbClr val="FFFFFF"/>
-                </a:solidFill>
-              </a14:hiddenFill>
-            </a:ext>
-          </a:extLst>
-        </p:spPr>
-      </p:pic>
-    </p:spTree>
-    <p:extLst>
-      <p:ext uri="{BB962C8B-B14F-4D97-AF65-F5344CB8AC3E}">
-        <p14:creationId xmlns:p14="http://schemas.microsoft.com/office/powerpoint/2010/main" val="868588623"/>
-      </p:ext>
-    </p:extLst>
-  </p:cSld>
-  <p:clrMapOvr>
-    <a:masterClrMapping/>
-  </p:clrMapOvr>
-  <p:timing>
-    <p:tnLst>
-      <p:par>
-        <p:cTn id="1" dur="indefinite" restart="never" nodeType="tmRoot">
-          <p:childTnLst>
-            <p:seq concurrent="1" nextAc="seek">
-              <p:cTn id="2" dur="indefinite" nodeType="mainSeq">
-                <p:childTnLst>
-                  <p:par>
-                    <p:cTn id="3" fill="hold">
-                      <p:stCondLst>
-                        <p:cond delay="indefinite"/>
-                      </p:stCondLst>
-                      <p:childTnLst>
-                        <p:par>
-                          <p:cTn id="4" fill="hold">
-                            <p:stCondLst>
-                              <p:cond delay="0"/>
-                            </p:stCondLst>
-                            <p:childTnLst>
-                              <p:par>
-                                <p:cTn id="5" presetID="22" presetClass="entr" presetSubtype="4" fill="hold" nodeType="clickEffect">
-                                  <p:stCondLst>
-                                    <p:cond delay="0"/>
-                                  </p:stCondLst>
-                                  <p:childTnLst>
-                                    <p:set>
-                                      <p:cBhvr>
-                                        <p:cTn id="6" dur="1" fill="hold">
-                                          <p:stCondLst>
-                                            <p:cond delay="0"/>
-                                          </p:stCondLst>
-                                        </p:cTn>
-                                        <p:tgtEl>
-                                          <p:spTgt spid="1036"/>
-                                        </p:tgtEl>
-                                        <p:attrNameLst>
-                                          <p:attrName>style.visibility</p:attrName>
-                                        </p:attrNameLst>
-                                      </p:cBhvr>
-                                      <p:to>
-                                        <p:strVal val="visible"/>
-                                      </p:to>
-                                    </p:set>
-                                    <p:animEffect transition="in" filter="wipe(down)">
-                                      <p:cBhvr>
-                                        <p:cTn id="7" dur="500"/>
-                                        <p:tgtEl>
-                                          <p:spTgt spid="1036"/>
-                                        </p:tgtEl>
-                                      </p:cBhvr>
-                                    </p:animEffect>
-                                  </p:childTnLst>
-                                </p:cTn>
-                              </p:par>
-                            </p:childTnLst>
-                          </p:cTn>
-                        </p:par>
-                      </p:childTnLst>
-                    </p:cTn>
-                  </p:par>
-                  <p:par>
-                    <p:cTn id="8" fill="hold">
-                      <p:stCondLst>
-                        <p:cond delay="indefinite"/>
-                      </p:stCondLst>
-                      <p:childTnLst>
-                        <p:par>
-                          <p:cTn id="9" fill="hold">
-                            <p:stCondLst>
-                              <p:cond delay="0"/>
-                            </p:stCondLst>
-                            <p:childTnLst>
-                              <p:par>
-                                <p:cTn id="10" presetID="22" presetClass="entr" presetSubtype="4" fill="hold" nodeType="clickEffect">
-                                  <p:stCondLst>
-                                    <p:cond delay="0"/>
-                                  </p:stCondLst>
-                                  <p:childTnLst>
-                                    <p:set>
-                                      <p:cBhvr>
-                                        <p:cTn id="11" dur="1" fill="hold">
-                                          <p:stCondLst>
-                                            <p:cond delay="0"/>
-                                          </p:stCondLst>
-                                        </p:cTn>
-                                        <p:tgtEl>
-                                          <p:spTgt spid="1039"/>
-                                        </p:tgtEl>
-                                        <p:attrNameLst>
-                                          <p:attrName>style.visibility</p:attrName>
-                                        </p:attrNameLst>
-                                      </p:cBhvr>
-                                      <p:to>
-                                        <p:strVal val="visible"/>
-                                      </p:to>
-                                    </p:set>
-                                    <p:animEffect transition="in" filter="wipe(down)">
-                                      <p:cBhvr>
-                                        <p:cTn id="12" dur="500"/>
-                                        <p:tgtEl>
-                                          <p:spTgt spid="1039"/>
-                                        </p:tgtEl>
-                                      </p:cBhvr>
-                                    </p:animEffect>
-                                  </p:childTnLst>
-                                </p:cTn>
-                              </p:par>
-                            </p:childTnLst>
-                          </p:cTn>
-                        </p:par>
-                      </p:childTnLst>
-                    </p:cTn>
-                  </p:par>
-                  <p:par>
-                    <p:cTn id="13" fill="hold">
-                      <p:stCondLst>
-                        <p:cond delay="indefinite"/>
-                      </p:stCondLst>
-                      <p:childTnLst>
-                        <p:par>
-                          <p:cTn id="14" fill="hold">
-                            <p:stCondLst>
-                              <p:cond delay="0"/>
-                            </p:stCondLst>
-                            <p:childTnLst>
-                              <p:par>
-                                <p:cTn id="15" presetID="22" presetClass="entr" presetSubtype="4" fill="hold" nodeType="clickEffect">
-                                  <p:stCondLst>
-                                    <p:cond delay="0"/>
-                                  </p:stCondLst>
-                                  <p:childTnLst>
-                                    <p:set>
-                                      <p:cBhvr>
-                                        <p:cTn id="16" dur="1" fill="hold">
-                                          <p:stCondLst>
-                                            <p:cond delay="0"/>
-                                          </p:stCondLst>
-                                        </p:cTn>
-                                        <p:tgtEl>
-                                          <p:spTgt spid="1041"/>
-                                        </p:tgtEl>
-                                        <p:attrNameLst>
-                                          <p:attrName>style.visibility</p:attrName>
-                                        </p:attrNameLst>
-                                      </p:cBhvr>
-                                      <p:to>
-                                        <p:strVal val="visible"/>
-                                      </p:to>
-                                    </p:set>
-                                    <p:animEffect transition="in" filter="wipe(down)">
-                                      <p:cBhvr>
-                                        <p:cTn id="17" dur="500"/>
-                                        <p:tgtEl>
-                                          <p:spTgt spid="1041"/>
-                                        </p:tgtEl>
-                                      </p:cBhvr>
-                                    </p:animEffect>
-                                  </p:childTnLst>
-                                </p:cTn>
-                              </p:par>
-                            </p:childTnLst>
-                          </p:cTn>
-                        </p:par>
-                      </p:childTnLst>
-                    </p:cTn>
-                  </p:par>
-                  <p:par>
-                    <p:cTn id="18" fill="hold">
-                      <p:stCondLst>
-                        <p:cond delay="indefinite"/>
-                      </p:stCondLst>
-                      <p:childTnLst>
-                        <p:par>
-                          <p:cTn id="19" fill="hold">
-                            <p:stCondLst>
-                              <p:cond delay="0"/>
-                            </p:stCondLst>
-                            <p:childTnLst>
-                              <p:par>
-                                <p:cTn id="20" presetID="22" presetClass="entr" presetSubtype="4" fill="hold" nodeType="clickEffect">
-                                  <p:stCondLst>
-                                    <p:cond delay="0"/>
-                                  </p:stCondLst>
-                                  <p:childTnLst>
-                                    <p:set>
-                                      <p:cBhvr>
-                                        <p:cTn id="21" dur="1" fill="hold">
-                                          <p:stCondLst>
-                                            <p:cond delay="0"/>
-                                          </p:stCondLst>
-                                        </p:cTn>
-                                        <p:tgtEl>
-                                          <p:spTgt spid="1043"/>
-                                        </p:tgtEl>
-                                        <p:attrNameLst>
-                                          <p:attrName>style.visibility</p:attrName>
-                                        </p:attrNameLst>
-                                      </p:cBhvr>
-                                      <p:to>
-                                        <p:strVal val="visible"/>
-                                      </p:to>
-                                    </p:set>
-                                    <p:animEffect transition="in" filter="wipe(down)">
-                                      <p:cBhvr>
-                                        <p:cTn id="22" dur="500"/>
-                                        <p:tgtEl>
-                                          <p:spTgt spid="1043"/>
-                                        </p:tgtEl>
-                                      </p:cBhvr>
-                                    </p:animEffect>
-                                  </p:childTnLst>
-                                </p:cTn>
-                              </p:par>
-                            </p:childTnLst>
-                          </p:cTn>
-                        </p:par>
-                      </p:childTnLst>
-                    </p:cTn>
-                  </p:par>
-                </p:childTnLst>
-              </p:cTn>
-              <p:prevCondLst>
-                <p:cond evt="onPrev" delay="0">
-                  <p:tgtEl>
-                    <p:sldTgt/>
-                  </p:tgtEl>
-                </p:cond>
-              </p:prevCondLst>
-              <p:nextCondLst>
-                <p:cond evt="onNext" delay="0">
-                  <p:tgtEl>
-                    <p:sldTgt/>
-                  </p:tgtEl>
-                </p:cond>
-              </p:nextCondLst>
-            </p:seq>
-          </p:childTnLst>
-        </p:cTn>
-      </p:par>
-    </p:tnLst>
-  </p:timing>
-</p:sld>
-</file>
-
-<file path=ppt/slides/slide7.xml><?xml version="1.0" encoding="utf-8"?>
-<p:sld xmlns:a="http://schemas.openxmlformats.org/drawingml/2006/main" xmlns:r="http://schemas.openxmlformats.org/officeDocument/2006/relationships" xmlns:p="http://schemas.openxmlformats.org/presentationml/2006/main">
-  <p:cSld>
-    <p:spTree>
-      <p:nvGrpSpPr>
-        <p:cNvPr id="1" name=""/>
-        <p:cNvGrpSpPr/>
-        <p:nvPr/>
-      </p:nvGrpSpPr>
-      <p:grpSpPr>
-        <a:xfrm>
-          <a:off x="0" y="0"/>
-          <a:ext cx="0" cy="0"/>
-          <a:chOff x="0" y="0"/>
-          <a:chExt cx="0" cy="0"/>
-        </a:xfrm>
-      </p:grpSpPr>
-      <p:sp>
-        <p:nvSpPr>
-          <p:cNvPr id="2" name="Заголовок 1"/>
-          <p:cNvSpPr>
-            <a:spLocks noGrp="1"/>
-          </p:cNvSpPr>
-          <p:nvPr>
-            <p:ph type="title"/>
-          </p:nvPr>
-        </p:nvSpPr>
-        <p:spPr/>
-        <p:txBody>
-          <a:bodyPr/>
-          <a:lstStyle/>
-          <a:p>
-            <a:pPr algn="l"/>
-            <a:r>
-              <a:rPr lang="ru-RU" sz="3200" dirty="0" smtClean="0">
-                <a:latin typeface="Helvetica" pitchFamily="34" charset="0"/>
-                <a:cs typeface="Helvetica" pitchFamily="34" charset="0"/>
-              </a:rPr>
-              <a:t>Продуктовые воронки</a:t>
-            </a:r>
-            <a:endParaRPr lang="ru-RU" sz="3200" dirty="0">
-              <a:latin typeface="Helvetica" pitchFamily="34" charset="0"/>
-              <a:cs typeface="Helvetica" pitchFamily="34" charset="0"/>
-            </a:endParaRPr>
-          </a:p>
-        </p:txBody>
-      </p:sp>
-      <p:sp>
-        <p:nvSpPr>
-          <p:cNvPr id="3" name="Номер слайда 2"/>
-          <p:cNvSpPr>
-            <a:spLocks noGrp="1"/>
-          </p:cNvSpPr>
-          <p:nvPr>
-            <p:ph type="sldNum" sz="quarter" idx="12"/>
-          </p:nvPr>
-        </p:nvSpPr>
-        <p:spPr/>
-        <p:txBody>
-          <a:bodyPr/>
-          <a:lstStyle/>
-          <a:p>
-            <a:fld id="{CEA8D9DC-4534-4FD8-9DD0-97FDDFC6571A}" type="slidenum">
-              <a:rPr lang="ru-RU" sz="1800" smtClean="0"/>
-              <a:t>7</a:t>
             </a:fld>
             <a:endParaRPr lang="ru-RU" dirty="0"/>
           </a:p>
@@ -12743,7 +12833,772 @@
 </p:sld>
 </file>
 
+<file path=ppt/slides/slide7.xml><?xml version="1.0" encoding="utf-8"?>
+<p:sld xmlns:a="http://schemas.openxmlformats.org/drawingml/2006/main" xmlns:r="http://schemas.openxmlformats.org/officeDocument/2006/relationships" xmlns:p="http://schemas.openxmlformats.org/presentationml/2006/main">
+  <p:cSld>
+    <p:spTree>
+      <p:nvGrpSpPr>
+        <p:cNvPr id="1" name=""/>
+        <p:cNvGrpSpPr/>
+        <p:nvPr/>
+      </p:nvGrpSpPr>
+      <p:grpSpPr>
+        <a:xfrm>
+          <a:off x="0" y="0"/>
+          <a:ext cx="0" cy="0"/>
+          <a:chOff x="0" y="0"/>
+          <a:chExt cx="0" cy="0"/>
+        </a:xfrm>
+      </p:grpSpPr>
+      <p:sp>
+        <p:nvSpPr>
+          <p:cNvPr id="2" name="Заголовок 1"/>
+          <p:cNvSpPr>
+            <a:spLocks noGrp="1"/>
+          </p:cNvSpPr>
+          <p:nvPr>
+            <p:ph type="title"/>
+          </p:nvPr>
+        </p:nvSpPr>
+        <p:spPr/>
+        <p:txBody>
+          <a:bodyPr>
+            <a:normAutofit/>
+          </a:bodyPr>
+          <a:lstStyle/>
+          <a:p>
+            <a:pPr algn="l"/>
+            <a:r>
+              <a:rPr lang="ru-RU" sz="3200" dirty="0">
+                <a:latin typeface="Helvetica" pitchFamily="34" charset="0"/>
+                <a:cs typeface="Helvetica" pitchFamily="34" charset="0"/>
+              </a:rPr>
+              <a:t>Средства реализации</a:t>
+            </a:r>
+          </a:p>
+        </p:txBody>
+      </p:sp>
+      <p:sp>
+        <p:nvSpPr>
+          <p:cNvPr id="3" name="Номер слайда 2"/>
+          <p:cNvSpPr>
+            <a:spLocks noGrp="1"/>
+          </p:cNvSpPr>
+          <p:nvPr>
+            <p:ph type="sldNum" sz="quarter" idx="12"/>
+          </p:nvPr>
+        </p:nvSpPr>
+        <p:spPr/>
+        <p:txBody>
+          <a:bodyPr/>
+          <a:lstStyle/>
+          <a:p>
+            <a:fld id="{CEA8D9DC-4534-4FD8-9DD0-97FDDFC6571A}" type="slidenum">
+              <a:rPr lang="ru-RU" sz="1800" smtClean="0"/>
+              <a:t>7</a:t>
+            </a:fld>
+            <a:endParaRPr lang="ru-RU" sz="1800" dirty="0"/>
+          </a:p>
+        </p:txBody>
+      </p:sp>
+      <p:pic>
+        <p:nvPicPr>
+          <p:cNvPr id="1029" name="Picture 5" descr="Файл:Java.jpeg — Викиконспекты"/>
+          <p:cNvPicPr>
+            <a:picLocks noChangeAspect="1" noChangeArrowheads="1"/>
+          </p:cNvPicPr>
+          <p:nvPr/>
+        </p:nvPicPr>
+        <p:blipFill>
+          <a:blip r:embed="rId2" cstate="print">
+            <a:extLst>
+              <a:ext uri="{28A0092B-C50C-407E-A947-70E740481C1C}">
+                <a14:useLocalDpi xmlns:a14="http://schemas.microsoft.com/office/drawing/2010/main" val="0"/>
+              </a:ext>
+            </a:extLst>
+          </a:blip>
+          <a:srcRect/>
+          <a:stretch>
+            <a:fillRect/>
+          </a:stretch>
+        </p:blipFill>
+        <p:spPr bwMode="auto">
+          <a:xfrm>
+            <a:off x="460375" y="1547080"/>
+            <a:ext cx="3376560" cy="2025936"/>
+          </a:xfrm>
+          <a:prstGeom prst="rect">
+            <a:avLst/>
+          </a:prstGeom>
+          <a:noFill/>
+          <a:extLst>
+            <a:ext uri="{909E8E84-426E-40DD-AFC4-6F175D3DCCD1}">
+              <a14:hiddenFill xmlns:a14="http://schemas.microsoft.com/office/drawing/2010/main">
+                <a:solidFill>
+                  <a:srgbClr val="FFFFFF"/>
+                </a:solidFill>
+              </a14:hiddenFill>
+            </a:ext>
+          </a:extLst>
+        </p:spPr>
+      </p:pic>
+      <p:sp>
+        <p:nvSpPr>
+          <p:cNvPr id="4" name="AutoShape 7" descr="Spring Boot"/>
+          <p:cNvSpPr>
+            <a:spLocks noChangeAspect="1" noChangeArrowheads="1"/>
+          </p:cNvSpPr>
+          <p:nvPr/>
+        </p:nvSpPr>
+        <p:spPr bwMode="auto">
+          <a:xfrm>
+            <a:off x="155575" y="-144463"/>
+            <a:ext cx="304800" cy="304801"/>
+          </a:xfrm>
+          <a:prstGeom prst="rect">
+            <a:avLst/>
+          </a:prstGeom>
+          <a:noFill/>
+          <a:extLst>
+            <a:ext uri="{909E8E84-426E-40DD-AFC4-6F175D3DCCD1}">
+              <a14:hiddenFill xmlns:a14="http://schemas.microsoft.com/office/drawing/2010/main">
+                <a:solidFill>
+                  <a:srgbClr val="FFFFFF"/>
+                </a:solidFill>
+              </a14:hiddenFill>
+            </a:ext>
+          </a:extLst>
+        </p:spPr>
+        <p:txBody>
+          <a:bodyPr vert="horz" wrap="square" lIns="91440" tIns="45720" rIns="91440" bIns="45720" numCol="1" anchor="t" anchorCtr="0" compatLnSpc="1">
+            <a:prstTxWarp prst="textNoShape">
+              <a:avLst/>
+            </a:prstTxWarp>
+          </a:bodyPr>
+          <a:lstStyle/>
+          <a:p>
+            <a:endParaRPr lang="ru-RU"/>
+          </a:p>
+        </p:txBody>
+      </p:sp>
+      <p:sp>
+        <p:nvSpPr>
+          <p:cNvPr id="5" name="AutoShape 9" descr="Spring Boot"/>
+          <p:cNvSpPr>
+            <a:spLocks noChangeAspect="1" noChangeArrowheads="1"/>
+          </p:cNvSpPr>
+          <p:nvPr/>
+        </p:nvSpPr>
+        <p:spPr bwMode="auto">
+          <a:xfrm>
+            <a:off x="307975" y="7937"/>
+            <a:ext cx="304800" cy="304801"/>
+          </a:xfrm>
+          <a:prstGeom prst="rect">
+            <a:avLst/>
+          </a:prstGeom>
+          <a:noFill/>
+          <a:extLst>
+            <a:ext uri="{909E8E84-426E-40DD-AFC4-6F175D3DCCD1}">
+              <a14:hiddenFill xmlns:a14="http://schemas.microsoft.com/office/drawing/2010/main">
+                <a:solidFill>
+                  <a:srgbClr val="FFFFFF"/>
+                </a:solidFill>
+              </a14:hiddenFill>
+            </a:ext>
+          </a:extLst>
+        </p:spPr>
+        <p:txBody>
+          <a:bodyPr vert="horz" wrap="square" lIns="91440" tIns="45720" rIns="91440" bIns="45720" numCol="1" anchor="t" anchorCtr="0" compatLnSpc="1">
+            <a:prstTxWarp prst="textNoShape">
+              <a:avLst/>
+            </a:prstTxWarp>
+          </a:bodyPr>
+          <a:lstStyle/>
+          <a:p>
+            <a:endParaRPr lang="ru-RU"/>
+          </a:p>
+        </p:txBody>
+      </p:sp>
+      <p:sp>
+        <p:nvSpPr>
+          <p:cNvPr id="6" name="AutoShape 11" descr="Spring Boot"/>
+          <p:cNvSpPr>
+            <a:spLocks noChangeAspect="1" noChangeArrowheads="1"/>
+          </p:cNvSpPr>
+          <p:nvPr/>
+        </p:nvSpPr>
+        <p:spPr bwMode="auto">
+          <a:xfrm>
+            <a:off x="460375" y="160337"/>
+            <a:ext cx="304800" cy="304801"/>
+          </a:xfrm>
+          <a:prstGeom prst="rect">
+            <a:avLst/>
+          </a:prstGeom>
+          <a:noFill/>
+          <a:extLst>
+            <a:ext uri="{909E8E84-426E-40DD-AFC4-6F175D3DCCD1}">
+              <a14:hiddenFill xmlns:a14="http://schemas.microsoft.com/office/drawing/2010/main">
+                <a:solidFill>
+                  <a:srgbClr val="FFFFFF"/>
+                </a:solidFill>
+              </a14:hiddenFill>
+            </a:ext>
+          </a:extLst>
+        </p:spPr>
+        <p:txBody>
+          <a:bodyPr vert="horz" wrap="square" lIns="91440" tIns="45720" rIns="91440" bIns="45720" numCol="1" anchor="t" anchorCtr="0" compatLnSpc="1">
+            <a:prstTxWarp prst="textNoShape">
+              <a:avLst/>
+            </a:prstTxWarp>
+          </a:bodyPr>
+          <a:lstStyle/>
+          <a:p>
+            <a:endParaRPr lang="ru-RU"/>
+          </a:p>
+        </p:txBody>
+      </p:sp>
+      <p:pic>
+        <p:nvPicPr>
+          <p:cNvPr id="1036" name="Picture 12"/>
+          <p:cNvPicPr>
+            <a:picLocks noChangeAspect="1" noChangeArrowheads="1"/>
+          </p:cNvPicPr>
+          <p:nvPr/>
+        </p:nvPicPr>
+        <p:blipFill>
+          <a:blip r:embed="rId3">
+            <a:extLst>
+              <a:ext uri="{28A0092B-C50C-407E-A947-70E740481C1C}">
+                <a14:useLocalDpi xmlns:a14="http://schemas.microsoft.com/office/drawing/2010/main" val="0"/>
+              </a:ext>
+            </a:extLst>
+          </a:blip>
+          <a:srcRect/>
+          <a:stretch>
+            <a:fillRect/>
+          </a:stretch>
+        </p:blipFill>
+        <p:spPr bwMode="auto">
+          <a:xfrm>
+            <a:off x="4067944" y="1547080"/>
+            <a:ext cx="4219575" cy="1085850"/>
+          </a:xfrm>
+          <a:prstGeom prst="rect">
+            <a:avLst/>
+          </a:prstGeom>
+          <a:noFill/>
+          <a:ln>
+            <a:noFill/>
+          </a:ln>
+          <a:effectLst/>
+          <a:extLst>
+            <a:ext uri="{909E8E84-426E-40DD-AFC4-6F175D3DCCD1}">
+              <a14:hiddenFill xmlns:a14="http://schemas.microsoft.com/office/drawing/2010/main">
+                <a:solidFill>
+                  <a:schemeClr val="accent1"/>
+                </a:solidFill>
+              </a14:hiddenFill>
+            </a:ext>
+            <a:ext uri="{91240B29-F687-4F45-9708-019B960494DF}">
+              <a14:hiddenLine xmlns:a14="http://schemas.microsoft.com/office/drawing/2010/main" w="9525">
+                <a:solidFill>
+                  <a:schemeClr val="tx1"/>
+                </a:solidFill>
+                <a:miter lim="800000"/>
+                <a:headEnd/>
+                <a:tailEnd/>
+              </a14:hiddenLine>
+            </a:ext>
+            <a:ext uri="{AF507438-7753-43E0-B8FC-AC1667EBCBE1}">
+              <a14:hiddenEffects xmlns:a14="http://schemas.microsoft.com/office/drawing/2010/main">
+                <a:effectLst>
+                  <a:outerShdw dist="35921" dir="2700000" algn="ctr" rotWithShape="0">
+                    <a:schemeClr val="bg2"/>
+                  </a:outerShdw>
+                </a:effectLst>
+              </a14:hiddenEffects>
+            </a:ext>
+          </a:extLst>
+        </p:spPr>
+      </p:pic>
+      <p:sp>
+        <p:nvSpPr>
+          <p:cNvPr id="7" name="AutoShape 14" descr="PostgreSQL — Национальная библиотека им. Н. Э. Баумана"/>
+          <p:cNvSpPr>
+            <a:spLocks noChangeAspect="1" noChangeArrowheads="1"/>
+          </p:cNvSpPr>
+          <p:nvPr/>
+        </p:nvSpPr>
+        <p:spPr bwMode="auto">
+          <a:xfrm>
+            <a:off x="612775" y="312737"/>
+            <a:ext cx="304800" cy="304801"/>
+          </a:xfrm>
+          <a:prstGeom prst="rect">
+            <a:avLst/>
+          </a:prstGeom>
+          <a:noFill/>
+          <a:extLst>
+            <a:ext uri="{909E8E84-426E-40DD-AFC4-6F175D3DCCD1}">
+              <a14:hiddenFill xmlns:a14="http://schemas.microsoft.com/office/drawing/2010/main">
+                <a:solidFill>
+                  <a:srgbClr val="FFFFFF"/>
+                </a:solidFill>
+              </a14:hiddenFill>
+            </a:ext>
+          </a:extLst>
+        </p:spPr>
+        <p:txBody>
+          <a:bodyPr vert="horz" wrap="square" lIns="91440" tIns="45720" rIns="91440" bIns="45720" numCol="1" anchor="t" anchorCtr="0" compatLnSpc="1">
+            <a:prstTxWarp prst="textNoShape">
+              <a:avLst/>
+            </a:prstTxWarp>
+          </a:bodyPr>
+          <a:lstStyle/>
+          <a:p>
+            <a:endParaRPr lang="ru-RU"/>
+          </a:p>
+        </p:txBody>
+      </p:sp>
+      <p:pic>
+        <p:nvPicPr>
+          <p:cNvPr id="1039" name="Picture 15"/>
+          <p:cNvPicPr>
+            <a:picLocks noChangeAspect="1" noChangeArrowheads="1"/>
+          </p:cNvPicPr>
+          <p:nvPr/>
+        </p:nvPicPr>
+        <p:blipFill>
+          <a:blip r:embed="rId4">
+            <a:extLst>
+              <a:ext uri="{28A0092B-C50C-407E-A947-70E740481C1C}">
+                <a14:useLocalDpi xmlns:a14="http://schemas.microsoft.com/office/drawing/2010/main" val="0"/>
+              </a:ext>
+            </a:extLst>
+          </a:blip>
+          <a:srcRect/>
+          <a:stretch>
+            <a:fillRect/>
+          </a:stretch>
+        </p:blipFill>
+        <p:spPr bwMode="auto">
+          <a:xfrm>
+            <a:off x="2160591" y="4130766"/>
+            <a:ext cx="2160240" cy="1915597"/>
+          </a:xfrm>
+          <a:prstGeom prst="rect">
+            <a:avLst/>
+          </a:prstGeom>
+          <a:noFill/>
+          <a:ln>
+            <a:noFill/>
+          </a:ln>
+          <a:effectLst/>
+          <a:extLst>
+            <a:ext uri="{909E8E84-426E-40DD-AFC4-6F175D3DCCD1}">
+              <a14:hiddenFill xmlns:a14="http://schemas.microsoft.com/office/drawing/2010/main">
+                <a:solidFill>
+                  <a:schemeClr val="accent1"/>
+                </a:solidFill>
+              </a14:hiddenFill>
+            </a:ext>
+            <a:ext uri="{91240B29-F687-4F45-9708-019B960494DF}">
+              <a14:hiddenLine xmlns:a14="http://schemas.microsoft.com/office/drawing/2010/main" w="9525">
+                <a:solidFill>
+                  <a:schemeClr val="tx1"/>
+                </a:solidFill>
+                <a:miter lim="800000"/>
+                <a:headEnd/>
+                <a:tailEnd/>
+              </a14:hiddenLine>
+            </a:ext>
+            <a:ext uri="{AF507438-7753-43E0-B8FC-AC1667EBCBE1}">
+              <a14:hiddenEffects xmlns:a14="http://schemas.microsoft.com/office/drawing/2010/main">
+                <a:effectLst>
+                  <a:outerShdw dist="35921" dir="2700000" algn="ctr" rotWithShape="0">
+                    <a:schemeClr val="bg2"/>
+                  </a:outerShdw>
+                </a:effectLst>
+              </a14:hiddenEffects>
+            </a:ext>
+          </a:extLst>
+        </p:spPr>
+      </p:pic>
+      <p:pic>
+        <p:nvPicPr>
+          <p:cNvPr id="1043" name="Picture 19" descr="С чего начать изучение AngularJS | Stepan Suvorov Blog"/>
+          <p:cNvPicPr>
+            <a:picLocks noChangeAspect="1" noChangeArrowheads="1"/>
+          </p:cNvPicPr>
+          <p:nvPr/>
+        </p:nvPicPr>
+        <p:blipFill>
+          <a:blip r:embed="rId5">
+            <a:extLst>
+              <a:ext uri="{28A0092B-C50C-407E-A947-70E740481C1C}">
+                <a14:useLocalDpi xmlns:a14="http://schemas.microsoft.com/office/drawing/2010/main" val="0"/>
+              </a:ext>
+            </a:extLst>
+          </a:blip>
+          <a:srcRect/>
+          <a:stretch>
+            <a:fillRect/>
+          </a:stretch>
+        </p:blipFill>
+        <p:spPr bwMode="auto">
+          <a:xfrm>
+            <a:off x="5018030" y="3429000"/>
+            <a:ext cx="2319401" cy="2319401"/>
+          </a:xfrm>
+          <a:prstGeom prst="rect">
+            <a:avLst/>
+          </a:prstGeom>
+          <a:noFill/>
+          <a:extLst>
+            <a:ext uri="{909E8E84-426E-40DD-AFC4-6F175D3DCCD1}">
+              <a14:hiddenFill xmlns:a14="http://schemas.microsoft.com/office/drawing/2010/main">
+                <a:solidFill>
+                  <a:srgbClr val="FFFFFF"/>
+                </a:solidFill>
+              </a14:hiddenFill>
+            </a:ext>
+          </a:extLst>
+        </p:spPr>
+      </p:pic>
+    </p:spTree>
+    <p:extLst>
+      <p:ext uri="{BB962C8B-B14F-4D97-AF65-F5344CB8AC3E}">
+        <p14:creationId xmlns:p14="http://schemas.microsoft.com/office/powerpoint/2010/main" val="868588623"/>
+      </p:ext>
+    </p:extLst>
+  </p:cSld>
+  <p:clrMapOvr>
+    <a:masterClrMapping/>
+  </p:clrMapOvr>
+  <p:timing>
+    <p:tnLst>
+      <p:par>
+        <p:cTn id="1" dur="indefinite" restart="never" nodeType="tmRoot">
+          <p:childTnLst>
+            <p:seq concurrent="1" nextAc="seek">
+              <p:cTn id="2" dur="indefinite" nodeType="mainSeq">
+                <p:childTnLst>
+                  <p:par>
+                    <p:cTn id="3" fill="hold">
+                      <p:stCondLst>
+                        <p:cond delay="indefinite"/>
+                      </p:stCondLst>
+                      <p:childTnLst>
+                        <p:par>
+                          <p:cTn id="4" fill="hold">
+                            <p:stCondLst>
+                              <p:cond delay="0"/>
+                            </p:stCondLst>
+                            <p:childTnLst>
+                              <p:par>
+                                <p:cTn id="5" presetID="22" presetClass="entr" presetSubtype="4" fill="hold" nodeType="clickEffect">
+                                  <p:stCondLst>
+                                    <p:cond delay="0"/>
+                                  </p:stCondLst>
+                                  <p:childTnLst>
+                                    <p:set>
+                                      <p:cBhvr>
+                                        <p:cTn id="6" dur="1" fill="hold">
+                                          <p:stCondLst>
+                                            <p:cond delay="0"/>
+                                          </p:stCondLst>
+                                        </p:cTn>
+                                        <p:tgtEl>
+                                          <p:spTgt spid="1036"/>
+                                        </p:tgtEl>
+                                        <p:attrNameLst>
+                                          <p:attrName>style.visibility</p:attrName>
+                                        </p:attrNameLst>
+                                      </p:cBhvr>
+                                      <p:to>
+                                        <p:strVal val="visible"/>
+                                      </p:to>
+                                    </p:set>
+                                    <p:animEffect transition="in" filter="wipe(down)">
+                                      <p:cBhvr>
+                                        <p:cTn id="7" dur="500"/>
+                                        <p:tgtEl>
+                                          <p:spTgt spid="1036"/>
+                                        </p:tgtEl>
+                                      </p:cBhvr>
+                                    </p:animEffect>
+                                  </p:childTnLst>
+                                </p:cTn>
+                              </p:par>
+                            </p:childTnLst>
+                          </p:cTn>
+                        </p:par>
+                      </p:childTnLst>
+                    </p:cTn>
+                  </p:par>
+                  <p:par>
+                    <p:cTn id="8" fill="hold">
+                      <p:stCondLst>
+                        <p:cond delay="indefinite"/>
+                      </p:stCondLst>
+                      <p:childTnLst>
+                        <p:par>
+                          <p:cTn id="9" fill="hold">
+                            <p:stCondLst>
+                              <p:cond delay="0"/>
+                            </p:stCondLst>
+                            <p:childTnLst>
+                              <p:par>
+                                <p:cTn id="10" presetID="22" presetClass="entr" presetSubtype="4" fill="hold" nodeType="clickEffect">
+                                  <p:stCondLst>
+                                    <p:cond delay="0"/>
+                                  </p:stCondLst>
+                                  <p:childTnLst>
+                                    <p:set>
+                                      <p:cBhvr>
+                                        <p:cTn id="11" dur="1" fill="hold">
+                                          <p:stCondLst>
+                                            <p:cond delay="0"/>
+                                          </p:stCondLst>
+                                        </p:cTn>
+                                        <p:tgtEl>
+                                          <p:spTgt spid="1039"/>
+                                        </p:tgtEl>
+                                        <p:attrNameLst>
+                                          <p:attrName>style.visibility</p:attrName>
+                                        </p:attrNameLst>
+                                      </p:cBhvr>
+                                      <p:to>
+                                        <p:strVal val="visible"/>
+                                      </p:to>
+                                    </p:set>
+                                    <p:animEffect transition="in" filter="wipe(down)">
+                                      <p:cBhvr>
+                                        <p:cTn id="12" dur="500"/>
+                                        <p:tgtEl>
+                                          <p:spTgt spid="1039"/>
+                                        </p:tgtEl>
+                                      </p:cBhvr>
+                                    </p:animEffect>
+                                  </p:childTnLst>
+                                </p:cTn>
+                              </p:par>
+                            </p:childTnLst>
+                          </p:cTn>
+                        </p:par>
+                      </p:childTnLst>
+                    </p:cTn>
+                  </p:par>
+                  <p:par>
+                    <p:cTn id="13" fill="hold">
+                      <p:stCondLst>
+                        <p:cond delay="indefinite"/>
+                      </p:stCondLst>
+                      <p:childTnLst>
+                        <p:par>
+                          <p:cTn id="14" fill="hold">
+                            <p:stCondLst>
+                              <p:cond delay="0"/>
+                            </p:stCondLst>
+                            <p:childTnLst>
+                              <p:par>
+                                <p:cTn id="15" presetID="22" presetClass="entr" presetSubtype="4" fill="hold" nodeType="clickEffect">
+                                  <p:stCondLst>
+                                    <p:cond delay="0"/>
+                                  </p:stCondLst>
+                                  <p:childTnLst>
+                                    <p:set>
+                                      <p:cBhvr>
+                                        <p:cTn id="16" dur="1" fill="hold">
+                                          <p:stCondLst>
+                                            <p:cond delay="0"/>
+                                          </p:stCondLst>
+                                        </p:cTn>
+                                        <p:tgtEl>
+                                          <p:spTgt spid="1043"/>
+                                        </p:tgtEl>
+                                        <p:attrNameLst>
+                                          <p:attrName>style.visibility</p:attrName>
+                                        </p:attrNameLst>
+                                      </p:cBhvr>
+                                      <p:to>
+                                        <p:strVal val="visible"/>
+                                      </p:to>
+                                    </p:set>
+                                    <p:animEffect transition="in" filter="wipe(down)">
+                                      <p:cBhvr>
+                                        <p:cTn id="17" dur="500"/>
+                                        <p:tgtEl>
+                                          <p:spTgt spid="1043"/>
+                                        </p:tgtEl>
+                                      </p:cBhvr>
+                                    </p:animEffect>
+                                  </p:childTnLst>
+                                </p:cTn>
+                              </p:par>
+                            </p:childTnLst>
+                          </p:cTn>
+                        </p:par>
+                      </p:childTnLst>
+                    </p:cTn>
+                  </p:par>
+                </p:childTnLst>
+              </p:cTn>
+              <p:prevCondLst>
+                <p:cond evt="onPrev" delay="0">
+                  <p:tgtEl>
+                    <p:sldTgt/>
+                  </p:tgtEl>
+                </p:cond>
+              </p:prevCondLst>
+              <p:nextCondLst>
+                <p:cond evt="onNext" delay="0">
+                  <p:tgtEl>
+                    <p:sldTgt/>
+                  </p:tgtEl>
+                </p:cond>
+              </p:nextCondLst>
+            </p:seq>
+          </p:childTnLst>
+        </p:cTn>
+      </p:par>
+    </p:tnLst>
+  </p:timing>
+</p:sld>
+</file>
+
 <file path=ppt/slides/slide8.xml><?xml version="1.0" encoding="utf-8"?>
+<p:sld xmlns:a="http://schemas.openxmlformats.org/drawingml/2006/main" xmlns:r="http://schemas.openxmlformats.org/officeDocument/2006/relationships" xmlns:p="http://schemas.openxmlformats.org/presentationml/2006/main">
+  <p:cSld>
+    <p:spTree>
+      <p:nvGrpSpPr>
+        <p:cNvPr id="1" name=""/>
+        <p:cNvGrpSpPr/>
+        <p:nvPr/>
+      </p:nvGrpSpPr>
+      <p:grpSpPr>
+        <a:xfrm>
+          <a:off x="0" y="0"/>
+          <a:ext cx="0" cy="0"/>
+          <a:chOff x="0" y="0"/>
+          <a:chExt cx="0" cy="0"/>
+        </a:xfrm>
+      </p:grpSpPr>
+      <p:sp>
+        <p:nvSpPr>
+          <p:cNvPr id="2" name="Заголовок 1"/>
+          <p:cNvSpPr>
+            <a:spLocks noGrp="1"/>
+          </p:cNvSpPr>
+          <p:nvPr>
+            <p:ph type="title"/>
+          </p:nvPr>
+        </p:nvSpPr>
+        <p:spPr/>
+        <p:txBody>
+          <a:bodyPr>
+            <a:normAutofit/>
+          </a:bodyPr>
+          <a:lstStyle/>
+          <a:p>
+            <a:pPr algn="l"/>
+            <a:r>
+              <a:rPr lang="en-US" sz="3200" dirty="0">
+                <a:latin typeface="Helvetica" pitchFamily="34" charset="0"/>
+                <a:cs typeface="Helvetica" pitchFamily="34" charset="0"/>
+              </a:rPr>
+              <a:t>ER – </a:t>
+            </a:r>
+            <a:r>
+              <a:rPr lang="ru-RU" sz="3200" dirty="0">
+                <a:latin typeface="Helvetica" pitchFamily="34" charset="0"/>
+                <a:cs typeface="Helvetica" pitchFamily="34" charset="0"/>
+              </a:rPr>
+              <a:t>диаграмма приложения</a:t>
+            </a:r>
+          </a:p>
+        </p:txBody>
+      </p:sp>
+      <p:sp>
+        <p:nvSpPr>
+          <p:cNvPr id="3" name="Номер слайда 2"/>
+          <p:cNvSpPr>
+            <a:spLocks noGrp="1"/>
+          </p:cNvSpPr>
+          <p:nvPr>
+            <p:ph type="sldNum" sz="quarter" idx="12"/>
+          </p:nvPr>
+        </p:nvSpPr>
+        <p:spPr/>
+        <p:txBody>
+          <a:bodyPr/>
+          <a:lstStyle/>
+          <a:p>
+            <a:fld id="{CEA8D9DC-4534-4FD8-9DD0-97FDDFC6571A}" type="slidenum">
+              <a:rPr lang="ru-RU" smtClean="0"/>
+              <a:t>8</a:t>
+            </a:fld>
+            <a:endParaRPr lang="ru-RU"/>
+          </a:p>
+        </p:txBody>
+      </p:sp>
+      <p:pic>
+        <p:nvPicPr>
+          <p:cNvPr id="1028" name="Picture 4" descr="https://sun9-69.userapi.com/c857728/v857728103/2064e7/zDTUUmyJNYo.jpg"/>
+          <p:cNvPicPr>
+            <a:picLocks noChangeAspect="1" noChangeArrowheads="1"/>
+          </p:cNvPicPr>
+          <p:nvPr/>
+        </p:nvPicPr>
+        <p:blipFill>
+          <a:blip r:embed="rId2">
+            <a:extLst>
+              <a:ext uri="{28A0092B-C50C-407E-A947-70E740481C1C}">
+                <a14:useLocalDpi xmlns:a14="http://schemas.microsoft.com/office/drawing/2010/main" val="0"/>
+              </a:ext>
+            </a:extLst>
+          </a:blip>
+          <a:srcRect/>
+          <a:stretch>
+            <a:fillRect/>
+          </a:stretch>
+        </p:blipFill>
+        <p:spPr bwMode="auto">
+          <a:xfrm>
+            <a:off x="1619672" y="1556792"/>
+            <a:ext cx="5724525" cy="4495800"/>
+          </a:xfrm>
+          <a:prstGeom prst="rect">
+            <a:avLst/>
+          </a:prstGeom>
+          <a:noFill/>
+          <a:extLst>
+            <a:ext uri="{909E8E84-426E-40DD-AFC4-6F175D3DCCD1}">
+              <a14:hiddenFill xmlns:a14="http://schemas.microsoft.com/office/drawing/2010/main">
+                <a:solidFill>
+                  <a:srgbClr val="FFFFFF"/>
+                </a:solidFill>
+              </a14:hiddenFill>
+            </a:ext>
+          </a:extLst>
+        </p:spPr>
+      </p:pic>
+    </p:spTree>
+    <p:extLst>
+      <p:ext uri="{BB962C8B-B14F-4D97-AF65-F5344CB8AC3E}">
+        <p14:creationId xmlns:p14="http://schemas.microsoft.com/office/powerpoint/2010/main" val="576331717"/>
+      </p:ext>
+    </p:extLst>
+  </p:cSld>
+  <p:clrMapOvr>
+    <a:masterClrMapping/>
+  </p:clrMapOvr>
+</p:sld>
+</file>
+
+<file path=ppt/slides/slide9.xml><?xml version="1.0" encoding="utf-8"?>
 <p:sld xmlns:a="http://schemas.openxmlformats.org/drawingml/2006/main" xmlns:r="http://schemas.openxmlformats.org/officeDocument/2006/relationships" xmlns:p="http://schemas.openxmlformats.org/presentationml/2006/main">
   <p:cSld>
     <p:spTree>
@@ -12777,16 +13632,12 @@
           <a:p>
             <a:pPr algn="l"/>
             <a:r>
-              <a:rPr lang="ru-RU" sz="3200" dirty="0" smtClean="0">
+              <a:rPr lang="ru-RU" sz="3200" dirty="0">
                 <a:latin typeface="Helvetica" pitchFamily="34" charset="0"/>
                 <a:cs typeface="Helvetica" pitchFamily="34" charset="0"/>
               </a:rPr>
               <a:t>Интерфейс</a:t>
             </a:r>
-            <a:endParaRPr lang="ru-RU" sz="3200" dirty="0">
-              <a:latin typeface="Helvetica" pitchFamily="34" charset="0"/>
-              <a:cs typeface="Helvetica" pitchFamily="34" charset="0"/>
-            </a:endParaRPr>
           </a:p>
         </p:txBody>
       </p:sp>
@@ -12807,7 +13658,7 @@
           <a:p>
             <a:fld id="{CEA8D9DC-4534-4FD8-9DD0-97FDDFC6571A}" type="slidenum">
               <a:rPr lang="ru-RU" sz="1800" smtClean="0"/>
-              <a:t>8</a:t>
+              <a:t>9</a:t>
             </a:fld>
             <a:endParaRPr lang="ru-RU" dirty="0"/>
           </a:p>
@@ -13243,540 +14094,6 @@
                                         <p:cTn id="23" dur="500"/>
                                         <p:tgtEl>
                                           <p:spTgt spid="1028"/>
-                                        </p:tgtEl>
-                                      </p:cBhvr>
-                                    </p:animEffect>
-                                  </p:childTnLst>
-                                </p:cTn>
-                              </p:par>
-                            </p:childTnLst>
-                          </p:cTn>
-                        </p:par>
-                      </p:childTnLst>
-                    </p:cTn>
-                  </p:par>
-                </p:childTnLst>
-              </p:cTn>
-              <p:prevCondLst>
-                <p:cond evt="onPrev" delay="0">
-                  <p:tgtEl>
-                    <p:sldTgt/>
-                  </p:tgtEl>
-                </p:cond>
-              </p:prevCondLst>
-              <p:nextCondLst>
-                <p:cond evt="onNext" delay="0">
-                  <p:tgtEl>
-                    <p:sldTgt/>
-                  </p:tgtEl>
-                </p:cond>
-              </p:nextCondLst>
-            </p:seq>
-          </p:childTnLst>
-        </p:cTn>
-      </p:par>
-    </p:tnLst>
-  </p:timing>
-</p:sld>
-</file>
-
-<file path=ppt/slides/slide9.xml><?xml version="1.0" encoding="utf-8"?>
-<p:sld xmlns:a="http://schemas.openxmlformats.org/drawingml/2006/main" xmlns:r="http://schemas.openxmlformats.org/officeDocument/2006/relationships" xmlns:p="http://schemas.openxmlformats.org/presentationml/2006/main">
-  <p:cSld>
-    <p:spTree>
-      <p:nvGrpSpPr>
-        <p:cNvPr id="1" name=""/>
-        <p:cNvGrpSpPr/>
-        <p:nvPr/>
-      </p:nvGrpSpPr>
-      <p:grpSpPr>
-        <a:xfrm>
-          <a:off x="0" y="0"/>
-          <a:ext cx="0" cy="0"/>
-          <a:chOff x="0" y="0"/>
-          <a:chExt cx="0" cy="0"/>
-        </a:xfrm>
-      </p:grpSpPr>
-      <p:sp>
-        <p:nvSpPr>
-          <p:cNvPr id="2" name="Заголовок 1"/>
-          <p:cNvSpPr>
-            <a:spLocks noGrp="1"/>
-          </p:cNvSpPr>
-          <p:nvPr>
-            <p:ph type="title"/>
-          </p:nvPr>
-        </p:nvSpPr>
-        <p:spPr/>
-        <p:txBody>
-          <a:bodyPr/>
-          <a:lstStyle/>
-          <a:p>
-            <a:pPr algn="l"/>
-            <a:r>
-              <a:rPr lang="ru-RU" sz="3200" dirty="0">
-                <a:latin typeface="Helvetica" pitchFamily="34" charset="0"/>
-                <a:cs typeface="Helvetica" pitchFamily="34" charset="0"/>
-              </a:rPr>
-              <a:t>Интерфейс</a:t>
-            </a:r>
-            <a:endParaRPr lang="ru-RU" sz="3200" dirty="0"/>
-          </a:p>
-        </p:txBody>
-      </p:sp>
-      <p:sp>
-        <p:nvSpPr>
-          <p:cNvPr id="3" name="Номер слайда 2"/>
-          <p:cNvSpPr>
-            <a:spLocks noGrp="1"/>
-          </p:cNvSpPr>
-          <p:nvPr>
-            <p:ph type="sldNum" sz="quarter" idx="12"/>
-          </p:nvPr>
-        </p:nvSpPr>
-        <p:spPr/>
-        <p:txBody>
-          <a:bodyPr/>
-          <a:lstStyle/>
-          <a:p>
-            <a:fld id="{CEA8D9DC-4534-4FD8-9DD0-97FDDFC6571A}" type="slidenum">
-              <a:rPr lang="ru-RU" sz="1800" smtClean="0"/>
-              <a:t>9</a:t>
-            </a:fld>
-            <a:endParaRPr lang="ru-RU" sz="1800" dirty="0"/>
-          </a:p>
-        </p:txBody>
-      </p:sp>
-      <p:pic>
-        <p:nvPicPr>
-          <p:cNvPr id="2050" name="Picture 2"/>
-          <p:cNvPicPr>
-            <a:picLocks noChangeAspect="1" noChangeArrowheads="1"/>
-          </p:cNvPicPr>
-          <p:nvPr/>
-        </p:nvPicPr>
-        <p:blipFill>
-          <a:blip r:embed="rId2">
-            <a:extLst>
-              <a:ext uri="{28A0092B-C50C-407E-A947-70E740481C1C}">
-                <a14:useLocalDpi xmlns:a14="http://schemas.microsoft.com/office/drawing/2010/main" val="0"/>
-              </a:ext>
-            </a:extLst>
-          </a:blip>
-          <a:srcRect/>
-          <a:stretch>
-            <a:fillRect/>
-          </a:stretch>
-        </p:blipFill>
-        <p:spPr bwMode="auto">
-          <a:xfrm>
-            <a:off x="1152550" y="1148730"/>
-            <a:ext cx="6898158" cy="5408342"/>
-          </a:xfrm>
-          <a:prstGeom prst="rect">
-            <a:avLst/>
-          </a:prstGeom>
-          <a:noFill/>
-          <a:ln>
-            <a:noFill/>
-          </a:ln>
-          <a:effectLst/>
-          <a:extLst>
-            <a:ext uri="{909E8E84-426E-40DD-AFC4-6F175D3DCCD1}">
-              <a14:hiddenFill xmlns:a14="http://schemas.microsoft.com/office/drawing/2010/main">
-                <a:solidFill>
-                  <a:schemeClr val="accent1"/>
-                </a:solidFill>
-              </a14:hiddenFill>
-            </a:ext>
-            <a:ext uri="{91240B29-F687-4F45-9708-019B960494DF}">
-              <a14:hiddenLine xmlns:a14="http://schemas.microsoft.com/office/drawing/2010/main" w="9525">
-                <a:solidFill>
-                  <a:schemeClr val="tx1"/>
-                </a:solidFill>
-                <a:miter lim="800000"/>
-                <a:headEnd/>
-                <a:tailEnd/>
-              </a14:hiddenLine>
-            </a:ext>
-            <a:ext uri="{AF507438-7753-43E0-B8FC-AC1667EBCBE1}">
-              <a14:hiddenEffects xmlns:a14="http://schemas.microsoft.com/office/drawing/2010/main">
-                <a:effectLst>
-                  <a:outerShdw dist="35921" dir="2700000" algn="ctr" rotWithShape="0">
-                    <a:schemeClr val="bg2"/>
-                  </a:outerShdw>
-                </a:effectLst>
-              </a14:hiddenEffects>
-            </a:ext>
-          </a:extLst>
-        </p:spPr>
-      </p:pic>
-      <p:pic>
-        <p:nvPicPr>
-          <p:cNvPr id="2051" name="Picture 3"/>
-          <p:cNvPicPr>
-            <a:picLocks noChangeAspect="1" noChangeArrowheads="1"/>
-          </p:cNvPicPr>
-          <p:nvPr/>
-        </p:nvPicPr>
-        <p:blipFill>
-          <a:blip r:embed="rId3">
-            <a:extLst>
-              <a:ext uri="{28A0092B-C50C-407E-A947-70E740481C1C}">
-                <a14:useLocalDpi xmlns:a14="http://schemas.microsoft.com/office/drawing/2010/main" val="0"/>
-              </a:ext>
-            </a:extLst>
-          </a:blip>
-          <a:srcRect/>
-          <a:stretch>
-            <a:fillRect/>
-          </a:stretch>
-        </p:blipFill>
-        <p:spPr bwMode="auto">
-          <a:xfrm>
-            <a:off x="315751" y="1686071"/>
-            <a:ext cx="8604448" cy="4333660"/>
-          </a:xfrm>
-          <a:prstGeom prst="rect">
-            <a:avLst/>
-          </a:prstGeom>
-          <a:noFill/>
-          <a:ln>
-            <a:noFill/>
-          </a:ln>
-          <a:effectLst/>
-          <a:extLst>
-            <a:ext uri="{909E8E84-426E-40DD-AFC4-6F175D3DCCD1}">
-              <a14:hiddenFill xmlns:a14="http://schemas.microsoft.com/office/drawing/2010/main">
-                <a:solidFill>
-                  <a:schemeClr val="accent1"/>
-                </a:solidFill>
-              </a14:hiddenFill>
-            </a:ext>
-            <a:ext uri="{91240B29-F687-4F45-9708-019B960494DF}">
-              <a14:hiddenLine xmlns:a14="http://schemas.microsoft.com/office/drawing/2010/main" w="9525">
-                <a:solidFill>
-                  <a:schemeClr val="tx1"/>
-                </a:solidFill>
-                <a:miter lim="800000"/>
-                <a:headEnd/>
-                <a:tailEnd/>
-              </a14:hiddenLine>
-            </a:ext>
-            <a:ext uri="{AF507438-7753-43E0-B8FC-AC1667EBCBE1}">
-              <a14:hiddenEffects xmlns:a14="http://schemas.microsoft.com/office/drawing/2010/main">
-                <a:effectLst>
-                  <a:outerShdw dist="35921" dir="2700000" algn="ctr" rotWithShape="0">
-                    <a:schemeClr val="bg2"/>
-                  </a:outerShdw>
-                </a:effectLst>
-              </a14:hiddenEffects>
-            </a:ext>
-          </a:extLst>
-        </p:spPr>
-      </p:pic>
-      <p:pic>
-        <p:nvPicPr>
-          <p:cNvPr id="2052" name="Picture 4"/>
-          <p:cNvPicPr>
-            <a:picLocks noChangeAspect="1" noChangeArrowheads="1"/>
-          </p:cNvPicPr>
-          <p:nvPr/>
-        </p:nvPicPr>
-        <p:blipFill>
-          <a:blip r:embed="rId4">
-            <a:extLst>
-              <a:ext uri="{28A0092B-C50C-407E-A947-70E740481C1C}">
-                <a14:useLocalDpi xmlns:a14="http://schemas.microsoft.com/office/drawing/2010/main" val="0"/>
-              </a:ext>
-            </a:extLst>
-          </a:blip>
-          <a:srcRect/>
-          <a:stretch>
-            <a:fillRect/>
-          </a:stretch>
-        </p:blipFill>
-        <p:spPr bwMode="auto">
-          <a:xfrm>
-            <a:off x="184993" y="1633069"/>
-            <a:ext cx="8833271" cy="4439663"/>
-          </a:xfrm>
-          <a:prstGeom prst="rect">
-            <a:avLst/>
-          </a:prstGeom>
-          <a:noFill/>
-          <a:ln>
-            <a:noFill/>
-          </a:ln>
-          <a:effectLst/>
-          <a:extLst>
-            <a:ext uri="{909E8E84-426E-40DD-AFC4-6F175D3DCCD1}">
-              <a14:hiddenFill xmlns:a14="http://schemas.microsoft.com/office/drawing/2010/main">
-                <a:solidFill>
-                  <a:schemeClr val="accent1"/>
-                </a:solidFill>
-              </a14:hiddenFill>
-            </a:ext>
-            <a:ext uri="{91240B29-F687-4F45-9708-019B960494DF}">
-              <a14:hiddenLine xmlns:a14="http://schemas.microsoft.com/office/drawing/2010/main" w="9525">
-                <a:solidFill>
-                  <a:schemeClr val="tx1"/>
-                </a:solidFill>
-                <a:miter lim="800000"/>
-                <a:headEnd/>
-                <a:tailEnd/>
-              </a14:hiddenLine>
-            </a:ext>
-            <a:ext uri="{AF507438-7753-43E0-B8FC-AC1667EBCBE1}">
-              <a14:hiddenEffects xmlns:a14="http://schemas.microsoft.com/office/drawing/2010/main">
-                <a:effectLst>
-                  <a:outerShdw dist="35921" dir="2700000" algn="ctr" rotWithShape="0">
-                    <a:schemeClr val="bg2"/>
-                  </a:outerShdw>
-                </a:effectLst>
-              </a14:hiddenEffects>
-            </a:ext>
-          </a:extLst>
-        </p:spPr>
-      </p:pic>
-    </p:spTree>
-    <p:extLst>
-      <p:ext uri="{BB962C8B-B14F-4D97-AF65-F5344CB8AC3E}">
-        <p14:creationId xmlns:p14="http://schemas.microsoft.com/office/powerpoint/2010/main" val="622081786"/>
-      </p:ext>
-    </p:extLst>
-  </p:cSld>
-  <p:clrMapOvr>
-    <a:masterClrMapping/>
-  </p:clrMapOvr>
-  <p:timing>
-    <p:tnLst>
-      <p:par>
-        <p:cTn id="1" dur="indefinite" restart="never" nodeType="tmRoot">
-          <p:childTnLst>
-            <p:seq concurrent="1" nextAc="seek">
-              <p:cTn id="2" dur="indefinite" nodeType="mainSeq">
-                <p:childTnLst>
-                  <p:par>
-                    <p:cTn id="3" fill="hold">
-                      <p:stCondLst>
-                        <p:cond delay="indefinite"/>
-                        <p:cond evt="onBegin" delay="0">
-                          <p:tn val="2"/>
-                        </p:cond>
-                      </p:stCondLst>
-                      <p:childTnLst>
-                        <p:par>
-                          <p:cTn id="4" fill="hold">
-                            <p:stCondLst>
-                              <p:cond delay="0"/>
-                            </p:stCondLst>
-                            <p:childTnLst>
-                              <p:par>
-                                <p:cTn id="5" presetID="22" presetClass="entr" presetSubtype="4" fill="hold" nodeType="withEffect">
-                                  <p:stCondLst>
-                                    <p:cond delay="0"/>
-                                  </p:stCondLst>
-                                  <p:childTnLst>
-                                    <p:set>
-                                      <p:cBhvr>
-                                        <p:cTn id="6" dur="1" fill="hold">
-                                          <p:stCondLst>
-                                            <p:cond delay="0"/>
-                                          </p:stCondLst>
-                                        </p:cTn>
-                                        <p:tgtEl>
-                                          <p:spTgt spid="2050"/>
-                                        </p:tgtEl>
-                                        <p:attrNameLst>
-                                          <p:attrName>style.visibility</p:attrName>
-                                        </p:attrNameLst>
-                                      </p:cBhvr>
-                                      <p:to>
-                                        <p:strVal val="visible"/>
-                                      </p:to>
-                                    </p:set>
-                                    <p:animEffect transition="in" filter="wipe(down)">
-                                      <p:cBhvr>
-                                        <p:cTn id="7" dur="500"/>
-                                        <p:tgtEl>
-                                          <p:spTgt spid="2050"/>
-                                        </p:tgtEl>
-                                      </p:cBhvr>
-                                    </p:animEffect>
-                                  </p:childTnLst>
-                                </p:cTn>
-                              </p:par>
-                            </p:childTnLst>
-                          </p:cTn>
-                        </p:par>
-                      </p:childTnLst>
-                    </p:cTn>
-                  </p:par>
-                  <p:par>
-                    <p:cTn id="8" fill="hold">
-                      <p:stCondLst>
-                        <p:cond delay="indefinite"/>
-                      </p:stCondLst>
-                      <p:childTnLst>
-                        <p:par>
-                          <p:cTn id="9" fill="hold">
-                            <p:stCondLst>
-                              <p:cond delay="0"/>
-                            </p:stCondLst>
-                            <p:childTnLst>
-                              <p:par>
-                                <p:cTn id="10" presetID="22" presetClass="exit" presetSubtype="4" fill="hold" nodeType="clickEffect">
-                                  <p:stCondLst>
-                                    <p:cond delay="0"/>
-                                  </p:stCondLst>
-                                  <p:childTnLst>
-                                    <p:animEffect transition="out" filter="wipe(down)">
-                                      <p:cBhvr>
-                                        <p:cTn id="11" dur="500"/>
-                                        <p:tgtEl>
-                                          <p:spTgt spid="2050"/>
-                                        </p:tgtEl>
-                                      </p:cBhvr>
-                                    </p:animEffect>
-                                    <p:set>
-                                      <p:cBhvr>
-                                        <p:cTn id="12" dur="1" fill="hold">
-                                          <p:stCondLst>
-                                            <p:cond delay="499"/>
-                                          </p:stCondLst>
-                                        </p:cTn>
-                                        <p:tgtEl>
-                                          <p:spTgt spid="2050"/>
-                                        </p:tgtEl>
-                                        <p:attrNameLst>
-                                          <p:attrName>style.visibility</p:attrName>
-                                        </p:attrNameLst>
-                                      </p:cBhvr>
-                                      <p:to>
-                                        <p:strVal val="hidden"/>
-                                      </p:to>
-                                    </p:set>
-                                  </p:childTnLst>
-                                </p:cTn>
-                              </p:par>
-                              <p:par>
-                                <p:cTn id="13" presetID="22" presetClass="entr" presetSubtype="4" fill="hold" nodeType="withEffect">
-                                  <p:stCondLst>
-                                    <p:cond delay="0"/>
-                                  </p:stCondLst>
-                                  <p:childTnLst>
-                                    <p:set>
-                                      <p:cBhvr>
-                                        <p:cTn id="14" dur="1" fill="hold">
-                                          <p:stCondLst>
-                                            <p:cond delay="0"/>
-                                          </p:stCondLst>
-                                        </p:cTn>
-                                        <p:tgtEl>
-                                          <p:spTgt spid="2051"/>
-                                        </p:tgtEl>
-                                        <p:attrNameLst>
-                                          <p:attrName>style.visibility</p:attrName>
-                                        </p:attrNameLst>
-                                      </p:cBhvr>
-                                      <p:to>
-                                        <p:strVal val="visible"/>
-                                      </p:to>
-                                    </p:set>
-                                    <p:animEffect transition="in" filter="wipe(down)">
-                                      <p:cBhvr>
-                                        <p:cTn id="15" dur="500"/>
-                                        <p:tgtEl>
-                                          <p:spTgt spid="2051"/>
-                                        </p:tgtEl>
-                                      </p:cBhvr>
-                                    </p:animEffect>
-                                  </p:childTnLst>
-                                </p:cTn>
-                              </p:par>
-                            </p:childTnLst>
-                          </p:cTn>
-                        </p:par>
-                      </p:childTnLst>
-                    </p:cTn>
-                  </p:par>
-                  <p:par>
-                    <p:cTn id="16" fill="hold">
-                      <p:stCondLst>
-                        <p:cond delay="indefinite"/>
-                      </p:stCondLst>
-                      <p:childTnLst>
-                        <p:par>
-                          <p:cTn id="17" fill="hold">
-                            <p:stCondLst>
-                              <p:cond delay="0"/>
-                            </p:stCondLst>
-                            <p:childTnLst>
-                              <p:par>
-                                <p:cTn id="18" presetID="10" presetClass="exit" presetSubtype="0" fill="hold" nodeType="clickEffect">
-                                  <p:stCondLst>
-                                    <p:cond delay="0"/>
-                                  </p:stCondLst>
-                                  <p:childTnLst>
-                                    <p:animEffect transition="out" filter="fade">
-                                      <p:cBhvr>
-                                        <p:cTn id="19" dur="500"/>
-                                        <p:tgtEl>
-                                          <p:spTgt spid="2051"/>
-                                        </p:tgtEl>
-                                      </p:cBhvr>
-                                    </p:animEffect>
-                                    <p:set>
-                                      <p:cBhvr>
-                                        <p:cTn id="20" dur="1" fill="hold">
-                                          <p:stCondLst>
-                                            <p:cond delay="499"/>
-                                          </p:stCondLst>
-                                        </p:cTn>
-                                        <p:tgtEl>
-                                          <p:spTgt spid="2051"/>
-                                        </p:tgtEl>
-                                        <p:attrNameLst>
-                                          <p:attrName>style.visibility</p:attrName>
-                                        </p:attrNameLst>
-                                      </p:cBhvr>
-                                      <p:to>
-                                        <p:strVal val="hidden"/>
-                                      </p:to>
-                                    </p:set>
-                                  </p:childTnLst>
-                                </p:cTn>
-                              </p:par>
-                              <p:par>
-                                <p:cTn id="21" presetID="22" presetClass="entr" presetSubtype="4" fill="hold" nodeType="withEffect">
-                                  <p:stCondLst>
-                                    <p:cond delay="0"/>
-                                  </p:stCondLst>
-                                  <p:childTnLst>
-                                    <p:set>
-                                      <p:cBhvr>
-                                        <p:cTn id="22" dur="1" fill="hold">
-                                          <p:stCondLst>
-                                            <p:cond delay="0"/>
-                                          </p:stCondLst>
-                                        </p:cTn>
-                                        <p:tgtEl>
-                                          <p:spTgt spid="2052"/>
-                                        </p:tgtEl>
-                                        <p:attrNameLst>
-                                          <p:attrName>style.visibility</p:attrName>
-                                        </p:attrNameLst>
-                                      </p:cBhvr>
-                                      <p:to>
-                                        <p:strVal val="visible"/>
-                                      </p:to>
-                                    </p:set>
-                                    <p:animEffect transition="in" filter="wipe(down)">
-                                      <p:cBhvr>
-                                        <p:cTn id="23" dur="500"/>
-                                        <p:tgtEl>
-                                          <p:spTgt spid="2052"/>
                                         </p:tgtEl>
                                       </p:cBhvr>
                                     </p:animEffect>
